--- a/Project_Pres.pptx
+++ b/Project_Pres.pptx
@@ -109,6 +109,11 @@
       </a:defRPr>
     </a:lvl9pPr>
   </p:defaultTextStyle>
+  <p:extLst>
+    <p:ext uri="{EFAFB233-063F-42B5-8137-9DF3F51BA10A}">
+      <p15:sldGuideLst xmlns:p15="http://schemas.microsoft.com/office/powerpoint/2012/main"/>
+    </p:ext>
+  </p:extLst>
 </p:presentation>
 </file>
 
@@ -259,7 +264,7 @@
           <a:p>
             <a:fld id="{FFB2809C-2378-48A8-B402-76421C3DDE73}" type="datetimeFigureOut">
               <a:rPr lang="en-US" smtClean="0"/>
-              <a:t>12/1/2019</a:t>
+              <a:t>12/2/2019</a:t>
             </a:fld>
             <a:endParaRPr lang="en-US"/>
           </a:p>
@@ -457,7 +462,7 @@
           <a:p>
             <a:fld id="{FFB2809C-2378-48A8-B402-76421C3DDE73}" type="datetimeFigureOut">
               <a:rPr lang="en-US" smtClean="0"/>
-              <a:t>12/1/2019</a:t>
+              <a:t>12/2/2019</a:t>
             </a:fld>
             <a:endParaRPr lang="en-US"/>
           </a:p>
@@ -665,7 +670,7 @@
           <a:p>
             <a:fld id="{FFB2809C-2378-48A8-B402-76421C3DDE73}" type="datetimeFigureOut">
               <a:rPr lang="en-US" smtClean="0"/>
-              <a:t>12/1/2019</a:t>
+              <a:t>12/2/2019</a:t>
             </a:fld>
             <a:endParaRPr lang="en-US"/>
           </a:p>
@@ -863,7 +868,7 @@
           <a:p>
             <a:fld id="{FFB2809C-2378-48A8-B402-76421C3DDE73}" type="datetimeFigureOut">
               <a:rPr lang="en-US" smtClean="0"/>
-              <a:t>12/1/2019</a:t>
+              <a:t>12/2/2019</a:t>
             </a:fld>
             <a:endParaRPr lang="en-US"/>
           </a:p>
@@ -1138,7 +1143,7 @@
           <a:p>
             <a:fld id="{FFB2809C-2378-48A8-B402-76421C3DDE73}" type="datetimeFigureOut">
               <a:rPr lang="en-US" smtClean="0"/>
-              <a:t>12/1/2019</a:t>
+              <a:t>12/2/2019</a:t>
             </a:fld>
             <a:endParaRPr lang="en-US"/>
           </a:p>
@@ -1403,7 +1408,7 @@
           <a:p>
             <a:fld id="{FFB2809C-2378-48A8-B402-76421C3DDE73}" type="datetimeFigureOut">
               <a:rPr lang="en-US" smtClean="0"/>
-              <a:t>12/1/2019</a:t>
+              <a:t>12/2/2019</a:t>
             </a:fld>
             <a:endParaRPr lang="en-US"/>
           </a:p>
@@ -1815,7 +1820,7 @@
           <a:p>
             <a:fld id="{FFB2809C-2378-48A8-B402-76421C3DDE73}" type="datetimeFigureOut">
               <a:rPr lang="en-US" smtClean="0"/>
-              <a:t>12/1/2019</a:t>
+              <a:t>12/2/2019</a:t>
             </a:fld>
             <a:endParaRPr lang="en-US"/>
           </a:p>
@@ -1956,7 +1961,7 @@
           <a:p>
             <a:fld id="{FFB2809C-2378-48A8-B402-76421C3DDE73}" type="datetimeFigureOut">
               <a:rPr lang="en-US" smtClean="0"/>
-              <a:t>12/1/2019</a:t>
+              <a:t>12/2/2019</a:t>
             </a:fld>
             <a:endParaRPr lang="en-US"/>
           </a:p>
@@ -2069,7 +2074,7 @@
           <a:p>
             <a:fld id="{FFB2809C-2378-48A8-B402-76421C3DDE73}" type="datetimeFigureOut">
               <a:rPr lang="en-US" smtClean="0"/>
-              <a:t>12/1/2019</a:t>
+              <a:t>12/2/2019</a:t>
             </a:fld>
             <a:endParaRPr lang="en-US"/>
           </a:p>
@@ -2380,7 +2385,7 @@
           <a:p>
             <a:fld id="{FFB2809C-2378-48A8-B402-76421C3DDE73}" type="datetimeFigureOut">
               <a:rPr lang="en-US" smtClean="0"/>
-              <a:t>12/1/2019</a:t>
+              <a:t>12/2/2019</a:t>
             </a:fld>
             <a:endParaRPr lang="en-US"/>
           </a:p>
@@ -2668,7 +2673,7 @@
           <a:p>
             <a:fld id="{FFB2809C-2378-48A8-B402-76421C3DDE73}" type="datetimeFigureOut">
               <a:rPr lang="en-US" smtClean="0"/>
-              <a:t>12/1/2019</a:t>
+              <a:t>12/2/2019</a:t>
             </a:fld>
             <a:endParaRPr lang="en-US"/>
           </a:p>
@@ -2909,7 +2914,7 @@
           <a:p>
             <a:fld id="{FFB2809C-2378-48A8-B402-76421C3DDE73}" type="datetimeFigureOut">
               <a:rPr lang="en-US" smtClean="0"/>
-              <a:t>12/1/2019</a:t>
+              <a:t>12/2/2019</a:t>
             </a:fld>
             <a:endParaRPr lang="en-US"/>
           </a:p>
@@ -8043,8 +8048,8 @@
           </a:fontRef>
         </p:style>
       </p:cxnSp>
-      <mc:AlternateContent xmlns:mc="http://schemas.openxmlformats.org/markup-compatibility/2006">
-        <mc:Choice xmlns:a14="http://schemas.microsoft.com/office/drawing/2010/main" Requires="a14">
+      <mc:AlternateContent xmlns:mc="http://schemas.openxmlformats.org/markup-compatibility/2006" xmlns:a14="http://schemas.microsoft.com/office/drawing/2010/main">
+        <mc:Choice Requires="a14">
           <p:sp>
             <p:nvSpPr>
               <p:cNvPr id="2053" name="TextBox 2052">
@@ -8092,7 +8097,7 @@
             </p:txBody>
           </p:sp>
         </mc:Choice>
-        <mc:Fallback>
+        <mc:Fallback xmlns="">
           <p:sp>
             <p:nvSpPr>
               <p:cNvPr id="2053" name="TextBox 2052">
@@ -12436,8 +12441,8 @@
           </a:fontRef>
         </p:style>
       </p:cxnSp>
-      <mc:AlternateContent xmlns:mc="http://schemas.openxmlformats.org/markup-compatibility/2006">
-        <mc:Choice xmlns:a14="http://schemas.microsoft.com/office/drawing/2010/main" Requires="a14">
+      <mc:AlternateContent xmlns:mc="http://schemas.openxmlformats.org/markup-compatibility/2006" xmlns:a14="http://schemas.microsoft.com/office/drawing/2010/main">
+        <mc:Choice Requires="a14">
           <p:sp>
             <p:nvSpPr>
               <p:cNvPr id="2053" name="TextBox 2052">
@@ -12484,7 +12489,7 @@
             </p:txBody>
           </p:sp>
         </mc:Choice>
-        <mc:Fallback>
+        <mc:Fallback xmlns="">
           <p:sp>
             <p:nvSpPr>
               <p:cNvPr id="2053" name="TextBox 2052">
@@ -12670,11 +12675,2057 @@
           <a:p>
             <a:r>
               <a:rPr lang="en-US" dirty="0"/>
-              <a:t>VREP Demonstration</a:t>
+              <a:t>Analytical IK for theta</a:t>
             </a:r>
           </a:p>
         </p:txBody>
       </p:sp>
+      <p:sp>
+        <p:nvSpPr>
+          <p:cNvPr id="22" name="Oval 21">
+            <a:extLst>
+              <a:ext uri="{FF2B5EF4-FFF2-40B4-BE49-F238E27FC236}">
+                <a16:creationId xmlns:a16="http://schemas.microsoft.com/office/drawing/2014/main" id="{7C86FACD-20CB-4BC4-A235-102AF8E5AE2D}"/>
+              </a:ext>
+            </a:extLst>
+          </p:cNvPr>
+          <p:cNvSpPr/>
+          <p:nvPr/>
+        </p:nvSpPr>
+        <p:spPr>
+          <a:xfrm>
+            <a:off x="2380129" y="3832410"/>
+            <a:ext cx="134469" cy="134473"/>
+          </a:xfrm>
+          <a:prstGeom prst="ellipse">
+            <a:avLst/>
+          </a:prstGeom>
+        </p:spPr>
+        <p:style>
+          <a:lnRef idx="2">
+            <a:schemeClr val="dk1">
+              <a:shade val="50000"/>
+            </a:schemeClr>
+          </a:lnRef>
+          <a:fillRef idx="1">
+            <a:schemeClr val="dk1"/>
+          </a:fillRef>
+          <a:effectRef idx="0">
+            <a:schemeClr val="dk1"/>
+          </a:effectRef>
+          <a:fontRef idx="minor">
+            <a:schemeClr val="lt1"/>
+          </a:fontRef>
+        </p:style>
+        <p:txBody>
+          <a:bodyPr rtlCol="0" anchor="ctr"/>
+          <a:lstStyle/>
+          <a:p>
+            <a:pPr algn="ctr"/>
+            <a:endParaRPr lang="en-US"/>
+          </a:p>
+        </p:txBody>
+      </p:sp>
+      <p:sp>
+        <p:nvSpPr>
+          <p:cNvPr id="23" name="Oval 22">
+            <a:extLst>
+              <a:ext uri="{FF2B5EF4-FFF2-40B4-BE49-F238E27FC236}">
+                <a16:creationId xmlns:a16="http://schemas.microsoft.com/office/drawing/2014/main" id="{FF3E514C-588A-48FB-A653-309CA62B7BFB}"/>
+              </a:ext>
+            </a:extLst>
+          </p:cNvPr>
+          <p:cNvSpPr/>
+          <p:nvPr/>
+        </p:nvSpPr>
+        <p:spPr>
+          <a:xfrm>
+            <a:off x="2380128" y="3164541"/>
+            <a:ext cx="134469" cy="134473"/>
+          </a:xfrm>
+          <a:prstGeom prst="ellipse">
+            <a:avLst/>
+          </a:prstGeom>
+        </p:spPr>
+        <p:style>
+          <a:lnRef idx="2">
+            <a:schemeClr val="dk1">
+              <a:shade val="50000"/>
+            </a:schemeClr>
+          </a:lnRef>
+          <a:fillRef idx="1">
+            <a:schemeClr val="dk1"/>
+          </a:fillRef>
+          <a:effectRef idx="0">
+            <a:schemeClr val="dk1"/>
+          </a:effectRef>
+          <a:fontRef idx="minor">
+            <a:schemeClr val="lt1"/>
+          </a:fontRef>
+        </p:style>
+        <p:txBody>
+          <a:bodyPr rtlCol="0" anchor="ctr"/>
+          <a:lstStyle/>
+          <a:p>
+            <a:pPr algn="ctr"/>
+            <a:endParaRPr lang="en-US"/>
+          </a:p>
+        </p:txBody>
+      </p:sp>
+      <p:sp>
+        <p:nvSpPr>
+          <p:cNvPr id="24" name="Oval 23">
+            <a:extLst>
+              <a:ext uri="{FF2B5EF4-FFF2-40B4-BE49-F238E27FC236}">
+                <a16:creationId xmlns:a16="http://schemas.microsoft.com/office/drawing/2014/main" id="{F9BEB700-7DF2-46E8-B066-0B0694C98393}"/>
+              </a:ext>
+            </a:extLst>
+          </p:cNvPr>
+          <p:cNvSpPr/>
+          <p:nvPr/>
+        </p:nvSpPr>
+        <p:spPr>
+          <a:xfrm>
+            <a:off x="2909047" y="2523982"/>
+            <a:ext cx="134469" cy="134473"/>
+          </a:xfrm>
+          <a:prstGeom prst="ellipse">
+            <a:avLst/>
+          </a:prstGeom>
+          <a:solidFill>
+            <a:schemeClr val="accent2"/>
+          </a:solidFill>
+        </p:spPr>
+        <p:style>
+          <a:lnRef idx="2">
+            <a:schemeClr val="dk1">
+              <a:shade val="50000"/>
+            </a:schemeClr>
+          </a:lnRef>
+          <a:fillRef idx="1">
+            <a:schemeClr val="dk1"/>
+          </a:fillRef>
+          <a:effectRef idx="0">
+            <a:schemeClr val="dk1"/>
+          </a:effectRef>
+          <a:fontRef idx="minor">
+            <a:schemeClr val="lt1"/>
+          </a:fontRef>
+        </p:style>
+        <p:txBody>
+          <a:bodyPr rtlCol="0" anchor="ctr"/>
+          <a:lstStyle/>
+          <a:p>
+            <a:pPr algn="ctr"/>
+            <a:endParaRPr lang="en-US"/>
+          </a:p>
+        </p:txBody>
+      </p:sp>
+      <p:sp>
+        <p:nvSpPr>
+          <p:cNvPr id="26" name="Oval 25">
+            <a:extLst>
+              <a:ext uri="{FF2B5EF4-FFF2-40B4-BE49-F238E27FC236}">
+                <a16:creationId xmlns:a16="http://schemas.microsoft.com/office/drawing/2014/main" id="{8BBB0CA4-7B8F-4725-9880-ECF1D7DA620E}"/>
+              </a:ext>
+            </a:extLst>
+          </p:cNvPr>
+          <p:cNvSpPr/>
+          <p:nvPr/>
+        </p:nvSpPr>
+        <p:spPr>
+          <a:xfrm>
+            <a:off x="2389093" y="2530288"/>
+            <a:ext cx="134469" cy="134473"/>
+          </a:xfrm>
+          <a:prstGeom prst="ellipse">
+            <a:avLst/>
+          </a:prstGeom>
+        </p:spPr>
+        <p:style>
+          <a:lnRef idx="2">
+            <a:schemeClr val="dk1">
+              <a:shade val="50000"/>
+            </a:schemeClr>
+          </a:lnRef>
+          <a:fillRef idx="1">
+            <a:schemeClr val="dk1"/>
+          </a:fillRef>
+          <a:effectRef idx="0">
+            <a:schemeClr val="dk1"/>
+          </a:effectRef>
+          <a:fontRef idx="minor">
+            <a:schemeClr val="lt1"/>
+          </a:fontRef>
+        </p:style>
+        <p:txBody>
+          <a:bodyPr rtlCol="0" anchor="ctr"/>
+          <a:lstStyle/>
+          <a:p>
+            <a:pPr algn="ctr"/>
+            <a:endParaRPr lang="en-US"/>
+          </a:p>
+        </p:txBody>
+      </p:sp>
+      <p:cxnSp>
+        <p:nvCxnSpPr>
+          <p:cNvPr id="29" name="Straight Connector 28">
+            <a:extLst>
+              <a:ext uri="{FF2B5EF4-FFF2-40B4-BE49-F238E27FC236}">
+                <a16:creationId xmlns:a16="http://schemas.microsoft.com/office/drawing/2014/main" id="{2DDA9445-204D-40E3-8055-F2B6236B21FA}"/>
+              </a:ext>
+            </a:extLst>
+          </p:cNvPr>
+          <p:cNvCxnSpPr>
+            <a:cxnSpLocks/>
+          </p:cNvCxnSpPr>
+          <p:nvPr/>
+        </p:nvCxnSpPr>
+        <p:spPr>
+          <a:xfrm>
+            <a:off x="2129117" y="4213412"/>
+            <a:ext cx="600636" cy="0"/>
+          </a:xfrm>
+          <a:prstGeom prst="line">
+            <a:avLst/>
+          </a:prstGeom>
+          <a:ln w="28575">
+            <a:solidFill>
+              <a:schemeClr val="tx1"/>
+            </a:solidFill>
+          </a:ln>
+        </p:spPr>
+        <p:style>
+          <a:lnRef idx="1">
+            <a:schemeClr val="accent1"/>
+          </a:lnRef>
+          <a:fillRef idx="0">
+            <a:schemeClr val="accent1"/>
+          </a:fillRef>
+          <a:effectRef idx="0">
+            <a:schemeClr val="accent1"/>
+          </a:effectRef>
+          <a:fontRef idx="minor">
+            <a:schemeClr val="tx1"/>
+          </a:fontRef>
+        </p:style>
+      </p:cxnSp>
+      <p:cxnSp>
+        <p:nvCxnSpPr>
+          <p:cNvPr id="32" name="Straight Connector 31">
+            <a:extLst>
+              <a:ext uri="{FF2B5EF4-FFF2-40B4-BE49-F238E27FC236}">
+                <a16:creationId xmlns:a16="http://schemas.microsoft.com/office/drawing/2014/main" id="{D7FA8F02-E5A8-406A-A52B-D6A8732EA4F1}"/>
+              </a:ext>
+            </a:extLst>
+          </p:cNvPr>
+          <p:cNvCxnSpPr>
+            <a:cxnSpLocks/>
+          </p:cNvCxnSpPr>
+          <p:nvPr/>
+        </p:nvCxnSpPr>
+        <p:spPr>
+          <a:xfrm flipV="1">
+            <a:off x="2129117" y="4213411"/>
+            <a:ext cx="0" cy="1416423"/>
+          </a:xfrm>
+          <a:prstGeom prst="line">
+            <a:avLst/>
+          </a:prstGeom>
+          <a:ln w="28575">
+            <a:solidFill>
+              <a:schemeClr val="tx1"/>
+            </a:solidFill>
+          </a:ln>
+        </p:spPr>
+        <p:style>
+          <a:lnRef idx="1">
+            <a:schemeClr val="accent1"/>
+          </a:lnRef>
+          <a:fillRef idx="0">
+            <a:schemeClr val="accent1"/>
+          </a:fillRef>
+          <a:effectRef idx="0">
+            <a:schemeClr val="accent1"/>
+          </a:effectRef>
+          <a:fontRef idx="minor">
+            <a:schemeClr val="tx1"/>
+          </a:fontRef>
+        </p:style>
+      </p:cxnSp>
+      <p:cxnSp>
+        <p:nvCxnSpPr>
+          <p:cNvPr id="40" name="Straight Connector 39">
+            <a:extLst>
+              <a:ext uri="{FF2B5EF4-FFF2-40B4-BE49-F238E27FC236}">
+                <a16:creationId xmlns:a16="http://schemas.microsoft.com/office/drawing/2014/main" id="{78B21D25-6D32-4775-9653-7D8FE3997EAC}"/>
+              </a:ext>
+            </a:extLst>
+          </p:cNvPr>
+          <p:cNvCxnSpPr>
+            <a:cxnSpLocks/>
+          </p:cNvCxnSpPr>
+          <p:nvPr/>
+        </p:nvCxnSpPr>
+        <p:spPr>
+          <a:xfrm flipV="1">
+            <a:off x="2729753" y="4213412"/>
+            <a:ext cx="0" cy="1416423"/>
+          </a:xfrm>
+          <a:prstGeom prst="line">
+            <a:avLst/>
+          </a:prstGeom>
+          <a:ln w="28575">
+            <a:solidFill>
+              <a:schemeClr val="tx1"/>
+            </a:solidFill>
+          </a:ln>
+        </p:spPr>
+        <p:style>
+          <a:lnRef idx="1">
+            <a:schemeClr val="accent1"/>
+          </a:lnRef>
+          <a:fillRef idx="0">
+            <a:schemeClr val="accent1"/>
+          </a:fillRef>
+          <a:effectRef idx="0">
+            <a:schemeClr val="accent1"/>
+          </a:effectRef>
+          <a:fontRef idx="minor">
+            <a:schemeClr val="tx1"/>
+          </a:fontRef>
+        </p:style>
+      </p:cxnSp>
+      <p:cxnSp>
+        <p:nvCxnSpPr>
+          <p:cNvPr id="41" name="Straight Connector 40">
+            <a:extLst>
+              <a:ext uri="{FF2B5EF4-FFF2-40B4-BE49-F238E27FC236}">
+                <a16:creationId xmlns:a16="http://schemas.microsoft.com/office/drawing/2014/main" id="{74FE78BF-E18C-42A2-BAFE-BC3DB82CDE17}"/>
+              </a:ext>
+            </a:extLst>
+          </p:cNvPr>
+          <p:cNvCxnSpPr>
+            <a:cxnSpLocks/>
+          </p:cNvCxnSpPr>
+          <p:nvPr/>
+        </p:nvCxnSpPr>
+        <p:spPr>
+          <a:xfrm>
+            <a:off x="2447364" y="3935505"/>
+            <a:ext cx="0" cy="282388"/>
+          </a:xfrm>
+          <a:prstGeom prst="line">
+            <a:avLst/>
+          </a:prstGeom>
+          <a:ln w="28575">
+            <a:solidFill>
+              <a:schemeClr val="tx1"/>
+            </a:solidFill>
+          </a:ln>
+        </p:spPr>
+        <p:style>
+          <a:lnRef idx="1">
+            <a:schemeClr val="accent1"/>
+          </a:lnRef>
+          <a:fillRef idx="0">
+            <a:schemeClr val="accent1"/>
+          </a:fillRef>
+          <a:effectRef idx="0">
+            <a:schemeClr val="accent1"/>
+          </a:effectRef>
+          <a:fontRef idx="minor">
+            <a:schemeClr val="tx1"/>
+          </a:fontRef>
+        </p:style>
+      </p:cxnSp>
+      <p:cxnSp>
+        <p:nvCxnSpPr>
+          <p:cNvPr id="44" name="Straight Connector 43">
+            <a:extLst>
+              <a:ext uri="{FF2B5EF4-FFF2-40B4-BE49-F238E27FC236}">
+                <a16:creationId xmlns:a16="http://schemas.microsoft.com/office/drawing/2014/main" id="{070E2214-4489-43E2-9143-ED7B9D73C50C}"/>
+              </a:ext>
+            </a:extLst>
+          </p:cNvPr>
+          <p:cNvCxnSpPr>
+            <a:cxnSpLocks/>
+          </p:cNvCxnSpPr>
+          <p:nvPr/>
+        </p:nvCxnSpPr>
+        <p:spPr>
+          <a:xfrm flipH="1">
+            <a:off x="2438398" y="3231777"/>
+            <a:ext cx="8965" cy="676835"/>
+          </a:xfrm>
+          <a:prstGeom prst="line">
+            <a:avLst/>
+          </a:prstGeom>
+          <a:ln w="28575">
+            <a:solidFill>
+              <a:schemeClr val="tx1"/>
+            </a:solidFill>
+          </a:ln>
+        </p:spPr>
+        <p:style>
+          <a:lnRef idx="1">
+            <a:schemeClr val="accent1"/>
+          </a:lnRef>
+          <a:fillRef idx="0">
+            <a:schemeClr val="accent1"/>
+          </a:fillRef>
+          <a:effectRef idx="0">
+            <a:schemeClr val="accent1"/>
+          </a:effectRef>
+          <a:fontRef idx="minor">
+            <a:schemeClr val="tx1"/>
+          </a:fontRef>
+        </p:style>
+      </p:cxnSp>
+      <p:cxnSp>
+        <p:nvCxnSpPr>
+          <p:cNvPr id="46" name="Straight Connector 45">
+            <a:extLst>
+              <a:ext uri="{FF2B5EF4-FFF2-40B4-BE49-F238E27FC236}">
+                <a16:creationId xmlns:a16="http://schemas.microsoft.com/office/drawing/2014/main" id="{9F1F09D2-27DF-4C97-B1F3-90F24EBCE55C}"/>
+              </a:ext>
+            </a:extLst>
+          </p:cNvPr>
+          <p:cNvCxnSpPr>
+            <a:cxnSpLocks/>
+          </p:cNvCxnSpPr>
+          <p:nvPr/>
+        </p:nvCxnSpPr>
+        <p:spPr>
+          <a:xfrm flipH="1">
+            <a:off x="2447363" y="2568390"/>
+            <a:ext cx="8965" cy="676835"/>
+          </a:xfrm>
+          <a:prstGeom prst="line">
+            <a:avLst/>
+          </a:prstGeom>
+          <a:ln w="28575">
+            <a:solidFill>
+              <a:schemeClr val="tx1"/>
+            </a:solidFill>
+          </a:ln>
+        </p:spPr>
+        <p:style>
+          <a:lnRef idx="1">
+            <a:schemeClr val="accent1"/>
+          </a:lnRef>
+          <a:fillRef idx="0">
+            <a:schemeClr val="accent1"/>
+          </a:fillRef>
+          <a:effectRef idx="0">
+            <a:schemeClr val="accent1"/>
+          </a:effectRef>
+          <a:fontRef idx="minor">
+            <a:schemeClr val="tx1"/>
+          </a:fontRef>
+        </p:style>
+      </p:cxnSp>
+      <p:cxnSp>
+        <p:nvCxnSpPr>
+          <p:cNvPr id="47" name="Straight Connector 46">
+            <a:extLst>
+              <a:ext uri="{FF2B5EF4-FFF2-40B4-BE49-F238E27FC236}">
+                <a16:creationId xmlns:a16="http://schemas.microsoft.com/office/drawing/2014/main" id="{E663C8F3-2A9F-4339-8F15-2BA92F03F7BC}"/>
+              </a:ext>
+            </a:extLst>
+          </p:cNvPr>
+          <p:cNvCxnSpPr>
+            <a:cxnSpLocks/>
+          </p:cNvCxnSpPr>
+          <p:nvPr/>
+        </p:nvCxnSpPr>
+        <p:spPr>
+          <a:xfrm flipH="1" flipV="1">
+            <a:off x="2456329" y="2595284"/>
+            <a:ext cx="519953" cy="2240"/>
+          </a:xfrm>
+          <a:prstGeom prst="line">
+            <a:avLst/>
+          </a:prstGeom>
+          <a:ln w="28575">
+            <a:solidFill>
+              <a:schemeClr val="tx1"/>
+            </a:solidFill>
+          </a:ln>
+        </p:spPr>
+        <p:style>
+          <a:lnRef idx="1">
+            <a:schemeClr val="accent1"/>
+          </a:lnRef>
+          <a:fillRef idx="0">
+            <a:schemeClr val="accent1"/>
+          </a:fillRef>
+          <a:effectRef idx="0">
+            <a:schemeClr val="accent1"/>
+          </a:effectRef>
+          <a:fontRef idx="minor">
+            <a:schemeClr val="tx1"/>
+          </a:fontRef>
+        </p:style>
+      </p:cxnSp>
+      <p:sp>
+        <p:nvSpPr>
+          <p:cNvPr id="69" name="Oval 68">
+            <a:extLst>
+              <a:ext uri="{FF2B5EF4-FFF2-40B4-BE49-F238E27FC236}">
+                <a16:creationId xmlns:a16="http://schemas.microsoft.com/office/drawing/2014/main" id="{65CD302F-85EF-4F8A-9385-DA42E8D1D5DC}"/>
+              </a:ext>
+            </a:extLst>
+          </p:cNvPr>
+          <p:cNvSpPr/>
+          <p:nvPr/>
+        </p:nvSpPr>
+        <p:spPr>
+          <a:xfrm>
+            <a:off x="2841812" y="3421121"/>
+            <a:ext cx="134469" cy="134473"/>
+          </a:xfrm>
+          <a:prstGeom prst="ellipse">
+            <a:avLst/>
+          </a:prstGeom>
+        </p:spPr>
+        <p:style>
+          <a:lnRef idx="1">
+            <a:schemeClr val="dk1"/>
+          </a:lnRef>
+          <a:fillRef idx="2">
+            <a:schemeClr val="dk1"/>
+          </a:fillRef>
+          <a:effectRef idx="1">
+            <a:schemeClr val="dk1"/>
+          </a:effectRef>
+          <a:fontRef idx="minor">
+            <a:schemeClr val="dk1"/>
+          </a:fontRef>
+        </p:style>
+        <p:txBody>
+          <a:bodyPr rtlCol="0" anchor="ctr"/>
+          <a:lstStyle/>
+          <a:p>
+            <a:pPr algn="ctr"/>
+            <a:endParaRPr lang="en-US"/>
+          </a:p>
+        </p:txBody>
+      </p:sp>
+      <p:sp>
+        <p:nvSpPr>
+          <p:cNvPr id="70" name="Oval 69">
+            <a:extLst>
+              <a:ext uri="{FF2B5EF4-FFF2-40B4-BE49-F238E27FC236}">
+                <a16:creationId xmlns:a16="http://schemas.microsoft.com/office/drawing/2014/main" id="{3A47FFCF-B7CC-4019-8A4D-C697899BC805}"/>
+              </a:ext>
+            </a:extLst>
+          </p:cNvPr>
+          <p:cNvSpPr/>
+          <p:nvPr/>
+        </p:nvSpPr>
+        <p:spPr>
+          <a:xfrm>
+            <a:off x="3370731" y="2780562"/>
+            <a:ext cx="134469" cy="134473"/>
+          </a:xfrm>
+          <a:prstGeom prst="ellipse">
+            <a:avLst/>
+          </a:prstGeom>
+        </p:spPr>
+        <p:style>
+          <a:lnRef idx="1">
+            <a:schemeClr val="accent2"/>
+          </a:lnRef>
+          <a:fillRef idx="2">
+            <a:schemeClr val="accent2"/>
+          </a:fillRef>
+          <a:effectRef idx="1">
+            <a:schemeClr val="accent2"/>
+          </a:effectRef>
+          <a:fontRef idx="minor">
+            <a:schemeClr val="dk1"/>
+          </a:fontRef>
+        </p:style>
+        <p:txBody>
+          <a:bodyPr rtlCol="0" anchor="ctr"/>
+          <a:lstStyle/>
+          <a:p>
+            <a:pPr algn="ctr"/>
+            <a:endParaRPr lang="en-US"/>
+          </a:p>
+        </p:txBody>
+      </p:sp>
+      <p:sp>
+        <p:nvSpPr>
+          <p:cNvPr id="71" name="Oval 70">
+            <a:extLst>
+              <a:ext uri="{FF2B5EF4-FFF2-40B4-BE49-F238E27FC236}">
+                <a16:creationId xmlns:a16="http://schemas.microsoft.com/office/drawing/2014/main" id="{58C89871-4638-4236-B09C-ED8041E47F12}"/>
+              </a:ext>
+            </a:extLst>
+          </p:cNvPr>
+          <p:cNvSpPr/>
+          <p:nvPr/>
+        </p:nvSpPr>
+        <p:spPr>
+          <a:xfrm>
+            <a:off x="2850777" y="2786868"/>
+            <a:ext cx="134469" cy="134473"/>
+          </a:xfrm>
+          <a:prstGeom prst="ellipse">
+            <a:avLst/>
+          </a:prstGeom>
+        </p:spPr>
+        <p:style>
+          <a:lnRef idx="1">
+            <a:schemeClr val="dk1"/>
+          </a:lnRef>
+          <a:fillRef idx="2">
+            <a:schemeClr val="dk1"/>
+          </a:fillRef>
+          <a:effectRef idx="1">
+            <a:schemeClr val="dk1"/>
+          </a:effectRef>
+          <a:fontRef idx="minor">
+            <a:schemeClr val="dk1"/>
+          </a:fontRef>
+        </p:style>
+        <p:txBody>
+          <a:bodyPr rtlCol="0" anchor="ctr"/>
+          <a:lstStyle/>
+          <a:p>
+            <a:pPr algn="ctr"/>
+            <a:endParaRPr lang="en-US"/>
+          </a:p>
+        </p:txBody>
+      </p:sp>
+      <p:cxnSp>
+        <p:nvCxnSpPr>
+          <p:cNvPr id="72" name="Straight Connector 71">
+            <a:extLst>
+              <a:ext uri="{FF2B5EF4-FFF2-40B4-BE49-F238E27FC236}">
+                <a16:creationId xmlns:a16="http://schemas.microsoft.com/office/drawing/2014/main" id="{DE1456CB-4585-43CA-81C1-BFA01C96DBEB}"/>
+              </a:ext>
+            </a:extLst>
+          </p:cNvPr>
+          <p:cNvCxnSpPr>
+            <a:cxnSpLocks/>
+          </p:cNvCxnSpPr>
+          <p:nvPr/>
+        </p:nvCxnSpPr>
+        <p:spPr>
+          <a:xfrm flipH="1">
+            <a:off x="2909047" y="2824970"/>
+            <a:ext cx="8965" cy="676835"/>
+          </a:xfrm>
+          <a:prstGeom prst="line">
+            <a:avLst/>
+          </a:prstGeom>
+          <a:ln w="9525" cap="flat" cmpd="sng" algn="ctr">
+            <a:solidFill>
+              <a:schemeClr val="dk1"/>
+            </a:solidFill>
+            <a:prstDash val="dash"/>
+            <a:round/>
+            <a:headEnd type="none" w="med" len="med"/>
+            <a:tailEnd type="none" w="med" len="med"/>
+          </a:ln>
+        </p:spPr>
+        <p:style>
+          <a:lnRef idx="0">
+            <a:scrgbClr r="0" g="0" b="0"/>
+          </a:lnRef>
+          <a:fillRef idx="0">
+            <a:scrgbClr r="0" g="0" b="0"/>
+          </a:fillRef>
+          <a:effectRef idx="0">
+            <a:scrgbClr r="0" g="0" b="0"/>
+          </a:effectRef>
+          <a:fontRef idx="minor">
+            <a:schemeClr val="tx1"/>
+          </a:fontRef>
+        </p:style>
+      </p:cxnSp>
+      <p:cxnSp>
+        <p:nvCxnSpPr>
+          <p:cNvPr id="73" name="Straight Connector 72">
+            <a:extLst>
+              <a:ext uri="{FF2B5EF4-FFF2-40B4-BE49-F238E27FC236}">
+                <a16:creationId xmlns:a16="http://schemas.microsoft.com/office/drawing/2014/main" id="{7097082D-F246-4045-A039-65B03EC6A6DA}"/>
+              </a:ext>
+            </a:extLst>
+          </p:cNvPr>
+          <p:cNvCxnSpPr>
+            <a:cxnSpLocks/>
+          </p:cNvCxnSpPr>
+          <p:nvPr/>
+        </p:nvCxnSpPr>
+        <p:spPr>
+          <a:xfrm flipH="1" flipV="1">
+            <a:off x="2918013" y="2851864"/>
+            <a:ext cx="519953" cy="2240"/>
+          </a:xfrm>
+          <a:prstGeom prst="line">
+            <a:avLst/>
+          </a:prstGeom>
+          <a:ln w="9525" cap="flat" cmpd="sng" algn="ctr">
+            <a:solidFill>
+              <a:schemeClr val="dk1"/>
+            </a:solidFill>
+            <a:prstDash val="dash"/>
+            <a:round/>
+            <a:headEnd type="none" w="med" len="med"/>
+            <a:tailEnd type="none" w="med" len="med"/>
+          </a:ln>
+        </p:spPr>
+        <p:style>
+          <a:lnRef idx="0">
+            <a:scrgbClr r="0" g="0" b="0"/>
+          </a:lnRef>
+          <a:fillRef idx="0">
+            <a:scrgbClr r="0" g="0" b="0"/>
+          </a:fillRef>
+          <a:effectRef idx="0">
+            <a:scrgbClr r="0" g="0" b="0"/>
+          </a:effectRef>
+          <a:fontRef idx="minor">
+            <a:schemeClr val="tx1"/>
+          </a:fontRef>
+        </p:style>
+      </p:cxnSp>
+      <p:cxnSp>
+        <p:nvCxnSpPr>
+          <p:cNvPr id="74" name="Straight Connector 73">
+            <a:extLst>
+              <a:ext uri="{FF2B5EF4-FFF2-40B4-BE49-F238E27FC236}">
+                <a16:creationId xmlns:a16="http://schemas.microsoft.com/office/drawing/2014/main" id="{03039CAC-FC61-40B4-A863-6DB49C29A0F3}"/>
+              </a:ext>
+            </a:extLst>
+          </p:cNvPr>
+          <p:cNvCxnSpPr>
+            <a:cxnSpLocks/>
+            <a:endCxn id="22" idx="7"/>
+          </p:cNvCxnSpPr>
+          <p:nvPr/>
+        </p:nvCxnSpPr>
+        <p:spPr>
+          <a:xfrm flipH="1">
+            <a:off x="2494905" y="3496236"/>
+            <a:ext cx="414142" cy="355867"/>
+          </a:xfrm>
+          <a:prstGeom prst="line">
+            <a:avLst/>
+          </a:prstGeom>
+          <a:ln w="9525" cap="flat" cmpd="sng" algn="ctr">
+            <a:solidFill>
+              <a:schemeClr val="dk1"/>
+            </a:solidFill>
+            <a:prstDash val="dash"/>
+            <a:round/>
+            <a:headEnd type="none" w="med" len="med"/>
+            <a:tailEnd type="none" w="med" len="med"/>
+          </a:ln>
+        </p:spPr>
+        <p:style>
+          <a:lnRef idx="0">
+            <a:scrgbClr r="0" g="0" b="0"/>
+          </a:lnRef>
+          <a:fillRef idx="0">
+            <a:scrgbClr r="0" g="0" b="0"/>
+          </a:fillRef>
+          <a:effectRef idx="0">
+            <a:scrgbClr r="0" g="0" b="0"/>
+          </a:effectRef>
+          <a:fontRef idx="minor">
+            <a:schemeClr val="tx1"/>
+          </a:fontRef>
+        </p:style>
+      </p:cxnSp>
+      <mc:AlternateContent xmlns:mc="http://schemas.openxmlformats.org/markup-compatibility/2006">
+        <mc:Choice xmlns:a14="http://schemas.microsoft.com/office/drawing/2010/main" Requires="a14">
+          <p:sp>
+            <p:nvSpPr>
+              <p:cNvPr id="77" name="TextBox 76">
+                <a:extLst>
+                  <a:ext uri="{FF2B5EF4-FFF2-40B4-BE49-F238E27FC236}">
+                    <a16:creationId xmlns:a16="http://schemas.microsoft.com/office/drawing/2014/main" id="{B2B8AB0F-3A98-4B12-A8C2-8448071D71A6}"/>
+                  </a:ext>
+                </a:extLst>
+              </p:cNvPr>
+              <p:cNvSpPr txBox="1"/>
+              <p:nvPr/>
+            </p:nvSpPr>
+            <p:spPr>
+              <a:xfrm>
+                <a:off x="5604985" y="3434592"/>
+                <a:ext cx="6278642" cy="818366"/>
+              </a:xfrm>
+              <a:prstGeom prst="rect">
+                <a:avLst/>
+              </a:prstGeom>
+              <a:noFill/>
+            </p:spPr>
+            <p:txBody>
+              <a:bodyPr wrap="none" lIns="0" tIns="0" rIns="0" bIns="0" rtlCol="0">
+                <a:spAutoFit/>
+              </a:bodyPr>
+              <a:lstStyle/>
+              <a:p>
+                <a14:m>
+                  <m:oMathPara xmlns:m="http://schemas.openxmlformats.org/officeDocument/2006/math">
+                    <m:oMathParaPr>
+                      <m:jc m:val="centerGroup"/>
+                    </m:oMathParaPr>
+                    <m:oMath xmlns:m="http://schemas.openxmlformats.org/officeDocument/2006/math">
+                      <m:r>
+                        <a:rPr lang="en-US" b="0" i="1" smtClean="0">
+                          <a:latin typeface="Cambria Math" panose="02040503050406030204" pitchFamily="18" charset="0"/>
+                        </a:rPr>
+                        <m:t>𝑑</m:t>
+                      </m:r>
+                      <m:r>
+                        <a:rPr lang="en-US" b="0" i="1" smtClean="0">
+                          <a:latin typeface="Cambria Math" panose="02040503050406030204" pitchFamily="18" charset="0"/>
+                        </a:rPr>
+                        <m:t>=</m:t>
+                      </m:r>
+                      <m:r>
+                        <a:rPr lang="en-US" b="0" i="1" smtClean="0">
+                          <a:latin typeface="Cambria Math" panose="02040503050406030204" pitchFamily="18" charset="0"/>
+                        </a:rPr>
+                        <m:t>𝑣</m:t>
+                      </m:r>
+                      <m:rad>
+                        <m:radPr>
+                          <m:degHide m:val="on"/>
+                          <m:ctrlPr>
+                            <a:rPr lang="en-US" b="0" i="1" smtClean="0">
+                              <a:latin typeface="Cambria Math" panose="02040503050406030204" pitchFamily="18" charset="0"/>
+                            </a:rPr>
+                          </m:ctrlPr>
+                        </m:radPr>
+                        <m:deg/>
+                        <m:e>
+                          <m:f>
+                            <m:fPr>
+                              <m:ctrlPr>
+                                <a:rPr lang="en-US" b="0" i="1" smtClean="0">
+                                  <a:latin typeface="Cambria Math" panose="02040503050406030204" pitchFamily="18" charset="0"/>
+                                </a:rPr>
+                              </m:ctrlPr>
+                            </m:fPr>
+                            <m:num>
+                              <m:r>
+                                <a:rPr lang="en-US" i="1">
+                                  <a:latin typeface="Cambria Math" panose="02040503050406030204" pitchFamily="18" charset="0"/>
+                                </a:rPr>
+                                <m:t>2</m:t>
+                              </m:r>
+                              <m:sSub>
+                                <m:sSubPr>
+                                  <m:ctrlPr>
+                                    <a:rPr lang="en-US" i="1">
+                                      <a:latin typeface="Cambria Math" panose="02040503050406030204" pitchFamily="18" charset="0"/>
+                                    </a:rPr>
+                                  </m:ctrlPr>
+                                </m:sSubPr>
+                                <m:e>
+                                  <m:r>
+                                    <a:rPr lang="en-US" i="1">
+                                      <a:latin typeface="Cambria Math" panose="02040503050406030204" pitchFamily="18" charset="0"/>
+                                    </a:rPr>
+                                    <m:t>𝐿</m:t>
+                                  </m:r>
+                                </m:e>
+                                <m:sub>
+                                  <m:r>
+                                    <a:rPr lang="en-US" i="1">
+                                      <a:latin typeface="Cambria Math" panose="02040503050406030204" pitchFamily="18" charset="0"/>
+                                    </a:rPr>
+                                    <m:t>1</m:t>
+                                  </m:r>
+                                </m:sub>
+                              </m:sSub>
+                              <m:func>
+                                <m:funcPr>
+                                  <m:ctrlPr>
+                                    <a:rPr lang="en-US" i="1">
+                                      <a:latin typeface="Cambria Math" panose="02040503050406030204" pitchFamily="18" charset="0"/>
+                                    </a:rPr>
+                                  </m:ctrlPr>
+                                </m:funcPr>
+                                <m:fName>
+                                  <m:r>
+                                    <m:rPr>
+                                      <m:sty m:val="p"/>
+                                    </m:rPr>
+                                    <a:rPr lang="en-US">
+                                      <a:latin typeface="Cambria Math" panose="02040503050406030204" pitchFamily="18" charset="0"/>
+                                    </a:rPr>
+                                    <m:t>sin</m:t>
+                                  </m:r>
+                                </m:fName>
+                                <m:e>
+                                  <m:r>
+                                    <a:rPr lang="en-US" i="1">
+                                      <a:latin typeface="Cambria Math" panose="02040503050406030204" pitchFamily="18" charset="0"/>
+                                    </a:rPr>
+                                    <m:t>(90−</m:t>
+                                  </m:r>
+                                  <m:r>
+                                    <a:rPr lang="en-US" i="1">
+                                      <a:latin typeface="Cambria Math" panose="02040503050406030204" pitchFamily="18" charset="0"/>
+                                    </a:rPr>
+                                    <m:t>𝜃</m:t>
+                                  </m:r>
+                                  <m:r>
+                                    <a:rPr lang="en-US" i="1">
+                                      <a:latin typeface="Cambria Math" panose="02040503050406030204" pitchFamily="18" charset="0"/>
+                                    </a:rPr>
+                                    <m:t>)</m:t>
+                                  </m:r>
+                                </m:e>
+                              </m:func>
+                              <m:r>
+                                <a:rPr lang="en-US" i="1">
+                                  <a:latin typeface="Cambria Math" panose="02040503050406030204" pitchFamily="18" charset="0"/>
+                                </a:rPr>
+                                <m:t>+</m:t>
+                              </m:r>
+                              <m:sSub>
+                                <m:sSubPr>
+                                  <m:ctrlPr>
+                                    <a:rPr lang="en-US" i="1">
+                                      <a:latin typeface="Cambria Math" panose="02040503050406030204" pitchFamily="18" charset="0"/>
+                                    </a:rPr>
+                                  </m:ctrlPr>
+                                </m:sSubPr>
+                                <m:e>
+                                  <m:r>
+                                    <a:rPr lang="en-US" i="1">
+                                      <a:latin typeface="Cambria Math" panose="02040503050406030204" pitchFamily="18" charset="0"/>
+                                    </a:rPr>
+                                    <m:t>h</m:t>
+                                  </m:r>
+                                </m:e>
+                                <m:sub>
+                                  <m:r>
+                                    <a:rPr lang="en-US" i="1">
+                                      <a:latin typeface="Cambria Math" panose="02040503050406030204" pitchFamily="18" charset="0"/>
+                                    </a:rPr>
+                                    <m:t>𝑓𝑖𝑥</m:t>
+                                  </m:r>
+                                  <m:r>
+                                    <a:rPr lang="en-US" b="0" i="1" smtClean="0">
+                                      <a:latin typeface="Cambria Math" panose="02040503050406030204" pitchFamily="18" charset="0"/>
+                                    </a:rPr>
+                                    <m:t>1</m:t>
+                                  </m:r>
+                                </m:sub>
+                              </m:sSub>
+                              <m:r>
+                                <a:rPr lang="en-US" b="0" i="1" smtClean="0">
+                                  <a:latin typeface="Cambria Math" panose="02040503050406030204" pitchFamily="18" charset="0"/>
+                                </a:rPr>
+                                <m:t>+</m:t>
+                              </m:r>
+                              <m:sSub>
+                                <m:sSubPr>
+                                  <m:ctrlPr>
+                                    <a:rPr lang="en-US" b="0" i="1" smtClean="0">
+                                      <a:latin typeface="Cambria Math" panose="02040503050406030204" pitchFamily="18" charset="0"/>
+                                    </a:rPr>
+                                  </m:ctrlPr>
+                                </m:sSubPr>
+                                <m:e>
+                                  <m:r>
+                                    <a:rPr lang="en-US" b="0" i="1" smtClean="0">
+                                      <a:latin typeface="Cambria Math" panose="02040503050406030204" pitchFamily="18" charset="0"/>
+                                    </a:rPr>
+                                    <m:t>h</m:t>
+                                  </m:r>
+                                </m:e>
+                                <m:sub>
+                                  <m:r>
+                                    <a:rPr lang="en-US" b="0" i="1" smtClean="0">
+                                      <a:latin typeface="Cambria Math" panose="02040503050406030204" pitchFamily="18" charset="0"/>
+                                    </a:rPr>
+                                    <m:t>𝑓𝑖𝑥</m:t>
+                                  </m:r>
+                                  <m:r>
+                                    <a:rPr lang="en-US" b="0" i="1" smtClean="0">
+                                      <a:latin typeface="Cambria Math" panose="02040503050406030204" pitchFamily="18" charset="0"/>
+                                    </a:rPr>
+                                    <m:t>2</m:t>
+                                  </m:r>
+                                </m:sub>
+                              </m:sSub>
+                            </m:num>
+                            <m:den>
+                              <m:r>
+                                <a:rPr lang="en-US" b="0" i="1" smtClean="0">
+                                  <a:latin typeface="Cambria Math" panose="02040503050406030204" pitchFamily="18" charset="0"/>
+                                </a:rPr>
+                                <m:t>𝑔</m:t>
+                              </m:r>
+                            </m:den>
+                          </m:f>
+                        </m:e>
+                      </m:rad>
+                      <m:r>
+                        <a:rPr lang="en-US" b="0" i="1" smtClean="0">
+                          <a:latin typeface="Cambria Math" panose="02040503050406030204" pitchFamily="18" charset="0"/>
+                        </a:rPr>
+                        <m:t>+</m:t>
+                      </m:r>
+                      <m:sSub>
+                        <m:sSubPr>
+                          <m:ctrlPr>
+                            <a:rPr lang="en-US" b="0" i="1" smtClean="0">
+                              <a:latin typeface="Cambria Math" panose="02040503050406030204" pitchFamily="18" charset="0"/>
+                            </a:rPr>
+                          </m:ctrlPr>
+                        </m:sSubPr>
+                        <m:e>
+                          <m:r>
+                            <a:rPr lang="en-US" b="0" i="1" smtClean="0">
+                              <a:latin typeface="Cambria Math" panose="02040503050406030204" pitchFamily="18" charset="0"/>
+                            </a:rPr>
+                            <m:t>𝐿</m:t>
+                          </m:r>
+                        </m:e>
+                        <m:sub>
+                          <m:r>
+                            <a:rPr lang="en-US" b="0" i="1" smtClean="0">
+                              <a:latin typeface="Cambria Math" panose="02040503050406030204" pitchFamily="18" charset="0"/>
+                            </a:rPr>
+                            <m:t>1</m:t>
+                          </m:r>
+                        </m:sub>
+                      </m:sSub>
+                      <m:func>
+                        <m:funcPr>
+                          <m:ctrlPr>
+                            <a:rPr lang="en-US" b="0" i="1" smtClean="0">
+                              <a:latin typeface="Cambria Math" panose="02040503050406030204" pitchFamily="18" charset="0"/>
+                            </a:rPr>
+                          </m:ctrlPr>
+                        </m:funcPr>
+                        <m:fName>
+                          <m:r>
+                            <m:rPr>
+                              <m:sty m:val="p"/>
+                            </m:rPr>
+                            <a:rPr lang="en-US" b="0" i="0" smtClean="0">
+                              <a:latin typeface="Cambria Math" panose="02040503050406030204" pitchFamily="18" charset="0"/>
+                            </a:rPr>
+                            <m:t>cos</m:t>
+                          </m:r>
+                        </m:fName>
+                        <m:e>
+                          <m:d>
+                            <m:dPr>
+                              <m:ctrlPr>
+                                <a:rPr lang="en-US" b="0" i="1" smtClean="0">
+                                  <a:latin typeface="Cambria Math" panose="02040503050406030204" pitchFamily="18" charset="0"/>
+                                </a:rPr>
+                              </m:ctrlPr>
+                            </m:dPr>
+                            <m:e>
+                              <m:r>
+                                <a:rPr lang="en-US" b="0" i="1" smtClean="0">
+                                  <a:latin typeface="Cambria Math" panose="02040503050406030204" pitchFamily="18" charset="0"/>
+                                </a:rPr>
+                                <m:t>90−</m:t>
+                              </m:r>
+                              <m:r>
+                                <a:rPr lang="en-US" b="0" i="1" smtClean="0">
+                                  <a:latin typeface="Cambria Math" panose="02040503050406030204" pitchFamily="18" charset="0"/>
+                                </a:rPr>
+                                <m:t>𝜃</m:t>
+                              </m:r>
+                            </m:e>
+                          </m:d>
+                        </m:e>
+                      </m:func>
+                      <m:r>
+                        <a:rPr lang="en-US" b="0" i="1" smtClean="0">
+                          <a:latin typeface="Cambria Math" panose="02040503050406030204" pitchFamily="18" charset="0"/>
+                        </a:rPr>
+                        <m:t>+</m:t>
+                      </m:r>
+                      <m:sSub>
+                        <m:sSubPr>
+                          <m:ctrlPr>
+                            <a:rPr lang="en-US" b="0" i="1" smtClean="0">
+                              <a:latin typeface="Cambria Math" panose="02040503050406030204" pitchFamily="18" charset="0"/>
+                            </a:rPr>
+                          </m:ctrlPr>
+                        </m:sSubPr>
+                        <m:e>
+                          <m:r>
+                            <a:rPr lang="en-US" b="0" i="1" smtClean="0">
+                              <a:latin typeface="Cambria Math" panose="02040503050406030204" pitchFamily="18" charset="0"/>
+                            </a:rPr>
+                            <m:t>𝐿</m:t>
+                          </m:r>
+                        </m:e>
+                        <m:sub>
+                          <m:r>
+                            <a:rPr lang="en-US" b="0" i="1" smtClean="0">
+                              <a:latin typeface="Cambria Math" panose="02040503050406030204" pitchFamily="18" charset="0"/>
+                            </a:rPr>
+                            <m:t>2</m:t>
+                          </m:r>
+                        </m:sub>
+                      </m:sSub>
+                    </m:oMath>
+                  </m:oMathPara>
+                </a14:m>
+                <a:endParaRPr lang="en-US" dirty="0"/>
+              </a:p>
+            </p:txBody>
+          </p:sp>
+        </mc:Choice>
+        <mc:Fallback>
+          <p:sp>
+            <p:nvSpPr>
+              <p:cNvPr id="77" name="TextBox 76">
+                <a:extLst>
+                  <a:ext uri="{FF2B5EF4-FFF2-40B4-BE49-F238E27FC236}">
+                    <a16:creationId xmlns:a16="http://schemas.microsoft.com/office/drawing/2014/main" id="{B2B8AB0F-3A98-4B12-A8C2-8448071D71A6}"/>
+                  </a:ext>
+                </a:extLst>
+              </p:cNvPr>
+              <p:cNvSpPr txBox="1">
+                <a:spLocks noRot="1" noChangeAspect="1" noMove="1" noResize="1" noEditPoints="1" noAdjustHandles="1" noChangeArrowheads="1" noChangeShapeType="1" noTextEdit="1"/>
+              </p:cNvSpPr>
+              <p:nvPr/>
+            </p:nvSpPr>
+            <p:spPr>
+              <a:xfrm>
+                <a:off x="5604985" y="3434592"/>
+                <a:ext cx="6278642" cy="818366"/>
+              </a:xfrm>
+              <a:prstGeom prst="rect">
+                <a:avLst/>
+              </a:prstGeom>
+              <a:blipFill>
+                <a:blip r:embed="rId2"/>
+                <a:stretch>
+                  <a:fillRect/>
+                </a:stretch>
+              </a:blipFill>
+            </p:spPr>
+            <p:txBody>
+              <a:bodyPr/>
+              <a:lstStyle/>
+              <a:p>
+                <a:r>
+                  <a:rPr lang="en-US">
+                    <a:noFill/>
+                  </a:rPr>
+                  <a:t> </a:t>
+                </a:r>
+              </a:p>
+            </p:txBody>
+          </p:sp>
+        </mc:Fallback>
+      </mc:AlternateContent>
+      <p:sp>
+        <p:nvSpPr>
+          <p:cNvPr id="78" name="Rectangle: Top Corners Rounded 77">
+            <a:extLst>
+              <a:ext uri="{FF2B5EF4-FFF2-40B4-BE49-F238E27FC236}">
+                <a16:creationId xmlns:a16="http://schemas.microsoft.com/office/drawing/2014/main" id="{48FAA52A-97C0-4C43-8FE9-2FFC99C392C8}"/>
+              </a:ext>
+            </a:extLst>
+          </p:cNvPr>
+          <p:cNvSpPr/>
+          <p:nvPr/>
+        </p:nvSpPr>
+        <p:spPr>
+          <a:xfrm rot="10800000">
+            <a:off x="4787153" y="5127810"/>
+            <a:ext cx="708071" cy="502024"/>
+          </a:xfrm>
+          <a:prstGeom prst="round2SameRect">
+            <a:avLst/>
+          </a:prstGeom>
+          <a:ln w="28575"/>
+        </p:spPr>
+        <p:style>
+          <a:lnRef idx="2">
+            <a:schemeClr val="accent2"/>
+          </a:lnRef>
+          <a:fillRef idx="1">
+            <a:schemeClr val="lt1"/>
+          </a:fillRef>
+          <a:effectRef idx="0">
+            <a:schemeClr val="accent2"/>
+          </a:effectRef>
+          <a:fontRef idx="minor">
+            <a:schemeClr val="dk1"/>
+          </a:fontRef>
+        </p:style>
+        <p:txBody>
+          <a:bodyPr rtlCol="0" anchor="ctr"/>
+          <a:lstStyle/>
+          <a:p>
+            <a:pPr algn="ctr"/>
+            <a:endParaRPr lang="en-US"/>
+          </a:p>
+        </p:txBody>
+      </p:sp>
+      <p:sp>
+        <p:nvSpPr>
+          <p:cNvPr id="79" name="Arc 78">
+            <a:extLst>
+              <a:ext uri="{FF2B5EF4-FFF2-40B4-BE49-F238E27FC236}">
+                <a16:creationId xmlns:a16="http://schemas.microsoft.com/office/drawing/2014/main" id="{4B6D6BE8-E8B4-40DF-A876-28B48258A75A}"/>
+              </a:ext>
+            </a:extLst>
+          </p:cNvPr>
+          <p:cNvSpPr/>
+          <p:nvPr/>
+        </p:nvSpPr>
+        <p:spPr>
+          <a:xfrm>
+            <a:off x="1515038" y="2847798"/>
+            <a:ext cx="3621728" cy="4527920"/>
+          </a:xfrm>
+          <a:prstGeom prst="arc">
+            <a:avLst>
+              <a:gd name="adj1" fmla="val 16400230"/>
+              <a:gd name="adj2" fmla="val 0"/>
+            </a:avLst>
+          </a:prstGeom>
+          <a:ln w="9525" cap="flat" cmpd="sng" algn="ctr">
+            <a:solidFill>
+              <a:schemeClr val="accent2"/>
+            </a:solidFill>
+            <a:prstDash val="dash"/>
+            <a:round/>
+            <a:headEnd type="none" w="med" len="med"/>
+            <a:tailEnd type="none" w="med" len="med"/>
+          </a:ln>
+        </p:spPr>
+        <p:style>
+          <a:lnRef idx="0">
+            <a:scrgbClr r="0" g="0" b="0"/>
+          </a:lnRef>
+          <a:fillRef idx="0">
+            <a:scrgbClr r="0" g="0" b="0"/>
+          </a:fillRef>
+          <a:effectRef idx="0">
+            <a:scrgbClr r="0" g="0" b="0"/>
+          </a:effectRef>
+          <a:fontRef idx="minor">
+            <a:schemeClr val="tx1"/>
+          </a:fontRef>
+        </p:style>
+        <p:txBody>
+          <a:bodyPr rtlCol="0" anchor="ctr"/>
+          <a:lstStyle/>
+          <a:p>
+            <a:pPr algn="ctr"/>
+            <a:endParaRPr lang="en-US"/>
+          </a:p>
+        </p:txBody>
+      </p:sp>
+      <p:cxnSp>
+        <p:nvCxnSpPr>
+          <p:cNvPr id="81" name="Straight Connector 80">
+            <a:extLst>
+              <a:ext uri="{FF2B5EF4-FFF2-40B4-BE49-F238E27FC236}">
+                <a16:creationId xmlns:a16="http://schemas.microsoft.com/office/drawing/2014/main" id="{3F60DF84-0DB5-427E-BD9F-658B4D38BA61}"/>
+              </a:ext>
+            </a:extLst>
+          </p:cNvPr>
+          <p:cNvCxnSpPr/>
+          <p:nvPr/>
+        </p:nvCxnSpPr>
+        <p:spPr>
+          <a:xfrm>
+            <a:off x="1075765" y="5629834"/>
+            <a:ext cx="5459506" cy="0"/>
+          </a:xfrm>
+          <a:prstGeom prst="line">
+            <a:avLst/>
+          </a:prstGeom>
+          <a:ln w="57150"/>
+        </p:spPr>
+        <p:style>
+          <a:lnRef idx="2">
+            <a:schemeClr val="dk1"/>
+          </a:lnRef>
+          <a:fillRef idx="0">
+            <a:schemeClr val="dk1"/>
+          </a:fillRef>
+          <a:effectRef idx="1">
+            <a:schemeClr val="dk1"/>
+          </a:effectRef>
+          <a:fontRef idx="minor">
+            <a:schemeClr val="tx1"/>
+          </a:fontRef>
+        </p:style>
+      </p:cxnSp>
+      <mc:AlternateContent xmlns:mc="http://schemas.openxmlformats.org/markup-compatibility/2006">
+        <mc:Choice xmlns:a14="http://schemas.microsoft.com/office/drawing/2010/main" Requires="a14">
+          <p:sp>
+            <p:nvSpPr>
+              <p:cNvPr id="82" name="TextBox 81">
+                <a:extLst>
+                  <a:ext uri="{FF2B5EF4-FFF2-40B4-BE49-F238E27FC236}">
+                    <a16:creationId xmlns:a16="http://schemas.microsoft.com/office/drawing/2014/main" id="{4442D71A-4C4F-4C36-B380-CB02F50DE2F9}"/>
+                  </a:ext>
+                </a:extLst>
+              </p:cNvPr>
+              <p:cNvSpPr txBox="1"/>
+              <p:nvPr/>
+            </p:nvSpPr>
+            <p:spPr>
+              <a:xfrm>
+                <a:off x="2499937" y="3482051"/>
+                <a:ext cx="189474" cy="276999"/>
+              </a:xfrm>
+              <a:prstGeom prst="rect">
+                <a:avLst/>
+              </a:prstGeom>
+              <a:noFill/>
+            </p:spPr>
+            <p:txBody>
+              <a:bodyPr wrap="none" lIns="0" tIns="0" rIns="0" bIns="0" rtlCol="0">
+                <a:spAutoFit/>
+              </a:bodyPr>
+              <a:lstStyle/>
+              <a:p>
+                <a14:m>
+                  <m:oMathPara xmlns:m="http://schemas.openxmlformats.org/officeDocument/2006/math">
+                    <m:oMathParaPr>
+                      <m:jc m:val="centerGroup"/>
+                    </m:oMathParaPr>
+                    <m:oMath xmlns:m="http://schemas.openxmlformats.org/officeDocument/2006/math">
+                      <m:r>
+                        <a:rPr lang="en-US" b="0" i="1" smtClean="0">
+                          <a:latin typeface="Cambria Math" panose="02040503050406030204" pitchFamily="18" charset="0"/>
+                        </a:rPr>
+                        <m:t>𝜃</m:t>
+                      </m:r>
+                    </m:oMath>
+                  </m:oMathPara>
+                </a14:m>
+                <a:endParaRPr lang="en-US" dirty="0"/>
+              </a:p>
+            </p:txBody>
+          </p:sp>
+        </mc:Choice>
+        <mc:Fallback>
+          <p:sp>
+            <p:nvSpPr>
+              <p:cNvPr id="82" name="TextBox 81">
+                <a:extLst>
+                  <a:ext uri="{FF2B5EF4-FFF2-40B4-BE49-F238E27FC236}">
+                    <a16:creationId xmlns:a16="http://schemas.microsoft.com/office/drawing/2014/main" id="{4442D71A-4C4F-4C36-B380-CB02F50DE2F9}"/>
+                  </a:ext>
+                </a:extLst>
+              </p:cNvPr>
+              <p:cNvSpPr txBox="1">
+                <a:spLocks noRot="1" noChangeAspect="1" noMove="1" noResize="1" noEditPoints="1" noAdjustHandles="1" noChangeArrowheads="1" noChangeShapeType="1" noTextEdit="1"/>
+              </p:cNvSpPr>
+              <p:nvPr/>
+            </p:nvSpPr>
+            <p:spPr>
+              <a:xfrm>
+                <a:off x="2499937" y="3482051"/>
+                <a:ext cx="189474" cy="276999"/>
+              </a:xfrm>
+              <a:prstGeom prst="rect">
+                <a:avLst/>
+              </a:prstGeom>
+              <a:blipFill>
+                <a:blip r:embed="rId3"/>
+                <a:stretch>
+                  <a:fillRect l="-29032" r="-25806" b="-6522"/>
+                </a:stretch>
+              </a:blipFill>
+            </p:spPr>
+            <p:txBody>
+              <a:bodyPr/>
+              <a:lstStyle/>
+              <a:p>
+                <a:r>
+                  <a:rPr lang="en-US">
+                    <a:noFill/>
+                  </a:rPr>
+                  <a:t> </a:t>
+                </a:r>
+              </a:p>
+            </p:txBody>
+          </p:sp>
+        </mc:Fallback>
+      </mc:AlternateContent>
+      <mc:AlternateContent xmlns:mc="http://schemas.openxmlformats.org/markup-compatibility/2006">
+        <mc:Choice xmlns:a14="http://schemas.microsoft.com/office/drawing/2010/main" Requires="a14">
+          <p:sp>
+            <p:nvSpPr>
+              <p:cNvPr id="83" name="TextBox 82">
+                <a:extLst>
+                  <a:ext uri="{FF2B5EF4-FFF2-40B4-BE49-F238E27FC236}">
+                    <a16:creationId xmlns:a16="http://schemas.microsoft.com/office/drawing/2014/main" id="{03812882-7D0F-4D61-AD40-31860BF257BD}"/>
+                  </a:ext>
+                </a:extLst>
+              </p:cNvPr>
+              <p:cNvSpPr txBox="1"/>
+              <p:nvPr/>
+            </p:nvSpPr>
+            <p:spPr>
+              <a:xfrm>
+                <a:off x="2037045" y="3429000"/>
+                <a:ext cx="278346" cy="276999"/>
+              </a:xfrm>
+              <a:prstGeom prst="rect">
+                <a:avLst/>
+              </a:prstGeom>
+              <a:noFill/>
+            </p:spPr>
+            <p:txBody>
+              <a:bodyPr wrap="none" lIns="0" tIns="0" rIns="0" bIns="0" rtlCol="0">
+                <a:spAutoFit/>
+              </a:bodyPr>
+              <a:lstStyle/>
+              <a:p>
+                <a14:m>
+                  <m:oMathPara xmlns:m="http://schemas.openxmlformats.org/officeDocument/2006/math">
+                    <m:oMathParaPr>
+                      <m:jc m:val="centerGroup"/>
+                    </m:oMathParaPr>
+                    <m:oMath xmlns:m="http://schemas.openxmlformats.org/officeDocument/2006/math">
+                      <m:sSub>
+                        <m:sSubPr>
+                          <m:ctrlPr>
+                            <a:rPr lang="en-US" b="0" i="1" smtClean="0">
+                              <a:latin typeface="Cambria Math" panose="02040503050406030204" pitchFamily="18" charset="0"/>
+                            </a:rPr>
+                          </m:ctrlPr>
+                        </m:sSubPr>
+                        <m:e>
+                          <m:r>
+                            <a:rPr lang="en-US" b="0" i="1" smtClean="0">
+                              <a:latin typeface="Cambria Math" panose="02040503050406030204" pitchFamily="18" charset="0"/>
+                            </a:rPr>
+                            <m:t>𝐿</m:t>
+                          </m:r>
+                        </m:e>
+                        <m:sub>
+                          <m:r>
+                            <a:rPr lang="en-US" b="0" i="1" smtClean="0">
+                              <a:latin typeface="Cambria Math" panose="02040503050406030204" pitchFamily="18" charset="0"/>
+                            </a:rPr>
+                            <m:t>1</m:t>
+                          </m:r>
+                        </m:sub>
+                      </m:sSub>
+                    </m:oMath>
+                  </m:oMathPara>
+                </a14:m>
+                <a:endParaRPr lang="en-US" dirty="0"/>
+              </a:p>
+            </p:txBody>
+          </p:sp>
+        </mc:Choice>
+        <mc:Fallback>
+          <p:sp>
+            <p:nvSpPr>
+              <p:cNvPr id="83" name="TextBox 82">
+                <a:extLst>
+                  <a:ext uri="{FF2B5EF4-FFF2-40B4-BE49-F238E27FC236}">
+                    <a16:creationId xmlns:a16="http://schemas.microsoft.com/office/drawing/2014/main" id="{03812882-7D0F-4D61-AD40-31860BF257BD}"/>
+                  </a:ext>
+                </a:extLst>
+              </p:cNvPr>
+              <p:cNvSpPr txBox="1">
+                <a:spLocks noRot="1" noChangeAspect="1" noMove="1" noResize="1" noEditPoints="1" noAdjustHandles="1" noChangeArrowheads="1" noChangeShapeType="1" noTextEdit="1"/>
+              </p:cNvSpPr>
+              <p:nvPr/>
+            </p:nvSpPr>
+            <p:spPr>
+              <a:xfrm>
+                <a:off x="2037045" y="3429000"/>
+                <a:ext cx="278346" cy="276999"/>
+              </a:xfrm>
+              <a:prstGeom prst="rect">
+                <a:avLst/>
+              </a:prstGeom>
+              <a:blipFill>
+                <a:blip r:embed="rId4"/>
+                <a:stretch>
+                  <a:fillRect l="-19565" r="-6522" b="-15556"/>
+                </a:stretch>
+              </a:blipFill>
+            </p:spPr>
+            <p:txBody>
+              <a:bodyPr/>
+              <a:lstStyle/>
+              <a:p>
+                <a:r>
+                  <a:rPr lang="en-US">
+                    <a:noFill/>
+                  </a:rPr>
+                  <a:t> </a:t>
+                </a:r>
+              </a:p>
+            </p:txBody>
+          </p:sp>
+        </mc:Fallback>
+      </mc:AlternateContent>
+      <mc:AlternateContent xmlns:mc="http://schemas.openxmlformats.org/markup-compatibility/2006">
+        <mc:Choice xmlns:a14="http://schemas.microsoft.com/office/drawing/2010/main" Requires="a14">
+          <p:sp>
+            <p:nvSpPr>
+              <p:cNvPr id="84" name="TextBox 83">
+                <a:extLst>
+                  <a:ext uri="{FF2B5EF4-FFF2-40B4-BE49-F238E27FC236}">
+                    <a16:creationId xmlns:a16="http://schemas.microsoft.com/office/drawing/2014/main" id="{D405EA22-828D-4A0E-B6AA-D15B0AC7B090}"/>
+                  </a:ext>
+                </a:extLst>
+              </p:cNvPr>
+              <p:cNvSpPr txBox="1"/>
+              <p:nvPr/>
+            </p:nvSpPr>
+            <p:spPr>
+              <a:xfrm>
+                <a:off x="1543746" y="4602406"/>
+                <a:ext cx="534249" cy="299249"/>
+              </a:xfrm>
+              <a:prstGeom prst="rect">
+                <a:avLst/>
+              </a:prstGeom>
+              <a:noFill/>
+            </p:spPr>
+            <p:txBody>
+              <a:bodyPr wrap="none" lIns="0" tIns="0" rIns="0" bIns="0" rtlCol="0">
+                <a:spAutoFit/>
+              </a:bodyPr>
+              <a:lstStyle/>
+              <a:p>
+                <a14:m>
+                  <m:oMathPara xmlns:m="http://schemas.openxmlformats.org/officeDocument/2006/math">
+                    <m:oMathParaPr>
+                      <m:jc m:val="centerGroup"/>
+                    </m:oMathParaPr>
+                    <m:oMath xmlns:m="http://schemas.openxmlformats.org/officeDocument/2006/math">
+                      <m:sSub>
+                        <m:sSubPr>
+                          <m:ctrlPr>
+                            <a:rPr lang="en-US" b="0" i="1" smtClean="0">
+                              <a:latin typeface="Cambria Math" panose="02040503050406030204" pitchFamily="18" charset="0"/>
+                            </a:rPr>
+                          </m:ctrlPr>
+                        </m:sSubPr>
+                        <m:e>
+                          <m:r>
+                            <a:rPr lang="en-US" b="0" i="1" smtClean="0">
+                              <a:latin typeface="Cambria Math" panose="02040503050406030204" pitchFamily="18" charset="0"/>
+                            </a:rPr>
+                            <m:t>h</m:t>
+                          </m:r>
+                        </m:e>
+                        <m:sub>
+                          <m:r>
+                            <a:rPr lang="en-US" b="0" i="1" smtClean="0">
+                              <a:latin typeface="Cambria Math" panose="02040503050406030204" pitchFamily="18" charset="0"/>
+                            </a:rPr>
+                            <m:t>𝑓𝑖𝑥</m:t>
+                          </m:r>
+                          <m:r>
+                            <a:rPr lang="en-US" b="0" i="1" smtClean="0">
+                              <a:latin typeface="Cambria Math" panose="02040503050406030204" pitchFamily="18" charset="0"/>
+                            </a:rPr>
+                            <m:t>1</m:t>
+                          </m:r>
+                        </m:sub>
+                      </m:sSub>
+                    </m:oMath>
+                  </m:oMathPara>
+                </a14:m>
+                <a:endParaRPr lang="en-US" dirty="0"/>
+              </a:p>
+            </p:txBody>
+          </p:sp>
+        </mc:Choice>
+        <mc:Fallback>
+          <p:sp>
+            <p:nvSpPr>
+              <p:cNvPr id="84" name="TextBox 83">
+                <a:extLst>
+                  <a:ext uri="{FF2B5EF4-FFF2-40B4-BE49-F238E27FC236}">
+                    <a16:creationId xmlns:a16="http://schemas.microsoft.com/office/drawing/2014/main" id="{D405EA22-828D-4A0E-B6AA-D15B0AC7B090}"/>
+                  </a:ext>
+                </a:extLst>
+              </p:cNvPr>
+              <p:cNvSpPr txBox="1">
+                <a:spLocks noRot="1" noChangeAspect="1" noMove="1" noResize="1" noEditPoints="1" noAdjustHandles="1" noChangeArrowheads="1" noChangeShapeType="1" noTextEdit="1"/>
+              </p:cNvSpPr>
+              <p:nvPr/>
+            </p:nvSpPr>
+            <p:spPr>
+              <a:xfrm>
+                <a:off x="1543746" y="4602406"/>
+                <a:ext cx="534249" cy="299249"/>
+              </a:xfrm>
+              <a:prstGeom prst="rect">
+                <a:avLst/>
+              </a:prstGeom>
+              <a:blipFill>
+                <a:blip r:embed="rId5"/>
+                <a:stretch>
+                  <a:fillRect l="-10227" r="-9091" b="-28571"/>
+                </a:stretch>
+              </a:blipFill>
+            </p:spPr>
+            <p:txBody>
+              <a:bodyPr/>
+              <a:lstStyle/>
+              <a:p>
+                <a:r>
+                  <a:rPr lang="en-US">
+                    <a:noFill/>
+                  </a:rPr>
+                  <a:t> </a:t>
+                </a:r>
+              </a:p>
+            </p:txBody>
+          </p:sp>
+        </mc:Fallback>
+      </mc:AlternateContent>
+      <mc:AlternateContent xmlns:mc="http://schemas.openxmlformats.org/markup-compatibility/2006">
+        <mc:Choice xmlns:a14="http://schemas.microsoft.com/office/drawing/2010/main" Requires="a14">
+          <p:sp>
+            <p:nvSpPr>
+              <p:cNvPr id="85" name="TextBox 84">
+                <a:extLst>
+                  <a:ext uri="{FF2B5EF4-FFF2-40B4-BE49-F238E27FC236}">
+                    <a16:creationId xmlns:a16="http://schemas.microsoft.com/office/drawing/2014/main" id="{B50A77D0-B8DF-48D8-A7AE-8F186662F76B}"/>
+                  </a:ext>
+                </a:extLst>
+              </p:cNvPr>
+              <p:cNvSpPr txBox="1"/>
+              <p:nvPr/>
+            </p:nvSpPr>
+            <p:spPr>
+              <a:xfrm>
+                <a:off x="2597391" y="2182117"/>
+                <a:ext cx="283667" cy="276999"/>
+              </a:xfrm>
+              <a:prstGeom prst="rect">
+                <a:avLst/>
+              </a:prstGeom>
+              <a:noFill/>
+            </p:spPr>
+            <p:txBody>
+              <a:bodyPr wrap="none" lIns="0" tIns="0" rIns="0" bIns="0" rtlCol="0">
+                <a:spAutoFit/>
+              </a:bodyPr>
+              <a:lstStyle/>
+              <a:p>
+                <a14:m>
+                  <m:oMathPara xmlns:m="http://schemas.openxmlformats.org/officeDocument/2006/math">
+                    <m:oMathParaPr>
+                      <m:jc m:val="centerGroup"/>
+                    </m:oMathParaPr>
+                    <m:oMath xmlns:m="http://schemas.openxmlformats.org/officeDocument/2006/math">
+                      <m:sSub>
+                        <m:sSubPr>
+                          <m:ctrlPr>
+                            <a:rPr lang="en-US" b="0" i="1" smtClean="0">
+                              <a:latin typeface="Cambria Math" panose="02040503050406030204" pitchFamily="18" charset="0"/>
+                            </a:rPr>
+                          </m:ctrlPr>
+                        </m:sSubPr>
+                        <m:e>
+                          <m:r>
+                            <a:rPr lang="en-US" b="0" i="1" smtClean="0">
+                              <a:latin typeface="Cambria Math" panose="02040503050406030204" pitchFamily="18" charset="0"/>
+                            </a:rPr>
+                            <m:t>𝐿</m:t>
+                          </m:r>
+                        </m:e>
+                        <m:sub>
+                          <m:r>
+                            <a:rPr lang="en-US" b="0" i="1" smtClean="0">
+                              <a:latin typeface="Cambria Math" panose="02040503050406030204" pitchFamily="18" charset="0"/>
+                            </a:rPr>
+                            <m:t>2</m:t>
+                          </m:r>
+                        </m:sub>
+                      </m:sSub>
+                    </m:oMath>
+                  </m:oMathPara>
+                </a14:m>
+                <a:endParaRPr lang="en-US" dirty="0"/>
+              </a:p>
+            </p:txBody>
+          </p:sp>
+        </mc:Choice>
+        <mc:Fallback>
+          <p:sp>
+            <p:nvSpPr>
+              <p:cNvPr id="85" name="TextBox 84">
+                <a:extLst>
+                  <a:ext uri="{FF2B5EF4-FFF2-40B4-BE49-F238E27FC236}">
+                    <a16:creationId xmlns:a16="http://schemas.microsoft.com/office/drawing/2014/main" id="{B50A77D0-B8DF-48D8-A7AE-8F186662F76B}"/>
+                  </a:ext>
+                </a:extLst>
+              </p:cNvPr>
+              <p:cNvSpPr txBox="1">
+                <a:spLocks noRot="1" noChangeAspect="1" noMove="1" noResize="1" noEditPoints="1" noAdjustHandles="1" noChangeArrowheads="1" noChangeShapeType="1" noTextEdit="1"/>
+              </p:cNvSpPr>
+              <p:nvPr/>
+            </p:nvSpPr>
+            <p:spPr>
+              <a:xfrm>
+                <a:off x="2597391" y="2182117"/>
+                <a:ext cx="283667" cy="276999"/>
+              </a:xfrm>
+              <a:prstGeom prst="rect">
+                <a:avLst/>
+              </a:prstGeom>
+              <a:blipFill>
+                <a:blip r:embed="rId6"/>
+                <a:stretch>
+                  <a:fillRect l="-19149" r="-6383" b="-15556"/>
+                </a:stretch>
+              </a:blipFill>
+            </p:spPr>
+            <p:txBody>
+              <a:bodyPr/>
+              <a:lstStyle/>
+              <a:p>
+                <a:r>
+                  <a:rPr lang="en-US">
+                    <a:noFill/>
+                  </a:rPr>
+                  <a:t> </a:t>
+                </a:r>
+              </a:p>
+            </p:txBody>
+          </p:sp>
+        </mc:Fallback>
+      </mc:AlternateContent>
+      <mc:AlternateContent xmlns:mc="http://schemas.openxmlformats.org/markup-compatibility/2006">
+        <mc:Choice xmlns:a14="http://schemas.microsoft.com/office/drawing/2010/main" Requires="a14">
+          <p:sp>
+            <p:nvSpPr>
+              <p:cNvPr id="86" name="TextBox 85">
+                <a:extLst>
+                  <a:ext uri="{FF2B5EF4-FFF2-40B4-BE49-F238E27FC236}">
+                    <a16:creationId xmlns:a16="http://schemas.microsoft.com/office/drawing/2014/main" id="{E7FAFBD1-A6D1-4859-8C90-F1C48A6F5B75}"/>
+                  </a:ext>
+                </a:extLst>
+              </p:cNvPr>
+              <p:cNvSpPr txBox="1"/>
+              <p:nvPr/>
+            </p:nvSpPr>
+            <p:spPr>
+              <a:xfrm>
+                <a:off x="1821780" y="2774738"/>
+                <a:ext cx="534249" cy="299249"/>
+              </a:xfrm>
+              <a:prstGeom prst="rect">
+                <a:avLst/>
+              </a:prstGeom>
+              <a:noFill/>
+            </p:spPr>
+            <p:txBody>
+              <a:bodyPr wrap="none" lIns="0" tIns="0" rIns="0" bIns="0" rtlCol="0">
+                <a:spAutoFit/>
+              </a:bodyPr>
+              <a:lstStyle/>
+              <a:p>
+                <a14:m>
+                  <m:oMathPara xmlns:m="http://schemas.openxmlformats.org/officeDocument/2006/math">
+                    <m:oMathParaPr>
+                      <m:jc m:val="centerGroup"/>
+                    </m:oMathParaPr>
+                    <m:oMath xmlns:m="http://schemas.openxmlformats.org/officeDocument/2006/math">
+                      <m:sSub>
+                        <m:sSubPr>
+                          <m:ctrlPr>
+                            <a:rPr lang="en-US" b="0" i="1" smtClean="0">
+                              <a:latin typeface="Cambria Math" panose="02040503050406030204" pitchFamily="18" charset="0"/>
+                            </a:rPr>
+                          </m:ctrlPr>
+                        </m:sSubPr>
+                        <m:e>
+                          <m:r>
+                            <a:rPr lang="en-US" b="0" i="1" smtClean="0">
+                              <a:latin typeface="Cambria Math" panose="02040503050406030204" pitchFamily="18" charset="0"/>
+                            </a:rPr>
+                            <m:t>h</m:t>
+                          </m:r>
+                        </m:e>
+                        <m:sub>
+                          <m:r>
+                            <a:rPr lang="en-US" b="0" i="1" smtClean="0">
+                              <a:latin typeface="Cambria Math" panose="02040503050406030204" pitchFamily="18" charset="0"/>
+                            </a:rPr>
+                            <m:t>𝑓𝑖𝑥</m:t>
+                          </m:r>
+                          <m:r>
+                            <a:rPr lang="en-US" b="0" i="1" smtClean="0">
+                              <a:latin typeface="Cambria Math" panose="02040503050406030204" pitchFamily="18" charset="0"/>
+                            </a:rPr>
+                            <m:t>2</m:t>
+                          </m:r>
+                        </m:sub>
+                      </m:sSub>
+                    </m:oMath>
+                  </m:oMathPara>
+                </a14:m>
+                <a:endParaRPr lang="en-US" dirty="0"/>
+              </a:p>
+            </p:txBody>
+          </p:sp>
+        </mc:Choice>
+        <mc:Fallback>
+          <p:sp>
+            <p:nvSpPr>
+              <p:cNvPr id="86" name="TextBox 85">
+                <a:extLst>
+                  <a:ext uri="{FF2B5EF4-FFF2-40B4-BE49-F238E27FC236}">
+                    <a16:creationId xmlns:a16="http://schemas.microsoft.com/office/drawing/2014/main" id="{E7FAFBD1-A6D1-4859-8C90-F1C48A6F5B75}"/>
+                  </a:ext>
+                </a:extLst>
+              </p:cNvPr>
+              <p:cNvSpPr txBox="1">
+                <a:spLocks noRot="1" noChangeAspect="1" noMove="1" noResize="1" noEditPoints="1" noAdjustHandles="1" noChangeArrowheads="1" noChangeShapeType="1" noTextEdit="1"/>
+              </p:cNvSpPr>
+              <p:nvPr/>
+            </p:nvSpPr>
+            <p:spPr>
+              <a:xfrm>
+                <a:off x="1821780" y="2774738"/>
+                <a:ext cx="534249" cy="299249"/>
+              </a:xfrm>
+              <a:prstGeom prst="rect">
+                <a:avLst/>
+              </a:prstGeom>
+              <a:blipFill>
+                <a:blip r:embed="rId7"/>
+                <a:stretch>
+                  <a:fillRect l="-10345" r="-9195" b="-30612"/>
+                </a:stretch>
+              </a:blipFill>
+            </p:spPr>
+            <p:txBody>
+              <a:bodyPr/>
+              <a:lstStyle/>
+              <a:p>
+                <a:r>
+                  <a:rPr lang="en-US">
+                    <a:noFill/>
+                  </a:rPr>
+                  <a:t> </a:t>
+                </a:r>
+              </a:p>
+            </p:txBody>
+          </p:sp>
+        </mc:Fallback>
+      </mc:AlternateContent>
+      <p:sp>
+        <p:nvSpPr>
+          <p:cNvPr id="87" name="TextBox 86">
+            <a:extLst>
+              <a:ext uri="{FF2B5EF4-FFF2-40B4-BE49-F238E27FC236}">
+                <a16:creationId xmlns:a16="http://schemas.microsoft.com/office/drawing/2014/main" id="{FA2AB7C2-E0F6-45BB-A56F-79FD2969D5D5}"/>
+              </a:ext>
+            </a:extLst>
+          </p:cNvPr>
+          <p:cNvSpPr txBox="1"/>
+          <p:nvPr/>
+        </p:nvSpPr>
+        <p:spPr>
+          <a:xfrm>
+            <a:off x="3527172" y="5741609"/>
+            <a:ext cx="121828" cy="276999"/>
+          </a:xfrm>
+          <a:prstGeom prst="rect">
+            <a:avLst/>
+          </a:prstGeom>
+          <a:noFill/>
+        </p:spPr>
+        <p:txBody>
+          <a:bodyPr wrap="none" lIns="0" tIns="0" rIns="0" bIns="0" rtlCol="0">
+            <a:spAutoFit/>
+          </a:bodyPr>
+          <a:lstStyle/>
+          <a:p>
+            <a:r>
+              <a:rPr lang="en-US" dirty="0"/>
+              <a:t>d</a:t>
+            </a:r>
+          </a:p>
+        </p:txBody>
+      </p:sp>
+      <mc:AlternateContent xmlns:mc="http://schemas.openxmlformats.org/markup-compatibility/2006">
+        <mc:Choice xmlns:a14="http://schemas.microsoft.com/office/drawing/2010/main" Requires="a14">
+          <p:sp>
+            <p:nvSpPr>
+              <p:cNvPr id="88" name="TextBox 87">
+                <a:extLst>
+                  <a:ext uri="{FF2B5EF4-FFF2-40B4-BE49-F238E27FC236}">
+                    <a16:creationId xmlns:a16="http://schemas.microsoft.com/office/drawing/2014/main" id="{C51C7358-6CF9-40CF-AB2A-333D015CC6C6}"/>
+                  </a:ext>
+                </a:extLst>
+              </p:cNvPr>
+              <p:cNvSpPr txBox="1"/>
+              <p:nvPr/>
+            </p:nvSpPr>
+            <p:spPr>
+              <a:xfrm>
+                <a:off x="8156208" y="2389334"/>
+                <a:ext cx="1061188" cy="518604"/>
+              </a:xfrm>
+              <a:prstGeom prst="rect">
+                <a:avLst/>
+              </a:prstGeom>
+              <a:noFill/>
+            </p:spPr>
+            <p:txBody>
+              <a:bodyPr wrap="none" lIns="0" tIns="0" rIns="0" bIns="0" rtlCol="0">
+                <a:spAutoFit/>
+              </a:bodyPr>
+              <a:lstStyle/>
+              <a:p>
+                <a14:m>
+                  <m:oMathPara xmlns:m="http://schemas.openxmlformats.org/officeDocument/2006/math">
+                    <m:oMathParaPr>
+                      <m:jc m:val="centerGroup"/>
+                    </m:oMathParaPr>
+                    <m:oMath xmlns:m="http://schemas.openxmlformats.org/officeDocument/2006/math">
+                      <m:r>
+                        <a:rPr lang="en-US" b="0" i="1" smtClean="0">
+                          <a:latin typeface="Cambria Math" panose="02040503050406030204" pitchFamily="18" charset="0"/>
+                        </a:rPr>
+                        <m:t>h</m:t>
+                      </m:r>
+                      <m:r>
+                        <a:rPr lang="en-US" b="0" i="1" smtClean="0">
+                          <a:latin typeface="Cambria Math" panose="02040503050406030204" pitchFamily="18" charset="0"/>
+                        </a:rPr>
+                        <m:t>= </m:t>
+                      </m:r>
+                      <m:f>
+                        <m:fPr>
+                          <m:ctrlPr>
+                            <a:rPr lang="en-US" b="0" i="1" smtClean="0">
+                              <a:latin typeface="Cambria Math" panose="02040503050406030204" pitchFamily="18" charset="0"/>
+                            </a:rPr>
+                          </m:ctrlPr>
+                        </m:fPr>
+                        <m:num>
+                          <m:r>
+                            <a:rPr lang="en-US" b="0" i="1" smtClean="0">
+                              <a:latin typeface="Cambria Math" panose="02040503050406030204" pitchFamily="18" charset="0"/>
+                            </a:rPr>
+                            <m:t>1</m:t>
+                          </m:r>
+                        </m:num>
+                        <m:den>
+                          <m:r>
+                            <a:rPr lang="en-US" b="0" i="1" smtClean="0">
+                              <a:latin typeface="Cambria Math" panose="02040503050406030204" pitchFamily="18" charset="0"/>
+                            </a:rPr>
+                            <m:t>2</m:t>
+                          </m:r>
+                        </m:den>
+                      </m:f>
+                      <m:r>
+                        <a:rPr lang="en-US" b="0" i="1" smtClean="0">
+                          <a:latin typeface="Cambria Math" panose="02040503050406030204" pitchFamily="18" charset="0"/>
+                        </a:rPr>
+                        <m:t>𝑔</m:t>
+                      </m:r>
+                      <m:sSup>
+                        <m:sSupPr>
+                          <m:ctrlPr>
+                            <a:rPr lang="en-US" b="0" i="1" smtClean="0">
+                              <a:latin typeface="Cambria Math" panose="02040503050406030204" pitchFamily="18" charset="0"/>
+                            </a:rPr>
+                          </m:ctrlPr>
+                        </m:sSupPr>
+                        <m:e>
+                          <m:r>
+                            <a:rPr lang="en-US" b="0" i="1" smtClean="0">
+                              <a:latin typeface="Cambria Math" panose="02040503050406030204" pitchFamily="18" charset="0"/>
+                            </a:rPr>
+                            <m:t>𝑡</m:t>
+                          </m:r>
+                        </m:e>
+                        <m:sup>
+                          <m:r>
+                            <a:rPr lang="en-US" b="0" i="1" smtClean="0">
+                              <a:latin typeface="Cambria Math" panose="02040503050406030204" pitchFamily="18" charset="0"/>
+                            </a:rPr>
+                            <m:t>2</m:t>
+                          </m:r>
+                        </m:sup>
+                      </m:sSup>
+                    </m:oMath>
+                  </m:oMathPara>
+                </a14:m>
+                <a:endParaRPr lang="en-US" dirty="0"/>
+              </a:p>
+            </p:txBody>
+          </p:sp>
+        </mc:Choice>
+        <mc:Fallback>
+          <p:sp>
+            <p:nvSpPr>
+              <p:cNvPr id="88" name="TextBox 87">
+                <a:extLst>
+                  <a:ext uri="{FF2B5EF4-FFF2-40B4-BE49-F238E27FC236}">
+                    <a16:creationId xmlns:a16="http://schemas.microsoft.com/office/drawing/2014/main" id="{C51C7358-6CF9-40CF-AB2A-333D015CC6C6}"/>
+                  </a:ext>
+                </a:extLst>
+              </p:cNvPr>
+              <p:cNvSpPr txBox="1">
+                <a:spLocks noRot="1" noChangeAspect="1" noMove="1" noResize="1" noEditPoints="1" noAdjustHandles="1" noChangeArrowheads="1" noChangeShapeType="1" noTextEdit="1"/>
+              </p:cNvSpPr>
+              <p:nvPr/>
+            </p:nvSpPr>
+            <p:spPr>
+              <a:xfrm>
+                <a:off x="8156208" y="2389334"/>
+                <a:ext cx="1061188" cy="518604"/>
+              </a:xfrm>
+              <a:prstGeom prst="rect">
+                <a:avLst/>
+              </a:prstGeom>
+              <a:blipFill>
+                <a:blip r:embed="rId8"/>
+                <a:stretch>
+                  <a:fillRect/>
+                </a:stretch>
+              </a:blipFill>
+            </p:spPr>
+            <p:txBody>
+              <a:bodyPr/>
+              <a:lstStyle/>
+              <a:p>
+                <a:r>
+                  <a:rPr lang="en-US">
+                    <a:noFill/>
+                  </a:rPr>
+                  <a:t> </a:t>
+                </a:r>
+              </a:p>
+            </p:txBody>
+          </p:sp>
+        </mc:Fallback>
+      </mc:AlternateContent>
     </p:spTree>
     <p:extLst>
       <p:ext uri="{BB962C8B-B14F-4D97-AF65-F5344CB8AC3E}">

--- a/Project_Pres.pptx
+++ b/Project_Pres.pptx
@@ -10,7 +10,8 @@
     <p:sldId id="260" r:id="rId4"/>
     <p:sldId id="257" r:id="rId5"/>
     <p:sldId id="258" r:id="rId6"/>
-    <p:sldId id="261" r:id="rId7"/>
+    <p:sldId id="262" r:id="rId7"/>
+    <p:sldId id="261" r:id="rId8"/>
   </p:sldIdLst>
   <p:sldSz cx="12192000" cy="6858000"/>
   <p:notesSz cx="6858000" cy="9144000"/>
@@ -7936,7 +7937,7 @@
           <p:nvPr/>
         </p:nvPicPr>
         <p:blipFill>
-          <a:blip r:embed="rId2">
+          <a:blip r:embed="rId4">
             <a:extLst>
               <a:ext uri="{28A0092B-C50C-407E-A947-70E740481C1C}">
                 <a14:useLocalDpi xmlns:a14="http://schemas.microsoft.com/office/drawing/2010/main" val="0"/>
@@ -8121,7 +8122,7 @@
                 <a:avLst/>
               </a:prstGeom>
               <a:blipFill>
-                <a:blip r:embed="rId3"/>
+                <a:blip r:embed="rId5"/>
                 <a:stretch>
                   <a:fillRect t="-10465" r="-3788" b="-32558"/>
                 </a:stretch>
@@ -8142,6 +8143,44 @@
           </p:sp>
         </mc:Fallback>
       </mc:AlternateContent>
+      <p:pic>
+        <p:nvPicPr>
+          <p:cNvPr id="28" name="Audio 27">
+            <a:hlinkClick r:id="" action="ppaction://media"/>
+            <a:extLst>
+              <a:ext uri="{FF2B5EF4-FFF2-40B4-BE49-F238E27FC236}">
+                <a16:creationId xmlns:a16="http://schemas.microsoft.com/office/drawing/2014/main" id="{21E7697A-332F-4F28-990C-6EA517D054B2}"/>
+              </a:ext>
+            </a:extLst>
+          </p:cNvPr>
+          <p:cNvPicPr>
+            <a:picLocks noChangeAspect="1"/>
+          </p:cNvPicPr>
+          <p:nvPr>
+            <a:audioFile r:link="rId2"/>
+            <p:extLst>
+              <p:ext uri="{DAA4B4D4-6D71-4841-9C94-3DE7FCFB9230}">
+                <p14:media xmlns:p14="http://schemas.microsoft.com/office/powerpoint/2010/main" r:embed="rId1"/>
+              </p:ext>
+            </p:extLst>
+          </p:nvPr>
+        </p:nvPicPr>
+        <p:blipFill>
+          <a:blip r:embed="rId6"/>
+          <a:stretch>
+            <a:fillRect/>
+          </a:stretch>
+        </p:blipFill>
+        <p:spPr>
+          <a:xfrm>
+            <a:off x="11633200" y="6299200"/>
+            <a:ext cx="406400" cy="406400"/>
+          </a:xfrm>
+          <a:prstGeom prst="rect">
+            <a:avLst/>
+          </a:prstGeom>
+        </p:spPr>
+      </p:pic>
     </p:spTree>
     <p:extLst>
       <p:ext uri="{BB962C8B-B14F-4D97-AF65-F5344CB8AC3E}">
@@ -8152,6 +8191,101 @@
   <p:clrMapOvr>
     <a:masterClrMapping/>
   </p:clrMapOvr>
+  <mc:AlternateContent xmlns:mc="http://schemas.openxmlformats.org/markup-compatibility/2006">
+    <mc:Choice xmlns:p14="http://schemas.microsoft.com/office/powerpoint/2010/main" Requires="p14">
+      <p:transition spd="slow" p14:dur="2000" advTm="27789"/>
+    </mc:Choice>
+    <mc:Fallback>
+      <p:transition spd="slow" advTm="27789"/>
+    </mc:Fallback>
+  </mc:AlternateContent>
+  <p:timing>
+    <p:tnLst>
+      <p:par>
+        <p:cTn id="1" dur="indefinite" restart="never" nodeType="tmRoot">
+          <p:childTnLst>
+            <p:seq concurrent="1" nextAc="seek">
+              <p:cTn id="2" dur="indefinite" nodeType="mainSeq">
+                <p:childTnLst>
+                  <p:par>
+                    <p:cTn id="3" fill="hold">
+                      <p:stCondLst>
+                        <p:cond delay="indefinite"/>
+                        <p:cond evt="onBegin" delay="0">
+                          <p:tn val="2"/>
+                        </p:cond>
+                      </p:stCondLst>
+                      <p:childTnLst>
+                        <p:par>
+                          <p:cTn id="4" fill="hold">
+                            <p:stCondLst>
+                              <p:cond delay="0"/>
+                            </p:stCondLst>
+                            <p:childTnLst>
+                              <p:par>
+                                <p:cTn id="5" presetID="1" presetClass="mediacall" presetSubtype="0" fill="hold" nodeType="afterEffect">
+                                  <p:stCondLst>
+                                    <p:cond delay="0"/>
+                                  </p:stCondLst>
+                                  <p:childTnLst>
+                                    <p:cmd type="call" cmd="playFrom(0.0)">
+                                      <p:cBhvr>
+                                        <p:cTn id="6" dur="1" fill="hold"/>
+                                        <p:tgtEl>
+                                          <p:spTgt spid="28"/>
+                                        </p:tgtEl>
+                                      </p:cBhvr>
+                                    </p:cmd>
+                                  </p:childTnLst>
+                                </p:cTn>
+                              </p:par>
+                            </p:childTnLst>
+                          </p:cTn>
+                        </p:par>
+                      </p:childTnLst>
+                    </p:cTn>
+                  </p:par>
+                </p:childTnLst>
+              </p:cTn>
+              <p:prevCondLst>
+                <p:cond evt="onPrev" delay="0">
+                  <p:tgtEl>
+                    <p:sldTgt/>
+                  </p:tgtEl>
+                </p:cond>
+              </p:prevCondLst>
+              <p:nextCondLst>
+                <p:cond evt="onNext" delay="0">
+                  <p:tgtEl>
+                    <p:sldTgt/>
+                  </p:tgtEl>
+                </p:cond>
+              </p:nextCondLst>
+            </p:seq>
+            <p:audio isNarration="1">
+              <p:cMediaNode vol="80000" showWhenStopped="0">
+                <p:cTn id="7" fill="hold" display="0">
+                  <p:stCondLst>
+                    <p:cond delay="indefinite"/>
+                  </p:stCondLst>
+                  <p:endCondLst>
+                    <p:cond evt="onStopAudio" delay="0">
+                      <p:tgtEl>
+                        <p:sldTgt/>
+                      </p:tgtEl>
+                    </p:cond>
+                  </p:endCondLst>
+                </p:cTn>
+                <p:tgtEl>
+                  <p:spTgt spid="28"/>
+                </p:tgtEl>
+              </p:cMediaNode>
+            </p:audio>
+          </p:childTnLst>
+        </p:cTn>
+      </p:par>
+    </p:tnLst>
+  </p:timing>
 </p:sld>
 </file>
 
@@ -8201,2107 +8335,6 @@
             <a:r>
               <a:rPr lang="en-US" dirty="0"/>
               <a:t>Shot Distance Adjustment by Arm</a:t>
-            </a:r>
-          </a:p>
-        </p:txBody>
-      </p:sp>
-      <p:grpSp>
-        <p:nvGrpSpPr>
-          <p:cNvPr id="44" name="Group 43">
-            <a:extLst>
-              <a:ext uri="{FF2B5EF4-FFF2-40B4-BE49-F238E27FC236}">
-                <a16:creationId xmlns:a16="http://schemas.microsoft.com/office/drawing/2014/main" id="{EF97E69F-8882-46EC-9690-45237492BDF4}"/>
-              </a:ext>
-            </a:extLst>
-          </p:cNvPr>
-          <p:cNvGrpSpPr/>
-          <p:nvPr/>
-        </p:nvGrpSpPr>
-        <p:grpSpPr>
-          <a:xfrm>
-            <a:off x="375387" y="2136809"/>
-            <a:ext cx="4514246" cy="4100364"/>
-            <a:chOff x="606393" y="2059807"/>
-            <a:chExt cx="4514246" cy="4100364"/>
-          </a:xfrm>
-        </p:grpSpPr>
-        <p:sp>
-          <p:nvSpPr>
-            <p:cNvPr id="4" name="Rectangle 3">
-              <a:extLst>
-                <a:ext uri="{FF2B5EF4-FFF2-40B4-BE49-F238E27FC236}">
-                  <a16:creationId xmlns:a16="http://schemas.microsoft.com/office/drawing/2014/main" id="{908E898F-B4A8-49CF-B388-B7F1A23F4300}"/>
-                </a:ext>
-              </a:extLst>
-            </p:cNvPr>
-            <p:cNvSpPr/>
-            <p:nvPr/>
-          </p:nvSpPr>
-          <p:spPr>
-            <a:xfrm>
-              <a:off x="606393" y="2059807"/>
-              <a:ext cx="750770" cy="683394"/>
-            </a:xfrm>
-            <a:prstGeom prst="rect">
-              <a:avLst/>
-            </a:prstGeom>
-            <a:solidFill>
-              <a:schemeClr val="bg2"/>
-            </a:solidFill>
-          </p:spPr>
-          <p:style>
-            <a:lnRef idx="2">
-              <a:schemeClr val="accent1">
-                <a:shade val="50000"/>
-              </a:schemeClr>
-            </a:lnRef>
-            <a:fillRef idx="1">
-              <a:schemeClr val="accent1"/>
-            </a:fillRef>
-            <a:effectRef idx="0">
-              <a:schemeClr val="accent1"/>
-            </a:effectRef>
-            <a:fontRef idx="minor">
-              <a:schemeClr val="lt1"/>
-            </a:fontRef>
-          </p:style>
-          <p:txBody>
-            <a:bodyPr rtlCol="0" anchor="ctr"/>
-            <a:lstStyle/>
-            <a:p>
-              <a:pPr algn="ctr"/>
-              <a:endParaRPr lang="en-US"/>
-            </a:p>
-          </p:txBody>
-        </p:sp>
-        <p:sp>
-          <p:nvSpPr>
-            <p:cNvPr id="5" name="Rectangle 4">
-              <a:extLst>
-                <a:ext uri="{FF2B5EF4-FFF2-40B4-BE49-F238E27FC236}">
-                  <a16:creationId xmlns:a16="http://schemas.microsoft.com/office/drawing/2014/main" id="{2ECF285E-333B-4079-985A-6B5BEDA61BDF}"/>
-                </a:ext>
-              </a:extLst>
-            </p:cNvPr>
-            <p:cNvSpPr/>
-            <p:nvPr/>
-          </p:nvSpPr>
-          <p:spPr>
-            <a:xfrm>
-              <a:off x="1357163" y="2059807"/>
-              <a:ext cx="750770" cy="683394"/>
-            </a:xfrm>
-            <a:prstGeom prst="rect">
-              <a:avLst/>
-            </a:prstGeom>
-            <a:solidFill>
-              <a:schemeClr val="bg2"/>
-            </a:solidFill>
-          </p:spPr>
-          <p:style>
-            <a:lnRef idx="2">
-              <a:schemeClr val="accent1">
-                <a:shade val="50000"/>
-              </a:schemeClr>
-            </a:lnRef>
-            <a:fillRef idx="1">
-              <a:schemeClr val="accent1"/>
-            </a:fillRef>
-            <a:effectRef idx="0">
-              <a:schemeClr val="accent1"/>
-            </a:effectRef>
-            <a:fontRef idx="minor">
-              <a:schemeClr val="lt1"/>
-            </a:fontRef>
-          </p:style>
-          <p:txBody>
-            <a:bodyPr rtlCol="0" anchor="ctr"/>
-            <a:lstStyle/>
-            <a:p>
-              <a:pPr algn="ctr"/>
-              <a:endParaRPr lang="en-US"/>
-            </a:p>
-          </p:txBody>
-        </p:sp>
-        <p:sp>
-          <p:nvSpPr>
-            <p:cNvPr id="6" name="Rectangle 5">
-              <a:extLst>
-                <a:ext uri="{FF2B5EF4-FFF2-40B4-BE49-F238E27FC236}">
-                  <a16:creationId xmlns:a16="http://schemas.microsoft.com/office/drawing/2014/main" id="{D7C190EF-9991-4AA6-A036-9021F211FE5C}"/>
-                </a:ext>
-              </a:extLst>
-            </p:cNvPr>
-            <p:cNvSpPr/>
-            <p:nvPr/>
-          </p:nvSpPr>
-          <p:spPr>
-            <a:xfrm>
-              <a:off x="606393" y="2743201"/>
-              <a:ext cx="750770" cy="683394"/>
-            </a:xfrm>
-            <a:prstGeom prst="rect">
-              <a:avLst/>
-            </a:prstGeom>
-            <a:solidFill>
-              <a:schemeClr val="bg2"/>
-            </a:solidFill>
-          </p:spPr>
-          <p:style>
-            <a:lnRef idx="2">
-              <a:schemeClr val="accent1">
-                <a:shade val="50000"/>
-              </a:schemeClr>
-            </a:lnRef>
-            <a:fillRef idx="1">
-              <a:schemeClr val="accent1"/>
-            </a:fillRef>
-            <a:effectRef idx="0">
-              <a:schemeClr val="accent1"/>
-            </a:effectRef>
-            <a:fontRef idx="minor">
-              <a:schemeClr val="lt1"/>
-            </a:fontRef>
-          </p:style>
-          <p:txBody>
-            <a:bodyPr rtlCol="0" anchor="ctr"/>
-            <a:lstStyle/>
-            <a:p>
-              <a:pPr algn="ctr"/>
-              <a:endParaRPr lang="en-US"/>
-            </a:p>
-          </p:txBody>
-        </p:sp>
-        <p:sp>
-          <p:nvSpPr>
-            <p:cNvPr id="7" name="Rectangle 6">
-              <a:extLst>
-                <a:ext uri="{FF2B5EF4-FFF2-40B4-BE49-F238E27FC236}">
-                  <a16:creationId xmlns:a16="http://schemas.microsoft.com/office/drawing/2014/main" id="{4FFD5AD3-B9D0-48D4-9EAF-B8508E9219F0}"/>
-                </a:ext>
-              </a:extLst>
-            </p:cNvPr>
-            <p:cNvSpPr/>
-            <p:nvPr/>
-          </p:nvSpPr>
-          <p:spPr>
-            <a:xfrm>
-              <a:off x="1357163" y="2743201"/>
-              <a:ext cx="750770" cy="683394"/>
-            </a:xfrm>
-            <a:prstGeom prst="rect">
-              <a:avLst/>
-            </a:prstGeom>
-            <a:solidFill>
-              <a:schemeClr val="bg2"/>
-            </a:solidFill>
-          </p:spPr>
-          <p:style>
-            <a:lnRef idx="2">
-              <a:schemeClr val="accent1">
-                <a:shade val="50000"/>
-              </a:schemeClr>
-            </a:lnRef>
-            <a:fillRef idx="1">
-              <a:schemeClr val="accent1"/>
-            </a:fillRef>
-            <a:effectRef idx="0">
-              <a:schemeClr val="accent1"/>
-            </a:effectRef>
-            <a:fontRef idx="minor">
-              <a:schemeClr val="lt1"/>
-            </a:fontRef>
-          </p:style>
-          <p:txBody>
-            <a:bodyPr rtlCol="0" anchor="ctr"/>
-            <a:lstStyle/>
-            <a:p>
-              <a:pPr algn="ctr"/>
-              <a:endParaRPr lang="en-US"/>
-            </a:p>
-          </p:txBody>
-        </p:sp>
-        <p:sp>
-          <p:nvSpPr>
-            <p:cNvPr id="8" name="Rectangle 7">
-              <a:extLst>
-                <a:ext uri="{FF2B5EF4-FFF2-40B4-BE49-F238E27FC236}">
-                  <a16:creationId xmlns:a16="http://schemas.microsoft.com/office/drawing/2014/main" id="{F0030157-C682-42C4-B43D-E5935E840DF1}"/>
-                </a:ext>
-              </a:extLst>
-            </p:cNvPr>
-            <p:cNvSpPr/>
-            <p:nvPr/>
-          </p:nvSpPr>
-          <p:spPr>
-            <a:xfrm>
-              <a:off x="2107933" y="2059807"/>
-              <a:ext cx="750770" cy="683394"/>
-            </a:xfrm>
-            <a:prstGeom prst="rect">
-              <a:avLst/>
-            </a:prstGeom>
-            <a:solidFill>
-              <a:schemeClr val="bg2"/>
-            </a:solidFill>
-          </p:spPr>
-          <p:style>
-            <a:lnRef idx="2">
-              <a:schemeClr val="accent1">
-                <a:shade val="50000"/>
-              </a:schemeClr>
-            </a:lnRef>
-            <a:fillRef idx="1">
-              <a:schemeClr val="accent1"/>
-            </a:fillRef>
-            <a:effectRef idx="0">
-              <a:schemeClr val="accent1"/>
-            </a:effectRef>
-            <a:fontRef idx="minor">
-              <a:schemeClr val="lt1"/>
-            </a:fontRef>
-          </p:style>
-          <p:txBody>
-            <a:bodyPr rtlCol="0" anchor="ctr"/>
-            <a:lstStyle/>
-            <a:p>
-              <a:pPr algn="ctr"/>
-              <a:endParaRPr lang="en-US"/>
-            </a:p>
-          </p:txBody>
-        </p:sp>
-        <p:sp>
-          <p:nvSpPr>
-            <p:cNvPr id="9" name="Rectangle 8">
-              <a:extLst>
-                <a:ext uri="{FF2B5EF4-FFF2-40B4-BE49-F238E27FC236}">
-                  <a16:creationId xmlns:a16="http://schemas.microsoft.com/office/drawing/2014/main" id="{2F2BD98C-0117-4179-887A-99269FDAF75B}"/>
-                </a:ext>
-              </a:extLst>
-            </p:cNvPr>
-            <p:cNvSpPr/>
-            <p:nvPr/>
-          </p:nvSpPr>
-          <p:spPr>
-            <a:xfrm>
-              <a:off x="2858703" y="2059807"/>
-              <a:ext cx="750770" cy="683394"/>
-            </a:xfrm>
-            <a:prstGeom prst="rect">
-              <a:avLst/>
-            </a:prstGeom>
-            <a:solidFill>
-              <a:schemeClr val="bg2"/>
-            </a:solidFill>
-          </p:spPr>
-          <p:style>
-            <a:lnRef idx="2">
-              <a:schemeClr val="accent1">
-                <a:shade val="50000"/>
-              </a:schemeClr>
-            </a:lnRef>
-            <a:fillRef idx="1">
-              <a:schemeClr val="accent1"/>
-            </a:fillRef>
-            <a:effectRef idx="0">
-              <a:schemeClr val="accent1"/>
-            </a:effectRef>
-            <a:fontRef idx="minor">
-              <a:schemeClr val="lt1"/>
-            </a:fontRef>
-          </p:style>
-          <p:txBody>
-            <a:bodyPr rtlCol="0" anchor="ctr"/>
-            <a:lstStyle/>
-            <a:p>
-              <a:pPr algn="ctr"/>
-              <a:endParaRPr lang="en-US"/>
-            </a:p>
-          </p:txBody>
-        </p:sp>
-        <p:sp>
-          <p:nvSpPr>
-            <p:cNvPr id="10" name="Rectangle 9">
-              <a:extLst>
-                <a:ext uri="{FF2B5EF4-FFF2-40B4-BE49-F238E27FC236}">
-                  <a16:creationId xmlns:a16="http://schemas.microsoft.com/office/drawing/2014/main" id="{9F0856E7-8D74-4037-9A1F-48EE603267BA}"/>
-                </a:ext>
-              </a:extLst>
-            </p:cNvPr>
-            <p:cNvSpPr/>
-            <p:nvPr/>
-          </p:nvSpPr>
-          <p:spPr>
-            <a:xfrm>
-              <a:off x="2107933" y="2743201"/>
-              <a:ext cx="750770" cy="683394"/>
-            </a:xfrm>
-            <a:prstGeom prst="rect">
-              <a:avLst/>
-            </a:prstGeom>
-            <a:solidFill>
-              <a:schemeClr val="bg2"/>
-            </a:solidFill>
-          </p:spPr>
-          <p:style>
-            <a:lnRef idx="2">
-              <a:schemeClr val="accent1">
-                <a:shade val="50000"/>
-              </a:schemeClr>
-            </a:lnRef>
-            <a:fillRef idx="1">
-              <a:schemeClr val="accent1"/>
-            </a:fillRef>
-            <a:effectRef idx="0">
-              <a:schemeClr val="accent1"/>
-            </a:effectRef>
-            <a:fontRef idx="minor">
-              <a:schemeClr val="lt1"/>
-            </a:fontRef>
-          </p:style>
-          <p:txBody>
-            <a:bodyPr rtlCol="0" anchor="ctr"/>
-            <a:lstStyle/>
-            <a:p>
-              <a:pPr algn="ctr"/>
-              <a:endParaRPr lang="en-US"/>
-            </a:p>
-          </p:txBody>
-        </p:sp>
-        <p:sp>
-          <p:nvSpPr>
-            <p:cNvPr id="11" name="Rectangle 10">
-              <a:extLst>
-                <a:ext uri="{FF2B5EF4-FFF2-40B4-BE49-F238E27FC236}">
-                  <a16:creationId xmlns:a16="http://schemas.microsoft.com/office/drawing/2014/main" id="{CA595BFF-2A85-49A7-B277-F7E72660AA06}"/>
-                </a:ext>
-              </a:extLst>
-            </p:cNvPr>
-            <p:cNvSpPr/>
-            <p:nvPr/>
-          </p:nvSpPr>
-          <p:spPr>
-            <a:xfrm>
-              <a:off x="2858703" y="2743201"/>
-              <a:ext cx="750770" cy="683394"/>
-            </a:xfrm>
-            <a:prstGeom prst="rect">
-              <a:avLst/>
-            </a:prstGeom>
-            <a:solidFill>
-              <a:schemeClr val="bg2"/>
-            </a:solidFill>
-          </p:spPr>
-          <p:style>
-            <a:lnRef idx="2">
-              <a:schemeClr val="accent1">
-                <a:shade val="50000"/>
-              </a:schemeClr>
-            </a:lnRef>
-            <a:fillRef idx="1">
-              <a:schemeClr val="accent1"/>
-            </a:fillRef>
-            <a:effectRef idx="0">
-              <a:schemeClr val="accent1"/>
-            </a:effectRef>
-            <a:fontRef idx="minor">
-              <a:schemeClr val="lt1"/>
-            </a:fontRef>
-          </p:style>
-          <p:txBody>
-            <a:bodyPr rtlCol="0" anchor="ctr"/>
-            <a:lstStyle/>
-            <a:p>
-              <a:pPr algn="ctr"/>
-              <a:endParaRPr lang="en-US"/>
-            </a:p>
-          </p:txBody>
-        </p:sp>
-        <p:sp>
-          <p:nvSpPr>
-            <p:cNvPr id="12" name="Rectangle 11">
-              <a:extLst>
-                <a:ext uri="{FF2B5EF4-FFF2-40B4-BE49-F238E27FC236}">
-                  <a16:creationId xmlns:a16="http://schemas.microsoft.com/office/drawing/2014/main" id="{E231AE0D-A1E3-418A-8F33-91135CC89C96}"/>
-                </a:ext>
-              </a:extLst>
-            </p:cNvPr>
-            <p:cNvSpPr/>
-            <p:nvPr/>
-          </p:nvSpPr>
-          <p:spPr>
-            <a:xfrm>
-              <a:off x="606393" y="3426595"/>
-              <a:ext cx="750770" cy="683394"/>
-            </a:xfrm>
-            <a:prstGeom prst="rect">
-              <a:avLst/>
-            </a:prstGeom>
-            <a:solidFill>
-              <a:schemeClr val="bg2"/>
-            </a:solidFill>
-          </p:spPr>
-          <p:style>
-            <a:lnRef idx="2">
-              <a:schemeClr val="accent1">
-                <a:shade val="50000"/>
-              </a:schemeClr>
-            </a:lnRef>
-            <a:fillRef idx="1">
-              <a:schemeClr val="accent1"/>
-            </a:fillRef>
-            <a:effectRef idx="0">
-              <a:schemeClr val="accent1"/>
-            </a:effectRef>
-            <a:fontRef idx="minor">
-              <a:schemeClr val="lt1"/>
-            </a:fontRef>
-          </p:style>
-          <p:txBody>
-            <a:bodyPr rtlCol="0" anchor="ctr"/>
-            <a:lstStyle/>
-            <a:p>
-              <a:pPr algn="ctr"/>
-              <a:endParaRPr lang="en-US"/>
-            </a:p>
-          </p:txBody>
-        </p:sp>
-        <p:sp>
-          <p:nvSpPr>
-            <p:cNvPr id="13" name="Rectangle 12">
-              <a:extLst>
-                <a:ext uri="{FF2B5EF4-FFF2-40B4-BE49-F238E27FC236}">
-                  <a16:creationId xmlns:a16="http://schemas.microsoft.com/office/drawing/2014/main" id="{2832F84E-0A16-4409-98DD-AE90867523A3}"/>
-                </a:ext>
-              </a:extLst>
-            </p:cNvPr>
-            <p:cNvSpPr/>
-            <p:nvPr/>
-          </p:nvSpPr>
-          <p:spPr>
-            <a:xfrm>
-              <a:off x="1357163" y="3426595"/>
-              <a:ext cx="750770" cy="683394"/>
-            </a:xfrm>
-            <a:prstGeom prst="rect">
-              <a:avLst/>
-            </a:prstGeom>
-            <a:solidFill>
-              <a:schemeClr val="bg2"/>
-            </a:solidFill>
-          </p:spPr>
-          <p:style>
-            <a:lnRef idx="2">
-              <a:schemeClr val="accent1">
-                <a:shade val="50000"/>
-              </a:schemeClr>
-            </a:lnRef>
-            <a:fillRef idx="1">
-              <a:schemeClr val="accent1"/>
-            </a:fillRef>
-            <a:effectRef idx="0">
-              <a:schemeClr val="accent1"/>
-            </a:effectRef>
-            <a:fontRef idx="minor">
-              <a:schemeClr val="lt1"/>
-            </a:fontRef>
-          </p:style>
-          <p:txBody>
-            <a:bodyPr rtlCol="0" anchor="ctr"/>
-            <a:lstStyle/>
-            <a:p>
-              <a:pPr algn="ctr"/>
-              <a:endParaRPr lang="en-US"/>
-            </a:p>
-          </p:txBody>
-        </p:sp>
-        <p:sp>
-          <p:nvSpPr>
-            <p:cNvPr id="14" name="Rectangle 13">
-              <a:extLst>
-                <a:ext uri="{FF2B5EF4-FFF2-40B4-BE49-F238E27FC236}">
-                  <a16:creationId xmlns:a16="http://schemas.microsoft.com/office/drawing/2014/main" id="{5B2B6255-C257-4912-985E-2AF95E87B7D2}"/>
-                </a:ext>
-              </a:extLst>
-            </p:cNvPr>
-            <p:cNvSpPr/>
-            <p:nvPr/>
-          </p:nvSpPr>
-          <p:spPr>
-            <a:xfrm>
-              <a:off x="606393" y="4109989"/>
-              <a:ext cx="750770" cy="683394"/>
-            </a:xfrm>
-            <a:prstGeom prst="rect">
-              <a:avLst/>
-            </a:prstGeom>
-            <a:solidFill>
-              <a:schemeClr val="bg2"/>
-            </a:solidFill>
-          </p:spPr>
-          <p:style>
-            <a:lnRef idx="2">
-              <a:schemeClr val="accent1">
-                <a:shade val="50000"/>
-              </a:schemeClr>
-            </a:lnRef>
-            <a:fillRef idx="1">
-              <a:schemeClr val="accent1"/>
-            </a:fillRef>
-            <a:effectRef idx="0">
-              <a:schemeClr val="accent1"/>
-            </a:effectRef>
-            <a:fontRef idx="minor">
-              <a:schemeClr val="lt1"/>
-            </a:fontRef>
-          </p:style>
-          <p:txBody>
-            <a:bodyPr rtlCol="0" anchor="ctr"/>
-            <a:lstStyle/>
-            <a:p>
-              <a:pPr algn="ctr"/>
-              <a:endParaRPr lang="en-US"/>
-            </a:p>
-          </p:txBody>
-        </p:sp>
-        <p:sp>
-          <p:nvSpPr>
-            <p:cNvPr id="15" name="Rectangle 14">
-              <a:extLst>
-                <a:ext uri="{FF2B5EF4-FFF2-40B4-BE49-F238E27FC236}">
-                  <a16:creationId xmlns:a16="http://schemas.microsoft.com/office/drawing/2014/main" id="{FCD7E5FC-58FC-4585-88F4-5B5012F90178}"/>
-                </a:ext>
-              </a:extLst>
-            </p:cNvPr>
-            <p:cNvSpPr/>
-            <p:nvPr/>
-          </p:nvSpPr>
-          <p:spPr>
-            <a:xfrm>
-              <a:off x="1357163" y="4109989"/>
-              <a:ext cx="750770" cy="683394"/>
-            </a:xfrm>
-            <a:prstGeom prst="rect">
-              <a:avLst/>
-            </a:prstGeom>
-            <a:solidFill>
-              <a:schemeClr val="bg2"/>
-            </a:solidFill>
-          </p:spPr>
-          <p:style>
-            <a:lnRef idx="2">
-              <a:schemeClr val="accent1">
-                <a:shade val="50000"/>
-              </a:schemeClr>
-            </a:lnRef>
-            <a:fillRef idx="1">
-              <a:schemeClr val="accent1"/>
-            </a:fillRef>
-            <a:effectRef idx="0">
-              <a:schemeClr val="accent1"/>
-            </a:effectRef>
-            <a:fontRef idx="minor">
-              <a:schemeClr val="lt1"/>
-            </a:fontRef>
-          </p:style>
-          <p:txBody>
-            <a:bodyPr rtlCol="0" anchor="ctr"/>
-            <a:lstStyle/>
-            <a:p>
-              <a:pPr algn="ctr"/>
-              <a:endParaRPr lang="en-US"/>
-            </a:p>
-          </p:txBody>
-        </p:sp>
-        <p:sp>
-          <p:nvSpPr>
-            <p:cNvPr id="16" name="Rectangle 15">
-              <a:extLst>
-                <a:ext uri="{FF2B5EF4-FFF2-40B4-BE49-F238E27FC236}">
-                  <a16:creationId xmlns:a16="http://schemas.microsoft.com/office/drawing/2014/main" id="{DF91F90F-5E4B-42B7-A88C-582A7C37A3B7}"/>
-                </a:ext>
-              </a:extLst>
-            </p:cNvPr>
-            <p:cNvSpPr/>
-            <p:nvPr/>
-          </p:nvSpPr>
-          <p:spPr>
-            <a:xfrm>
-              <a:off x="2117559" y="3426595"/>
-              <a:ext cx="750770" cy="683394"/>
-            </a:xfrm>
-            <a:prstGeom prst="rect">
-              <a:avLst/>
-            </a:prstGeom>
-            <a:solidFill>
-              <a:schemeClr val="bg2"/>
-            </a:solidFill>
-          </p:spPr>
-          <p:style>
-            <a:lnRef idx="2">
-              <a:schemeClr val="accent1">
-                <a:shade val="50000"/>
-              </a:schemeClr>
-            </a:lnRef>
-            <a:fillRef idx="1">
-              <a:schemeClr val="accent1"/>
-            </a:fillRef>
-            <a:effectRef idx="0">
-              <a:schemeClr val="accent1"/>
-            </a:effectRef>
-            <a:fontRef idx="minor">
-              <a:schemeClr val="lt1"/>
-            </a:fontRef>
-          </p:style>
-          <p:txBody>
-            <a:bodyPr rtlCol="0" anchor="ctr"/>
-            <a:lstStyle/>
-            <a:p>
-              <a:pPr algn="ctr"/>
-              <a:endParaRPr lang="en-US"/>
-            </a:p>
-          </p:txBody>
-        </p:sp>
-        <p:sp>
-          <p:nvSpPr>
-            <p:cNvPr id="17" name="Rectangle 16">
-              <a:extLst>
-                <a:ext uri="{FF2B5EF4-FFF2-40B4-BE49-F238E27FC236}">
-                  <a16:creationId xmlns:a16="http://schemas.microsoft.com/office/drawing/2014/main" id="{C7B9B579-9450-435F-BD85-FC1B980A69BB}"/>
-                </a:ext>
-              </a:extLst>
-            </p:cNvPr>
-            <p:cNvSpPr/>
-            <p:nvPr/>
-          </p:nvSpPr>
-          <p:spPr>
-            <a:xfrm>
-              <a:off x="2868329" y="3426595"/>
-              <a:ext cx="750770" cy="683394"/>
-            </a:xfrm>
-            <a:prstGeom prst="rect">
-              <a:avLst/>
-            </a:prstGeom>
-            <a:solidFill>
-              <a:schemeClr val="bg2"/>
-            </a:solidFill>
-          </p:spPr>
-          <p:style>
-            <a:lnRef idx="2">
-              <a:schemeClr val="accent1">
-                <a:shade val="50000"/>
-              </a:schemeClr>
-            </a:lnRef>
-            <a:fillRef idx="1">
-              <a:schemeClr val="accent1"/>
-            </a:fillRef>
-            <a:effectRef idx="0">
-              <a:schemeClr val="accent1"/>
-            </a:effectRef>
-            <a:fontRef idx="minor">
-              <a:schemeClr val="lt1"/>
-            </a:fontRef>
-          </p:style>
-          <p:txBody>
-            <a:bodyPr rtlCol="0" anchor="ctr"/>
-            <a:lstStyle/>
-            <a:p>
-              <a:pPr algn="ctr"/>
-              <a:endParaRPr lang="en-US"/>
-            </a:p>
-          </p:txBody>
-        </p:sp>
-        <p:sp>
-          <p:nvSpPr>
-            <p:cNvPr id="18" name="Rectangle 17">
-              <a:extLst>
-                <a:ext uri="{FF2B5EF4-FFF2-40B4-BE49-F238E27FC236}">
-                  <a16:creationId xmlns:a16="http://schemas.microsoft.com/office/drawing/2014/main" id="{42C90E95-026F-43FC-BB34-F607E14A6774}"/>
-                </a:ext>
-              </a:extLst>
-            </p:cNvPr>
-            <p:cNvSpPr/>
-            <p:nvPr/>
-          </p:nvSpPr>
-          <p:spPr>
-            <a:xfrm>
-              <a:off x="2117559" y="4109989"/>
-              <a:ext cx="750770" cy="683394"/>
-            </a:xfrm>
-            <a:prstGeom prst="rect">
-              <a:avLst/>
-            </a:prstGeom>
-            <a:solidFill>
-              <a:schemeClr val="bg2"/>
-            </a:solidFill>
-          </p:spPr>
-          <p:style>
-            <a:lnRef idx="2">
-              <a:schemeClr val="accent1">
-                <a:shade val="50000"/>
-              </a:schemeClr>
-            </a:lnRef>
-            <a:fillRef idx="1">
-              <a:schemeClr val="accent1"/>
-            </a:fillRef>
-            <a:effectRef idx="0">
-              <a:schemeClr val="accent1"/>
-            </a:effectRef>
-            <a:fontRef idx="minor">
-              <a:schemeClr val="lt1"/>
-            </a:fontRef>
-          </p:style>
-          <p:txBody>
-            <a:bodyPr rtlCol="0" anchor="ctr"/>
-            <a:lstStyle/>
-            <a:p>
-              <a:pPr algn="ctr"/>
-              <a:endParaRPr lang="en-US"/>
-            </a:p>
-          </p:txBody>
-        </p:sp>
-        <p:sp>
-          <p:nvSpPr>
-            <p:cNvPr id="19" name="Rectangle 18">
-              <a:extLst>
-                <a:ext uri="{FF2B5EF4-FFF2-40B4-BE49-F238E27FC236}">
-                  <a16:creationId xmlns:a16="http://schemas.microsoft.com/office/drawing/2014/main" id="{BF2EB325-49FD-466F-887A-98F3CCF1A298}"/>
-                </a:ext>
-              </a:extLst>
-            </p:cNvPr>
-            <p:cNvSpPr/>
-            <p:nvPr/>
-          </p:nvSpPr>
-          <p:spPr>
-            <a:xfrm>
-              <a:off x="2868329" y="4109989"/>
-              <a:ext cx="750770" cy="683394"/>
-            </a:xfrm>
-            <a:prstGeom prst="rect">
-              <a:avLst/>
-            </a:prstGeom>
-            <a:solidFill>
-              <a:schemeClr val="bg2"/>
-            </a:solidFill>
-          </p:spPr>
-          <p:style>
-            <a:lnRef idx="2">
-              <a:schemeClr val="accent1">
-                <a:shade val="50000"/>
-              </a:schemeClr>
-            </a:lnRef>
-            <a:fillRef idx="1">
-              <a:schemeClr val="accent1"/>
-            </a:fillRef>
-            <a:effectRef idx="0">
-              <a:schemeClr val="accent1"/>
-            </a:effectRef>
-            <a:fontRef idx="minor">
-              <a:schemeClr val="lt1"/>
-            </a:fontRef>
-          </p:style>
-          <p:txBody>
-            <a:bodyPr rtlCol="0" anchor="ctr"/>
-            <a:lstStyle/>
-            <a:p>
-              <a:pPr algn="ctr"/>
-              <a:endParaRPr lang="en-US"/>
-            </a:p>
-          </p:txBody>
-        </p:sp>
-        <p:sp>
-          <p:nvSpPr>
-            <p:cNvPr id="20" name="Rectangle 19">
-              <a:extLst>
-                <a:ext uri="{FF2B5EF4-FFF2-40B4-BE49-F238E27FC236}">
-                  <a16:creationId xmlns:a16="http://schemas.microsoft.com/office/drawing/2014/main" id="{508ACBCE-1F20-4D5D-B93C-742842930177}"/>
-                </a:ext>
-              </a:extLst>
-            </p:cNvPr>
-            <p:cNvSpPr/>
-            <p:nvPr/>
-          </p:nvSpPr>
-          <p:spPr>
-            <a:xfrm>
-              <a:off x="616019" y="4793383"/>
-              <a:ext cx="750770" cy="683394"/>
-            </a:xfrm>
-            <a:prstGeom prst="rect">
-              <a:avLst/>
-            </a:prstGeom>
-            <a:solidFill>
-              <a:schemeClr val="bg2"/>
-            </a:solidFill>
-          </p:spPr>
-          <p:style>
-            <a:lnRef idx="2">
-              <a:schemeClr val="accent1">
-                <a:shade val="50000"/>
-              </a:schemeClr>
-            </a:lnRef>
-            <a:fillRef idx="1">
-              <a:schemeClr val="accent1"/>
-            </a:fillRef>
-            <a:effectRef idx="0">
-              <a:schemeClr val="accent1"/>
-            </a:effectRef>
-            <a:fontRef idx="minor">
-              <a:schemeClr val="lt1"/>
-            </a:fontRef>
-          </p:style>
-          <p:txBody>
-            <a:bodyPr rtlCol="0" anchor="ctr"/>
-            <a:lstStyle/>
-            <a:p>
-              <a:pPr algn="ctr"/>
-              <a:endParaRPr lang="en-US"/>
-            </a:p>
-          </p:txBody>
-        </p:sp>
-        <p:sp>
-          <p:nvSpPr>
-            <p:cNvPr id="21" name="Rectangle 20">
-              <a:extLst>
-                <a:ext uri="{FF2B5EF4-FFF2-40B4-BE49-F238E27FC236}">
-                  <a16:creationId xmlns:a16="http://schemas.microsoft.com/office/drawing/2014/main" id="{02B79493-4E9B-4A5B-851C-6821D38EB302}"/>
-                </a:ext>
-              </a:extLst>
-            </p:cNvPr>
-            <p:cNvSpPr/>
-            <p:nvPr/>
-          </p:nvSpPr>
-          <p:spPr>
-            <a:xfrm>
-              <a:off x="1366789" y="4793383"/>
-              <a:ext cx="750770" cy="683394"/>
-            </a:xfrm>
-            <a:prstGeom prst="rect">
-              <a:avLst/>
-            </a:prstGeom>
-            <a:solidFill>
-              <a:schemeClr val="bg2"/>
-            </a:solidFill>
-          </p:spPr>
-          <p:style>
-            <a:lnRef idx="2">
-              <a:schemeClr val="accent1">
-                <a:shade val="50000"/>
-              </a:schemeClr>
-            </a:lnRef>
-            <a:fillRef idx="1">
-              <a:schemeClr val="accent1"/>
-            </a:fillRef>
-            <a:effectRef idx="0">
-              <a:schemeClr val="accent1"/>
-            </a:effectRef>
-            <a:fontRef idx="minor">
-              <a:schemeClr val="lt1"/>
-            </a:fontRef>
-          </p:style>
-          <p:txBody>
-            <a:bodyPr rtlCol="0" anchor="ctr"/>
-            <a:lstStyle/>
-            <a:p>
-              <a:pPr algn="ctr"/>
-              <a:endParaRPr lang="en-US"/>
-            </a:p>
-          </p:txBody>
-        </p:sp>
-        <p:sp>
-          <p:nvSpPr>
-            <p:cNvPr id="22" name="Rectangle 21">
-              <a:extLst>
-                <a:ext uri="{FF2B5EF4-FFF2-40B4-BE49-F238E27FC236}">
-                  <a16:creationId xmlns:a16="http://schemas.microsoft.com/office/drawing/2014/main" id="{C398BA2E-056E-491A-8B9D-FB7AE91E08D4}"/>
-                </a:ext>
-              </a:extLst>
-            </p:cNvPr>
-            <p:cNvSpPr/>
-            <p:nvPr/>
-          </p:nvSpPr>
-          <p:spPr>
-            <a:xfrm>
-              <a:off x="616019" y="5476777"/>
-              <a:ext cx="750770" cy="683394"/>
-            </a:xfrm>
-            <a:prstGeom prst="rect">
-              <a:avLst/>
-            </a:prstGeom>
-            <a:solidFill>
-              <a:schemeClr val="bg2"/>
-            </a:solidFill>
-          </p:spPr>
-          <p:style>
-            <a:lnRef idx="2">
-              <a:schemeClr val="accent1">
-                <a:shade val="50000"/>
-              </a:schemeClr>
-            </a:lnRef>
-            <a:fillRef idx="1">
-              <a:schemeClr val="accent1"/>
-            </a:fillRef>
-            <a:effectRef idx="0">
-              <a:schemeClr val="accent1"/>
-            </a:effectRef>
-            <a:fontRef idx="minor">
-              <a:schemeClr val="lt1"/>
-            </a:fontRef>
-          </p:style>
-          <p:txBody>
-            <a:bodyPr rtlCol="0" anchor="ctr"/>
-            <a:lstStyle/>
-            <a:p>
-              <a:pPr algn="ctr"/>
-              <a:endParaRPr lang="en-US"/>
-            </a:p>
-          </p:txBody>
-        </p:sp>
-        <p:sp>
-          <p:nvSpPr>
-            <p:cNvPr id="23" name="Rectangle 22">
-              <a:extLst>
-                <a:ext uri="{FF2B5EF4-FFF2-40B4-BE49-F238E27FC236}">
-                  <a16:creationId xmlns:a16="http://schemas.microsoft.com/office/drawing/2014/main" id="{EFD2FBF9-CC87-4489-9A07-E1BA072EAFEC}"/>
-                </a:ext>
-              </a:extLst>
-            </p:cNvPr>
-            <p:cNvSpPr/>
-            <p:nvPr/>
-          </p:nvSpPr>
-          <p:spPr>
-            <a:xfrm>
-              <a:off x="1366789" y="5476777"/>
-              <a:ext cx="750770" cy="683394"/>
-            </a:xfrm>
-            <a:prstGeom prst="rect">
-              <a:avLst/>
-            </a:prstGeom>
-            <a:solidFill>
-              <a:schemeClr val="bg2"/>
-            </a:solidFill>
-          </p:spPr>
-          <p:style>
-            <a:lnRef idx="2">
-              <a:schemeClr val="accent1">
-                <a:shade val="50000"/>
-              </a:schemeClr>
-            </a:lnRef>
-            <a:fillRef idx="1">
-              <a:schemeClr val="accent1"/>
-            </a:fillRef>
-            <a:effectRef idx="0">
-              <a:schemeClr val="accent1"/>
-            </a:effectRef>
-            <a:fontRef idx="minor">
-              <a:schemeClr val="lt1"/>
-            </a:fontRef>
-          </p:style>
-          <p:txBody>
-            <a:bodyPr rtlCol="0" anchor="ctr"/>
-            <a:lstStyle/>
-            <a:p>
-              <a:pPr algn="ctr"/>
-              <a:endParaRPr lang="en-US"/>
-            </a:p>
-          </p:txBody>
-        </p:sp>
-        <p:sp>
-          <p:nvSpPr>
-            <p:cNvPr id="24" name="Rectangle 23">
-              <a:extLst>
-                <a:ext uri="{FF2B5EF4-FFF2-40B4-BE49-F238E27FC236}">
-                  <a16:creationId xmlns:a16="http://schemas.microsoft.com/office/drawing/2014/main" id="{8BE41710-C21B-494D-A72E-2DDD5EF12B98}"/>
-                </a:ext>
-              </a:extLst>
-            </p:cNvPr>
-            <p:cNvSpPr/>
-            <p:nvPr/>
-          </p:nvSpPr>
-          <p:spPr>
-            <a:xfrm>
-              <a:off x="2107933" y="4793383"/>
-              <a:ext cx="750770" cy="683394"/>
-            </a:xfrm>
-            <a:prstGeom prst="rect">
-              <a:avLst/>
-            </a:prstGeom>
-            <a:solidFill>
-              <a:schemeClr val="bg2"/>
-            </a:solidFill>
-          </p:spPr>
-          <p:style>
-            <a:lnRef idx="2">
-              <a:schemeClr val="accent1">
-                <a:shade val="50000"/>
-              </a:schemeClr>
-            </a:lnRef>
-            <a:fillRef idx="1">
-              <a:schemeClr val="accent1"/>
-            </a:fillRef>
-            <a:effectRef idx="0">
-              <a:schemeClr val="accent1"/>
-            </a:effectRef>
-            <a:fontRef idx="minor">
-              <a:schemeClr val="lt1"/>
-            </a:fontRef>
-          </p:style>
-          <p:txBody>
-            <a:bodyPr rtlCol="0" anchor="ctr"/>
-            <a:lstStyle/>
-            <a:p>
-              <a:pPr algn="ctr"/>
-              <a:endParaRPr lang="en-US"/>
-            </a:p>
-          </p:txBody>
-        </p:sp>
-        <p:sp>
-          <p:nvSpPr>
-            <p:cNvPr id="25" name="Rectangle 24">
-              <a:extLst>
-                <a:ext uri="{FF2B5EF4-FFF2-40B4-BE49-F238E27FC236}">
-                  <a16:creationId xmlns:a16="http://schemas.microsoft.com/office/drawing/2014/main" id="{28277127-014F-4DB0-826D-7345C7550C89}"/>
-                </a:ext>
-              </a:extLst>
-            </p:cNvPr>
-            <p:cNvSpPr/>
-            <p:nvPr/>
-          </p:nvSpPr>
-          <p:spPr>
-            <a:xfrm>
-              <a:off x="2858703" y="4793383"/>
-              <a:ext cx="750770" cy="683394"/>
-            </a:xfrm>
-            <a:prstGeom prst="rect">
-              <a:avLst/>
-            </a:prstGeom>
-            <a:solidFill>
-              <a:schemeClr val="bg2"/>
-            </a:solidFill>
-          </p:spPr>
-          <p:style>
-            <a:lnRef idx="2">
-              <a:schemeClr val="accent1">
-                <a:shade val="50000"/>
-              </a:schemeClr>
-            </a:lnRef>
-            <a:fillRef idx="1">
-              <a:schemeClr val="accent1"/>
-            </a:fillRef>
-            <a:effectRef idx="0">
-              <a:schemeClr val="accent1"/>
-            </a:effectRef>
-            <a:fontRef idx="minor">
-              <a:schemeClr val="lt1"/>
-            </a:fontRef>
-          </p:style>
-          <p:txBody>
-            <a:bodyPr rtlCol="0" anchor="ctr"/>
-            <a:lstStyle/>
-            <a:p>
-              <a:pPr algn="ctr"/>
-              <a:endParaRPr lang="en-US"/>
-            </a:p>
-          </p:txBody>
-        </p:sp>
-        <p:sp>
-          <p:nvSpPr>
-            <p:cNvPr id="26" name="Rectangle 25">
-              <a:extLst>
-                <a:ext uri="{FF2B5EF4-FFF2-40B4-BE49-F238E27FC236}">
-                  <a16:creationId xmlns:a16="http://schemas.microsoft.com/office/drawing/2014/main" id="{EC9C40A9-BA19-43AF-BD8A-A436AC53303B}"/>
-                </a:ext>
-              </a:extLst>
-            </p:cNvPr>
-            <p:cNvSpPr/>
-            <p:nvPr/>
-          </p:nvSpPr>
-          <p:spPr>
-            <a:xfrm>
-              <a:off x="2107933" y="5476777"/>
-              <a:ext cx="750770" cy="683394"/>
-            </a:xfrm>
-            <a:prstGeom prst="rect">
-              <a:avLst/>
-            </a:prstGeom>
-            <a:solidFill>
-              <a:schemeClr val="bg2"/>
-            </a:solidFill>
-          </p:spPr>
-          <p:style>
-            <a:lnRef idx="2">
-              <a:schemeClr val="accent1">
-                <a:shade val="50000"/>
-              </a:schemeClr>
-            </a:lnRef>
-            <a:fillRef idx="1">
-              <a:schemeClr val="accent1"/>
-            </a:fillRef>
-            <a:effectRef idx="0">
-              <a:schemeClr val="accent1"/>
-            </a:effectRef>
-            <a:fontRef idx="minor">
-              <a:schemeClr val="lt1"/>
-            </a:fontRef>
-          </p:style>
-          <p:txBody>
-            <a:bodyPr rtlCol="0" anchor="ctr"/>
-            <a:lstStyle/>
-            <a:p>
-              <a:pPr algn="ctr"/>
-              <a:endParaRPr lang="en-US"/>
-            </a:p>
-          </p:txBody>
-        </p:sp>
-        <p:sp>
-          <p:nvSpPr>
-            <p:cNvPr id="27" name="Rectangle 26">
-              <a:extLst>
-                <a:ext uri="{FF2B5EF4-FFF2-40B4-BE49-F238E27FC236}">
-                  <a16:creationId xmlns:a16="http://schemas.microsoft.com/office/drawing/2014/main" id="{8E484858-3445-4723-ABC7-E5BCEC94A667}"/>
-                </a:ext>
-              </a:extLst>
-            </p:cNvPr>
-            <p:cNvSpPr/>
-            <p:nvPr/>
-          </p:nvSpPr>
-          <p:spPr>
-            <a:xfrm>
-              <a:off x="2858703" y="5476777"/>
-              <a:ext cx="750770" cy="683394"/>
-            </a:xfrm>
-            <a:prstGeom prst="rect">
-              <a:avLst/>
-            </a:prstGeom>
-            <a:solidFill>
-              <a:schemeClr val="bg2"/>
-            </a:solidFill>
-          </p:spPr>
-          <p:style>
-            <a:lnRef idx="2">
-              <a:schemeClr val="accent1">
-                <a:shade val="50000"/>
-              </a:schemeClr>
-            </a:lnRef>
-            <a:fillRef idx="1">
-              <a:schemeClr val="accent1"/>
-            </a:fillRef>
-            <a:effectRef idx="0">
-              <a:schemeClr val="accent1"/>
-            </a:effectRef>
-            <a:fontRef idx="minor">
-              <a:schemeClr val="lt1"/>
-            </a:fontRef>
-          </p:style>
-          <p:txBody>
-            <a:bodyPr rtlCol="0" anchor="ctr"/>
-            <a:lstStyle/>
-            <a:p>
-              <a:pPr algn="ctr"/>
-              <a:endParaRPr lang="en-US"/>
-            </a:p>
-          </p:txBody>
-        </p:sp>
-        <p:sp>
-          <p:nvSpPr>
-            <p:cNvPr id="32" name="Rectangle 31">
-              <a:extLst>
-                <a:ext uri="{FF2B5EF4-FFF2-40B4-BE49-F238E27FC236}">
-                  <a16:creationId xmlns:a16="http://schemas.microsoft.com/office/drawing/2014/main" id="{8327C01C-AF4E-417A-BBC6-787C02B2D893}"/>
-                </a:ext>
-              </a:extLst>
-            </p:cNvPr>
-            <p:cNvSpPr/>
-            <p:nvPr/>
-          </p:nvSpPr>
-          <p:spPr>
-            <a:xfrm>
-              <a:off x="3609473" y="2059807"/>
-              <a:ext cx="750770" cy="683394"/>
-            </a:xfrm>
-            <a:prstGeom prst="rect">
-              <a:avLst/>
-            </a:prstGeom>
-            <a:solidFill>
-              <a:schemeClr val="bg2"/>
-            </a:solidFill>
-          </p:spPr>
-          <p:style>
-            <a:lnRef idx="2">
-              <a:schemeClr val="accent1">
-                <a:shade val="50000"/>
-              </a:schemeClr>
-            </a:lnRef>
-            <a:fillRef idx="1">
-              <a:schemeClr val="accent1"/>
-            </a:fillRef>
-            <a:effectRef idx="0">
-              <a:schemeClr val="accent1"/>
-            </a:effectRef>
-            <a:fontRef idx="minor">
-              <a:schemeClr val="lt1"/>
-            </a:fontRef>
-          </p:style>
-          <p:txBody>
-            <a:bodyPr rtlCol="0" anchor="ctr"/>
-            <a:lstStyle/>
-            <a:p>
-              <a:pPr algn="ctr"/>
-              <a:endParaRPr lang="en-US"/>
-            </a:p>
-          </p:txBody>
-        </p:sp>
-        <p:sp>
-          <p:nvSpPr>
-            <p:cNvPr id="33" name="Rectangle 32">
-              <a:extLst>
-                <a:ext uri="{FF2B5EF4-FFF2-40B4-BE49-F238E27FC236}">
-                  <a16:creationId xmlns:a16="http://schemas.microsoft.com/office/drawing/2014/main" id="{C5A5B46E-3940-498D-AC15-4F207DB5DD44}"/>
-                </a:ext>
-              </a:extLst>
-            </p:cNvPr>
-            <p:cNvSpPr/>
-            <p:nvPr/>
-          </p:nvSpPr>
-          <p:spPr>
-            <a:xfrm>
-              <a:off x="4360243" y="2059807"/>
-              <a:ext cx="750770" cy="683394"/>
-            </a:xfrm>
-            <a:prstGeom prst="rect">
-              <a:avLst/>
-            </a:prstGeom>
-            <a:solidFill>
-              <a:schemeClr val="bg2"/>
-            </a:solidFill>
-          </p:spPr>
-          <p:style>
-            <a:lnRef idx="2">
-              <a:schemeClr val="accent1">
-                <a:shade val="50000"/>
-              </a:schemeClr>
-            </a:lnRef>
-            <a:fillRef idx="1">
-              <a:schemeClr val="accent1"/>
-            </a:fillRef>
-            <a:effectRef idx="0">
-              <a:schemeClr val="accent1"/>
-            </a:effectRef>
-            <a:fontRef idx="minor">
-              <a:schemeClr val="lt1"/>
-            </a:fontRef>
-          </p:style>
-          <p:txBody>
-            <a:bodyPr rtlCol="0" anchor="ctr"/>
-            <a:lstStyle/>
-            <a:p>
-              <a:pPr algn="ctr"/>
-              <a:endParaRPr lang="en-US"/>
-            </a:p>
-          </p:txBody>
-        </p:sp>
-        <p:sp>
-          <p:nvSpPr>
-            <p:cNvPr id="34" name="Rectangle 33">
-              <a:extLst>
-                <a:ext uri="{FF2B5EF4-FFF2-40B4-BE49-F238E27FC236}">
-                  <a16:creationId xmlns:a16="http://schemas.microsoft.com/office/drawing/2014/main" id="{72E03F98-C760-4169-A4C6-ED007C3632CE}"/>
-                </a:ext>
-              </a:extLst>
-            </p:cNvPr>
-            <p:cNvSpPr/>
-            <p:nvPr/>
-          </p:nvSpPr>
-          <p:spPr>
-            <a:xfrm>
-              <a:off x="3609473" y="2743201"/>
-              <a:ext cx="750770" cy="683394"/>
-            </a:xfrm>
-            <a:prstGeom prst="rect">
-              <a:avLst/>
-            </a:prstGeom>
-            <a:solidFill>
-              <a:schemeClr val="bg2"/>
-            </a:solidFill>
-          </p:spPr>
-          <p:style>
-            <a:lnRef idx="2">
-              <a:schemeClr val="accent1">
-                <a:shade val="50000"/>
-              </a:schemeClr>
-            </a:lnRef>
-            <a:fillRef idx="1">
-              <a:schemeClr val="accent1"/>
-            </a:fillRef>
-            <a:effectRef idx="0">
-              <a:schemeClr val="accent1"/>
-            </a:effectRef>
-            <a:fontRef idx="minor">
-              <a:schemeClr val="lt1"/>
-            </a:fontRef>
-          </p:style>
-          <p:txBody>
-            <a:bodyPr rtlCol="0" anchor="ctr"/>
-            <a:lstStyle/>
-            <a:p>
-              <a:pPr algn="ctr"/>
-              <a:endParaRPr lang="en-US"/>
-            </a:p>
-          </p:txBody>
-        </p:sp>
-        <p:sp>
-          <p:nvSpPr>
-            <p:cNvPr id="35" name="Rectangle 34">
-              <a:extLst>
-                <a:ext uri="{FF2B5EF4-FFF2-40B4-BE49-F238E27FC236}">
-                  <a16:creationId xmlns:a16="http://schemas.microsoft.com/office/drawing/2014/main" id="{E49A6874-0610-4382-9B2B-555365E95765}"/>
-                </a:ext>
-              </a:extLst>
-            </p:cNvPr>
-            <p:cNvSpPr/>
-            <p:nvPr/>
-          </p:nvSpPr>
-          <p:spPr>
-            <a:xfrm>
-              <a:off x="4360243" y="2743201"/>
-              <a:ext cx="750770" cy="683394"/>
-            </a:xfrm>
-            <a:prstGeom prst="rect">
-              <a:avLst/>
-            </a:prstGeom>
-            <a:solidFill>
-              <a:schemeClr val="bg2"/>
-            </a:solidFill>
-          </p:spPr>
-          <p:style>
-            <a:lnRef idx="2">
-              <a:schemeClr val="accent1">
-                <a:shade val="50000"/>
-              </a:schemeClr>
-            </a:lnRef>
-            <a:fillRef idx="1">
-              <a:schemeClr val="accent1"/>
-            </a:fillRef>
-            <a:effectRef idx="0">
-              <a:schemeClr val="accent1"/>
-            </a:effectRef>
-            <a:fontRef idx="minor">
-              <a:schemeClr val="lt1"/>
-            </a:fontRef>
-          </p:style>
-          <p:txBody>
-            <a:bodyPr rtlCol="0" anchor="ctr"/>
-            <a:lstStyle/>
-            <a:p>
-              <a:pPr algn="ctr"/>
-              <a:endParaRPr lang="en-US"/>
-            </a:p>
-          </p:txBody>
-        </p:sp>
-        <p:sp>
-          <p:nvSpPr>
-            <p:cNvPr id="36" name="Rectangle 35">
-              <a:extLst>
-                <a:ext uri="{FF2B5EF4-FFF2-40B4-BE49-F238E27FC236}">
-                  <a16:creationId xmlns:a16="http://schemas.microsoft.com/office/drawing/2014/main" id="{EAF9A86B-D777-451F-9473-A64311643423}"/>
-                </a:ext>
-              </a:extLst>
-            </p:cNvPr>
-            <p:cNvSpPr/>
-            <p:nvPr/>
-          </p:nvSpPr>
-          <p:spPr>
-            <a:xfrm>
-              <a:off x="3619099" y="3426595"/>
-              <a:ext cx="750770" cy="683394"/>
-            </a:xfrm>
-            <a:prstGeom prst="rect">
-              <a:avLst/>
-            </a:prstGeom>
-            <a:solidFill>
-              <a:schemeClr val="bg2"/>
-            </a:solidFill>
-          </p:spPr>
-          <p:style>
-            <a:lnRef idx="2">
-              <a:schemeClr val="accent1">
-                <a:shade val="50000"/>
-              </a:schemeClr>
-            </a:lnRef>
-            <a:fillRef idx="1">
-              <a:schemeClr val="accent1"/>
-            </a:fillRef>
-            <a:effectRef idx="0">
-              <a:schemeClr val="accent1"/>
-            </a:effectRef>
-            <a:fontRef idx="minor">
-              <a:schemeClr val="lt1"/>
-            </a:fontRef>
-          </p:style>
-          <p:txBody>
-            <a:bodyPr rtlCol="0" anchor="ctr"/>
-            <a:lstStyle/>
-            <a:p>
-              <a:pPr algn="ctr"/>
-              <a:endParaRPr lang="en-US"/>
-            </a:p>
-          </p:txBody>
-        </p:sp>
-        <p:sp>
-          <p:nvSpPr>
-            <p:cNvPr id="37" name="Rectangle 36">
-              <a:extLst>
-                <a:ext uri="{FF2B5EF4-FFF2-40B4-BE49-F238E27FC236}">
-                  <a16:creationId xmlns:a16="http://schemas.microsoft.com/office/drawing/2014/main" id="{FBD2B7D7-3D9A-42E6-A179-36827B51431A}"/>
-                </a:ext>
-              </a:extLst>
-            </p:cNvPr>
-            <p:cNvSpPr/>
-            <p:nvPr/>
-          </p:nvSpPr>
-          <p:spPr>
-            <a:xfrm>
-              <a:off x="4369869" y="3426595"/>
-              <a:ext cx="750770" cy="683394"/>
-            </a:xfrm>
-            <a:prstGeom prst="rect">
-              <a:avLst/>
-            </a:prstGeom>
-            <a:solidFill>
-              <a:schemeClr val="bg2"/>
-            </a:solidFill>
-          </p:spPr>
-          <p:style>
-            <a:lnRef idx="2">
-              <a:schemeClr val="accent1">
-                <a:shade val="50000"/>
-              </a:schemeClr>
-            </a:lnRef>
-            <a:fillRef idx="1">
-              <a:schemeClr val="accent1"/>
-            </a:fillRef>
-            <a:effectRef idx="0">
-              <a:schemeClr val="accent1"/>
-            </a:effectRef>
-            <a:fontRef idx="minor">
-              <a:schemeClr val="lt1"/>
-            </a:fontRef>
-          </p:style>
-          <p:txBody>
-            <a:bodyPr rtlCol="0" anchor="ctr"/>
-            <a:lstStyle/>
-            <a:p>
-              <a:pPr algn="ctr"/>
-              <a:endParaRPr lang="en-US"/>
-            </a:p>
-          </p:txBody>
-        </p:sp>
-        <p:sp>
-          <p:nvSpPr>
-            <p:cNvPr id="38" name="Rectangle 37">
-              <a:extLst>
-                <a:ext uri="{FF2B5EF4-FFF2-40B4-BE49-F238E27FC236}">
-                  <a16:creationId xmlns:a16="http://schemas.microsoft.com/office/drawing/2014/main" id="{763F9187-6B1D-4DD1-9F81-C8B29854F91E}"/>
-                </a:ext>
-              </a:extLst>
-            </p:cNvPr>
-            <p:cNvSpPr/>
-            <p:nvPr/>
-          </p:nvSpPr>
-          <p:spPr>
-            <a:xfrm>
-              <a:off x="3619099" y="4109989"/>
-              <a:ext cx="750770" cy="683394"/>
-            </a:xfrm>
-            <a:prstGeom prst="rect">
-              <a:avLst/>
-            </a:prstGeom>
-            <a:solidFill>
-              <a:schemeClr val="bg2"/>
-            </a:solidFill>
-          </p:spPr>
-          <p:style>
-            <a:lnRef idx="2">
-              <a:schemeClr val="accent1">
-                <a:shade val="50000"/>
-              </a:schemeClr>
-            </a:lnRef>
-            <a:fillRef idx="1">
-              <a:schemeClr val="accent1"/>
-            </a:fillRef>
-            <a:effectRef idx="0">
-              <a:schemeClr val="accent1"/>
-            </a:effectRef>
-            <a:fontRef idx="minor">
-              <a:schemeClr val="lt1"/>
-            </a:fontRef>
-          </p:style>
-          <p:txBody>
-            <a:bodyPr rtlCol="0" anchor="ctr"/>
-            <a:lstStyle/>
-            <a:p>
-              <a:pPr algn="ctr"/>
-              <a:endParaRPr lang="en-US"/>
-            </a:p>
-          </p:txBody>
-        </p:sp>
-        <p:sp>
-          <p:nvSpPr>
-            <p:cNvPr id="39" name="Rectangle 38">
-              <a:extLst>
-                <a:ext uri="{FF2B5EF4-FFF2-40B4-BE49-F238E27FC236}">
-                  <a16:creationId xmlns:a16="http://schemas.microsoft.com/office/drawing/2014/main" id="{086A7CF8-6065-4534-8D4B-257F9938275F}"/>
-                </a:ext>
-              </a:extLst>
-            </p:cNvPr>
-            <p:cNvSpPr/>
-            <p:nvPr/>
-          </p:nvSpPr>
-          <p:spPr>
-            <a:xfrm>
-              <a:off x="4369869" y="4109989"/>
-              <a:ext cx="750770" cy="683394"/>
-            </a:xfrm>
-            <a:prstGeom prst="rect">
-              <a:avLst/>
-            </a:prstGeom>
-            <a:solidFill>
-              <a:schemeClr val="bg2"/>
-            </a:solidFill>
-          </p:spPr>
-          <p:style>
-            <a:lnRef idx="2">
-              <a:schemeClr val="accent1">
-                <a:shade val="50000"/>
-              </a:schemeClr>
-            </a:lnRef>
-            <a:fillRef idx="1">
-              <a:schemeClr val="accent1"/>
-            </a:fillRef>
-            <a:effectRef idx="0">
-              <a:schemeClr val="accent1"/>
-            </a:effectRef>
-            <a:fontRef idx="minor">
-              <a:schemeClr val="lt1"/>
-            </a:fontRef>
-          </p:style>
-          <p:txBody>
-            <a:bodyPr rtlCol="0" anchor="ctr"/>
-            <a:lstStyle/>
-            <a:p>
-              <a:pPr algn="ctr"/>
-              <a:endParaRPr lang="en-US"/>
-            </a:p>
-          </p:txBody>
-        </p:sp>
-        <p:sp>
-          <p:nvSpPr>
-            <p:cNvPr id="40" name="Rectangle 39">
-              <a:extLst>
-                <a:ext uri="{FF2B5EF4-FFF2-40B4-BE49-F238E27FC236}">
-                  <a16:creationId xmlns:a16="http://schemas.microsoft.com/office/drawing/2014/main" id="{A547EF04-D837-434D-BFCF-5D62997D3F87}"/>
-                </a:ext>
-              </a:extLst>
-            </p:cNvPr>
-            <p:cNvSpPr/>
-            <p:nvPr/>
-          </p:nvSpPr>
-          <p:spPr>
-            <a:xfrm>
-              <a:off x="3609473" y="4793383"/>
-              <a:ext cx="750770" cy="683394"/>
-            </a:xfrm>
-            <a:prstGeom prst="rect">
-              <a:avLst/>
-            </a:prstGeom>
-            <a:solidFill>
-              <a:schemeClr val="bg2"/>
-            </a:solidFill>
-          </p:spPr>
-          <p:style>
-            <a:lnRef idx="2">
-              <a:schemeClr val="accent1">
-                <a:shade val="50000"/>
-              </a:schemeClr>
-            </a:lnRef>
-            <a:fillRef idx="1">
-              <a:schemeClr val="accent1"/>
-            </a:fillRef>
-            <a:effectRef idx="0">
-              <a:schemeClr val="accent1"/>
-            </a:effectRef>
-            <a:fontRef idx="minor">
-              <a:schemeClr val="lt1"/>
-            </a:fontRef>
-          </p:style>
-          <p:txBody>
-            <a:bodyPr rtlCol="0" anchor="ctr"/>
-            <a:lstStyle/>
-            <a:p>
-              <a:pPr algn="ctr"/>
-              <a:endParaRPr lang="en-US"/>
-            </a:p>
-          </p:txBody>
-        </p:sp>
-        <p:sp>
-          <p:nvSpPr>
-            <p:cNvPr id="41" name="Rectangle 40">
-              <a:extLst>
-                <a:ext uri="{FF2B5EF4-FFF2-40B4-BE49-F238E27FC236}">
-                  <a16:creationId xmlns:a16="http://schemas.microsoft.com/office/drawing/2014/main" id="{6E02A835-F0C4-4169-9180-A8C16C4165C3}"/>
-                </a:ext>
-              </a:extLst>
-            </p:cNvPr>
-            <p:cNvSpPr/>
-            <p:nvPr/>
-          </p:nvSpPr>
-          <p:spPr>
-            <a:xfrm>
-              <a:off x="4360243" y="4793383"/>
-              <a:ext cx="750770" cy="683394"/>
-            </a:xfrm>
-            <a:prstGeom prst="rect">
-              <a:avLst/>
-            </a:prstGeom>
-            <a:solidFill>
-              <a:schemeClr val="bg2"/>
-            </a:solidFill>
-          </p:spPr>
-          <p:style>
-            <a:lnRef idx="2">
-              <a:schemeClr val="accent1">
-                <a:shade val="50000"/>
-              </a:schemeClr>
-            </a:lnRef>
-            <a:fillRef idx="1">
-              <a:schemeClr val="accent1"/>
-            </a:fillRef>
-            <a:effectRef idx="0">
-              <a:schemeClr val="accent1"/>
-            </a:effectRef>
-            <a:fontRef idx="minor">
-              <a:schemeClr val="lt1"/>
-            </a:fontRef>
-          </p:style>
-          <p:txBody>
-            <a:bodyPr rtlCol="0" anchor="ctr"/>
-            <a:lstStyle/>
-            <a:p>
-              <a:pPr algn="ctr"/>
-              <a:endParaRPr lang="en-US"/>
-            </a:p>
-          </p:txBody>
-        </p:sp>
-        <p:sp>
-          <p:nvSpPr>
-            <p:cNvPr id="42" name="Rectangle 41">
-              <a:extLst>
-                <a:ext uri="{FF2B5EF4-FFF2-40B4-BE49-F238E27FC236}">
-                  <a16:creationId xmlns:a16="http://schemas.microsoft.com/office/drawing/2014/main" id="{2F2085C8-F972-41C5-AF50-6AB01C30F290}"/>
-                </a:ext>
-              </a:extLst>
-            </p:cNvPr>
-            <p:cNvSpPr/>
-            <p:nvPr/>
-          </p:nvSpPr>
-          <p:spPr>
-            <a:xfrm>
-              <a:off x="3609473" y="5476777"/>
-              <a:ext cx="750770" cy="683394"/>
-            </a:xfrm>
-            <a:prstGeom prst="rect">
-              <a:avLst/>
-            </a:prstGeom>
-            <a:solidFill>
-              <a:schemeClr val="bg2"/>
-            </a:solidFill>
-          </p:spPr>
-          <p:style>
-            <a:lnRef idx="2">
-              <a:schemeClr val="accent1">
-                <a:shade val="50000"/>
-              </a:schemeClr>
-            </a:lnRef>
-            <a:fillRef idx="1">
-              <a:schemeClr val="accent1"/>
-            </a:fillRef>
-            <a:effectRef idx="0">
-              <a:schemeClr val="accent1"/>
-            </a:effectRef>
-            <a:fontRef idx="minor">
-              <a:schemeClr val="lt1"/>
-            </a:fontRef>
-          </p:style>
-          <p:txBody>
-            <a:bodyPr rtlCol="0" anchor="ctr"/>
-            <a:lstStyle/>
-            <a:p>
-              <a:pPr algn="ctr"/>
-              <a:endParaRPr lang="en-US"/>
-            </a:p>
-          </p:txBody>
-        </p:sp>
-        <p:sp>
-          <p:nvSpPr>
-            <p:cNvPr id="43" name="Rectangle 42">
-              <a:extLst>
-                <a:ext uri="{FF2B5EF4-FFF2-40B4-BE49-F238E27FC236}">
-                  <a16:creationId xmlns:a16="http://schemas.microsoft.com/office/drawing/2014/main" id="{2A16C7DF-57FD-4981-A486-066A9DD9E720}"/>
-                </a:ext>
-              </a:extLst>
-            </p:cNvPr>
-            <p:cNvSpPr/>
-            <p:nvPr/>
-          </p:nvSpPr>
-          <p:spPr>
-            <a:xfrm>
-              <a:off x="4360243" y="5476777"/>
-              <a:ext cx="750770" cy="683394"/>
-            </a:xfrm>
-            <a:prstGeom prst="rect">
-              <a:avLst/>
-            </a:prstGeom>
-            <a:solidFill>
-              <a:schemeClr val="bg2"/>
-            </a:solidFill>
-          </p:spPr>
-          <p:style>
-            <a:lnRef idx="2">
-              <a:schemeClr val="accent1">
-                <a:shade val="50000"/>
-              </a:schemeClr>
-            </a:lnRef>
-            <a:fillRef idx="1">
-              <a:schemeClr val="accent1"/>
-            </a:fillRef>
-            <a:effectRef idx="0">
-              <a:schemeClr val="accent1"/>
-            </a:effectRef>
-            <a:fontRef idx="minor">
-              <a:schemeClr val="lt1"/>
-            </a:fontRef>
-          </p:style>
-          <p:txBody>
-            <a:bodyPr rtlCol="0" anchor="ctr"/>
-            <a:lstStyle/>
-            <a:p>
-              <a:pPr algn="ctr"/>
-              <a:endParaRPr lang="en-US"/>
-            </a:p>
-          </p:txBody>
-        </p:sp>
-      </p:grpSp>
-      <p:sp>
-        <p:nvSpPr>
-          <p:cNvPr id="46" name="Oval 45">
-            <a:extLst>
-              <a:ext uri="{FF2B5EF4-FFF2-40B4-BE49-F238E27FC236}">
-                <a16:creationId xmlns:a16="http://schemas.microsoft.com/office/drawing/2014/main" id="{0C0DBFD1-718E-427A-A83D-FD9EC407EAC7}"/>
-              </a:ext>
-            </a:extLst>
-          </p:cNvPr>
-          <p:cNvSpPr/>
-          <p:nvPr/>
-        </p:nvSpPr>
-        <p:spPr>
-          <a:xfrm>
-            <a:off x="3763478" y="5212082"/>
-            <a:ext cx="1020278" cy="952900"/>
-          </a:xfrm>
-          <a:prstGeom prst="ellipse">
-            <a:avLst/>
-          </a:prstGeom>
-          <a:solidFill>
-            <a:schemeClr val="bg1">
-              <a:lumMod val="65000"/>
-            </a:schemeClr>
-          </a:solidFill>
-        </p:spPr>
-        <p:style>
-          <a:lnRef idx="2">
-            <a:schemeClr val="accent1">
-              <a:shade val="50000"/>
-            </a:schemeClr>
-          </a:lnRef>
-          <a:fillRef idx="1">
-            <a:schemeClr val="accent1"/>
-          </a:fillRef>
-          <a:effectRef idx="0">
-            <a:schemeClr val="accent1"/>
-          </a:effectRef>
-          <a:fontRef idx="minor">
-            <a:schemeClr val="lt1"/>
-          </a:fontRef>
-        </p:style>
-        <p:txBody>
-          <a:bodyPr rtlCol="0" anchor="ctr"/>
-          <a:lstStyle/>
-          <a:p>
-            <a:pPr algn="ctr"/>
-            <a:r>
-              <a:rPr lang="en-US" dirty="0"/>
-              <a:t>hoop</a:t>
-            </a:r>
-          </a:p>
-        </p:txBody>
-      </p:sp>
-      <p:sp>
-        <p:nvSpPr>
-          <p:cNvPr id="48" name="Rectangle 47">
-            <a:extLst>
-              <a:ext uri="{FF2B5EF4-FFF2-40B4-BE49-F238E27FC236}">
-                <a16:creationId xmlns:a16="http://schemas.microsoft.com/office/drawing/2014/main" id="{7A1C9021-9EAB-4959-A13A-07991813ED6D}"/>
-              </a:ext>
-            </a:extLst>
-          </p:cNvPr>
-          <p:cNvSpPr/>
-          <p:nvPr/>
-        </p:nvSpPr>
-        <p:spPr>
-          <a:xfrm rot="5400000">
-            <a:off x="2157662" y="3845297"/>
-            <a:ext cx="362555" cy="139565"/>
-          </a:xfrm>
-          <a:prstGeom prst="rect">
-            <a:avLst/>
-          </a:prstGeom>
-          <a:ln>
-            <a:solidFill>
-              <a:srgbClr val="FF0000"/>
-            </a:solidFill>
-          </a:ln>
-        </p:spPr>
-        <p:style>
-          <a:lnRef idx="2">
-            <a:schemeClr val="dk1">
-              <a:shade val="50000"/>
-            </a:schemeClr>
-          </a:lnRef>
-          <a:fillRef idx="1">
-            <a:schemeClr val="dk1"/>
-          </a:fillRef>
-          <a:effectRef idx="0">
-            <a:schemeClr val="dk1"/>
-          </a:effectRef>
-          <a:fontRef idx="minor">
-            <a:schemeClr val="lt1"/>
-          </a:fontRef>
-        </p:style>
-        <p:txBody>
-          <a:bodyPr rtlCol="0" anchor="ctr"/>
-          <a:lstStyle/>
-          <a:p>
-            <a:pPr algn="ctr"/>
-            <a:endParaRPr lang="en-US"/>
-          </a:p>
-        </p:txBody>
-      </p:sp>
-      <p:sp>
-        <p:nvSpPr>
-          <p:cNvPr id="49" name="Oval 48">
-            <a:extLst>
-              <a:ext uri="{FF2B5EF4-FFF2-40B4-BE49-F238E27FC236}">
-                <a16:creationId xmlns:a16="http://schemas.microsoft.com/office/drawing/2014/main" id="{14F935C5-8174-4C36-A810-0271F0B59749}"/>
-              </a:ext>
-            </a:extLst>
-          </p:cNvPr>
-          <p:cNvSpPr/>
-          <p:nvPr/>
-        </p:nvSpPr>
-        <p:spPr>
-          <a:xfrm>
-            <a:off x="2252312" y="3845293"/>
-            <a:ext cx="750770" cy="683394"/>
-          </a:xfrm>
-          <a:prstGeom prst="ellipse">
-            <a:avLst/>
-          </a:prstGeom>
-          <a:ln>
-            <a:solidFill>
-              <a:srgbClr val="FF0000"/>
-            </a:solidFill>
-          </a:ln>
-        </p:spPr>
-        <p:style>
-          <a:lnRef idx="2">
-            <a:schemeClr val="dk1">
-              <a:shade val="50000"/>
-            </a:schemeClr>
-          </a:lnRef>
-          <a:fillRef idx="1">
-            <a:schemeClr val="dk1"/>
-          </a:fillRef>
-          <a:effectRef idx="0">
-            <a:schemeClr val="dk1"/>
-          </a:effectRef>
-          <a:fontRef idx="minor">
-            <a:schemeClr val="lt1"/>
-          </a:fontRef>
-        </p:style>
-        <p:txBody>
-          <a:bodyPr rtlCol="0" anchor="ctr"/>
-          <a:lstStyle/>
-          <a:p>
-            <a:pPr algn="ctr"/>
-            <a:endParaRPr lang="en-US"/>
-          </a:p>
-        </p:txBody>
-      </p:sp>
-      <p:sp>
-        <p:nvSpPr>
-          <p:cNvPr id="45" name="Oval 44">
-            <a:extLst>
-              <a:ext uri="{FF2B5EF4-FFF2-40B4-BE49-F238E27FC236}">
-                <a16:creationId xmlns:a16="http://schemas.microsoft.com/office/drawing/2014/main" id="{9322A4DD-6B4A-43ED-B85F-B0FB236878C9}"/>
-              </a:ext>
-            </a:extLst>
-          </p:cNvPr>
-          <p:cNvSpPr/>
-          <p:nvPr/>
-        </p:nvSpPr>
-        <p:spPr>
-          <a:xfrm>
-            <a:off x="2415942" y="3975235"/>
-            <a:ext cx="442762" cy="423511"/>
-          </a:xfrm>
-          <a:prstGeom prst="ellipse">
-            <a:avLst/>
-          </a:prstGeom>
-        </p:spPr>
-        <p:style>
-          <a:lnRef idx="2">
-            <a:schemeClr val="accent1">
-              <a:shade val="50000"/>
-            </a:schemeClr>
-          </a:lnRef>
-          <a:fillRef idx="1">
-            <a:schemeClr val="accent1"/>
-          </a:fillRef>
-          <a:effectRef idx="0">
-            <a:schemeClr val="accent1"/>
-          </a:effectRef>
-          <a:fontRef idx="minor">
-            <a:schemeClr val="lt1"/>
-          </a:fontRef>
-        </p:style>
-        <p:txBody>
-          <a:bodyPr rtlCol="0" anchor="ctr"/>
-          <a:lstStyle/>
-          <a:p>
-            <a:pPr algn="ctr"/>
-            <a:endParaRPr lang="en-US" dirty="0"/>
-          </a:p>
-        </p:txBody>
-      </p:sp>
-      <p:sp>
-        <p:nvSpPr>
-          <p:cNvPr id="50" name="Rectangle 49">
-            <a:extLst>
-              <a:ext uri="{FF2B5EF4-FFF2-40B4-BE49-F238E27FC236}">
-                <a16:creationId xmlns:a16="http://schemas.microsoft.com/office/drawing/2014/main" id="{F9C84DBA-3B2B-46FD-BA3F-9D99156D7AA8}"/>
-              </a:ext>
-            </a:extLst>
-          </p:cNvPr>
-          <p:cNvSpPr/>
-          <p:nvPr/>
-        </p:nvSpPr>
-        <p:spPr>
-          <a:xfrm rot="5400000">
-            <a:off x="2425566" y="3705328"/>
-            <a:ext cx="404261" cy="116304"/>
-          </a:xfrm>
-          <a:prstGeom prst="rect">
-            <a:avLst/>
-          </a:prstGeom>
-          <a:solidFill>
-            <a:schemeClr val="tx1"/>
-          </a:solidFill>
-          <a:ln>
-            <a:solidFill>
-              <a:srgbClr val="FF0000"/>
-            </a:solidFill>
-          </a:ln>
-        </p:spPr>
-        <p:style>
-          <a:lnRef idx="2">
-            <a:schemeClr val="accent1">
-              <a:shade val="50000"/>
-            </a:schemeClr>
-          </a:lnRef>
-          <a:fillRef idx="1">
-            <a:schemeClr val="accent1"/>
-          </a:fillRef>
-          <a:effectRef idx="0">
-            <a:schemeClr val="accent1"/>
-          </a:effectRef>
-          <a:fontRef idx="minor">
-            <a:schemeClr val="lt1"/>
-          </a:fontRef>
-        </p:style>
-        <p:txBody>
-          <a:bodyPr rtlCol="0" anchor="ctr"/>
-          <a:lstStyle/>
-          <a:p>
-            <a:pPr algn="ctr"/>
-            <a:endParaRPr lang="en-US"/>
-          </a:p>
-        </p:txBody>
-      </p:sp>
-      <p:sp>
-        <p:nvSpPr>
-          <p:cNvPr id="47" name="Rectangle 46">
-            <a:extLst>
-              <a:ext uri="{FF2B5EF4-FFF2-40B4-BE49-F238E27FC236}">
-                <a16:creationId xmlns:a16="http://schemas.microsoft.com/office/drawing/2014/main" id="{083C5918-54B9-422E-A619-B229BD91698B}"/>
-              </a:ext>
-            </a:extLst>
-          </p:cNvPr>
-          <p:cNvSpPr/>
-          <p:nvPr/>
-        </p:nvSpPr>
-        <p:spPr>
-          <a:xfrm>
-            <a:off x="2269157" y="3376061"/>
-            <a:ext cx="622434" cy="404261"/>
-          </a:xfrm>
-          <a:prstGeom prst="rect">
-            <a:avLst/>
-          </a:prstGeom>
-          <a:solidFill>
-            <a:schemeClr val="tx1">
-              <a:lumMod val="85000"/>
-              <a:lumOff val="15000"/>
-            </a:schemeClr>
-          </a:solidFill>
-          <a:ln>
-            <a:solidFill>
-              <a:srgbClr val="FF0000"/>
-            </a:solidFill>
-          </a:ln>
-        </p:spPr>
-        <p:style>
-          <a:lnRef idx="2">
-            <a:schemeClr val="accent1">
-              <a:shade val="50000"/>
-            </a:schemeClr>
-          </a:lnRef>
-          <a:fillRef idx="1">
-            <a:schemeClr val="accent1"/>
-          </a:fillRef>
-          <a:effectRef idx="0">
-            <a:schemeClr val="accent1"/>
-          </a:effectRef>
-          <a:fontRef idx="minor">
-            <a:schemeClr val="lt1"/>
-          </a:fontRef>
-        </p:style>
-        <p:txBody>
-          <a:bodyPr rtlCol="0" anchor="ctr"/>
-          <a:lstStyle/>
-          <a:p>
-            <a:pPr algn="ctr"/>
-            <a:r>
-              <a:rPr lang="en-US" dirty="0"/>
-              <a:t>arm</a:t>
             </a:r>
           </a:p>
         </p:txBody>
@@ -12513,7 +10546,7 @@
                 <a:avLst/>
               </a:prstGeom>
               <a:blipFill>
-                <a:blip r:embed="rId2"/>
+                <a:blip r:embed="rId4"/>
                 <a:stretch>
                   <a:fillRect l="-8936" b="-17197"/>
                 </a:stretch>
@@ -12622,6 +10655,2145 @@
           </a:fontRef>
         </p:style>
       </p:cxnSp>
+      <p:grpSp>
+        <p:nvGrpSpPr>
+          <p:cNvPr id="94" name="Group 93">
+            <a:extLst>
+              <a:ext uri="{FF2B5EF4-FFF2-40B4-BE49-F238E27FC236}">
+                <a16:creationId xmlns:a16="http://schemas.microsoft.com/office/drawing/2014/main" id="{14CB078C-8799-4B75-910F-3AEE0728A586}"/>
+              </a:ext>
+            </a:extLst>
+          </p:cNvPr>
+          <p:cNvGrpSpPr/>
+          <p:nvPr/>
+        </p:nvGrpSpPr>
+        <p:grpSpPr>
+          <a:xfrm>
+            <a:off x="335225" y="2136809"/>
+            <a:ext cx="4514246" cy="4100364"/>
+            <a:chOff x="606393" y="2059807"/>
+            <a:chExt cx="4514246" cy="4100364"/>
+          </a:xfrm>
+        </p:grpSpPr>
+        <p:sp>
+          <p:nvSpPr>
+            <p:cNvPr id="95" name="Rectangle 94">
+              <a:extLst>
+                <a:ext uri="{FF2B5EF4-FFF2-40B4-BE49-F238E27FC236}">
+                  <a16:creationId xmlns:a16="http://schemas.microsoft.com/office/drawing/2014/main" id="{149B560F-859B-4598-89A5-10C835E2CA08}"/>
+                </a:ext>
+              </a:extLst>
+            </p:cNvPr>
+            <p:cNvSpPr/>
+            <p:nvPr/>
+          </p:nvSpPr>
+          <p:spPr>
+            <a:xfrm>
+              <a:off x="606393" y="2059807"/>
+              <a:ext cx="750770" cy="683394"/>
+            </a:xfrm>
+            <a:prstGeom prst="rect">
+              <a:avLst/>
+            </a:prstGeom>
+            <a:solidFill>
+              <a:schemeClr val="bg2"/>
+            </a:solidFill>
+          </p:spPr>
+          <p:style>
+            <a:lnRef idx="2">
+              <a:schemeClr val="accent1">
+                <a:shade val="50000"/>
+              </a:schemeClr>
+            </a:lnRef>
+            <a:fillRef idx="1">
+              <a:schemeClr val="accent1"/>
+            </a:fillRef>
+            <a:effectRef idx="0">
+              <a:schemeClr val="accent1"/>
+            </a:effectRef>
+            <a:fontRef idx="minor">
+              <a:schemeClr val="lt1"/>
+            </a:fontRef>
+          </p:style>
+          <p:txBody>
+            <a:bodyPr rtlCol="0" anchor="ctr"/>
+            <a:lstStyle/>
+            <a:p>
+              <a:pPr algn="ctr"/>
+              <a:endParaRPr lang="en-US"/>
+            </a:p>
+          </p:txBody>
+        </p:sp>
+        <p:sp>
+          <p:nvSpPr>
+            <p:cNvPr id="96" name="Rectangle 95">
+              <a:extLst>
+                <a:ext uri="{FF2B5EF4-FFF2-40B4-BE49-F238E27FC236}">
+                  <a16:creationId xmlns:a16="http://schemas.microsoft.com/office/drawing/2014/main" id="{218339D9-3CEF-41BF-AA8B-55370A35814E}"/>
+                </a:ext>
+              </a:extLst>
+            </p:cNvPr>
+            <p:cNvSpPr/>
+            <p:nvPr/>
+          </p:nvSpPr>
+          <p:spPr>
+            <a:xfrm>
+              <a:off x="1357163" y="2059807"/>
+              <a:ext cx="750770" cy="683394"/>
+            </a:xfrm>
+            <a:prstGeom prst="rect">
+              <a:avLst/>
+            </a:prstGeom>
+            <a:solidFill>
+              <a:schemeClr val="bg2"/>
+            </a:solidFill>
+          </p:spPr>
+          <p:style>
+            <a:lnRef idx="2">
+              <a:schemeClr val="accent1">
+                <a:shade val="50000"/>
+              </a:schemeClr>
+            </a:lnRef>
+            <a:fillRef idx="1">
+              <a:schemeClr val="accent1"/>
+            </a:fillRef>
+            <a:effectRef idx="0">
+              <a:schemeClr val="accent1"/>
+            </a:effectRef>
+            <a:fontRef idx="minor">
+              <a:schemeClr val="lt1"/>
+            </a:fontRef>
+          </p:style>
+          <p:txBody>
+            <a:bodyPr rtlCol="0" anchor="ctr"/>
+            <a:lstStyle/>
+            <a:p>
+              <a:pPr algn="ctr"/>
+              <a:endParaRPr lang="en-US"/>
+            </a:p>
+          </p:txBody>
+        </p:sp>
+        <p:sp>
+          <p:nvSpPr>
+            <p:cNvPr id="97" name="Rectangle 96">
+              <a:extLst>
+                <a:ext uri="{FF2B5EF4-FFF2-40B4-BE49-F238E27FC236}">
+                  <a16:creationId xmlns:a16="http://schemas.microsoft.com/office/drawing/2014/main" id="{B133CAB1-1AE0-48D7-BC19-9F4B5D9BE503}"/>
+                </a:ext>
+              </a:extLst>
+            </p:cNvPr>
+            <p:cNvSpPr/>
+            <p:nvPr/>
+          </p:nvSpPr>
+          <p:spPr>
+            <a:xfrm>
+              <a:off x="606393" y="2743201"/>
+              <a:ext cx="750770" cy="683394"/>
+            </a:xfrm>
+            <a:prstGeom prst="rect">
+              <a:avLst/>
+            </a:prstGeom>
+            <a:solidFill>
+              <a:schemeClr val="bg2"/>
+            </a:solidFill>
+          </p:spPr>
+          <p:style>
+            <a:lnRef idx="2">
+              <a:schemeClr val="accent1">
+                <a:shade val="50000"/>
+              </a:schemeClr>
+            </a:lnRef>
+            <a:fillRef idx="1">
+              <a:schemeClr val="accent1"/>
+            </a:fillRef>
+            <a:effectRef idx="0">
+              <a:schemeClr val="accent1"/>
+            </a:effectRef>
+            <a:fontRef idx="minor">
+              <a:schemeClr val="lt1"/>
+            </a:fontRef>
+          </p:style>
+          <p:txBody>
+            <a:bodyPr rtlCol="0" anchor="ctr"/>
+            <a:lstStyle/>
+            <a:p>
+              <a:pPr algn="ctr"/>
+              <a:endParaRPr lang="en-US"/>
+            </a:p>
+          </p:txBody>
+        </p:sp>
+        <p:sp>
+          <p:nvSpPr>
+            <p:cNvPr id="98" name="Rectangle 97">
+              <a:extLst>
+                <a:ext uri="{FF2B5EF4-FFF2-40B4-BE49-F238E27FC236}">
+                  <a16:creationId xmlns:a16="http://schemas.microsoft.com/office/drawing/2014/main" id="{D8B94E34-FC3B-4D49-A165-FBAAF505982E}"/>
+                </a:ext>
+              </a:extLst>
+            </p:cNvPr>
+            <p:cNvSpPr/>
+            <p:nvPr/>
+          </p:nvSpPr>
+          <p:spPr>
+            <a:xfrm>
+              <a:off x="1357163" y="2743201"/>
+              <a:ext cx="750770" cy="683394"/>
+            </a:xfrm>
+            <a:prstGeom prst="rect">
+              <a:avLst/>
+            </a:prstGeom>
+            <a:solidFill>
+              <a:schemeClr val="bg2"/>
+            </a:solidFill>
+          </p:spPr>
+          <p:style>
+            <a:lnRef idx="2">
+              <a:schemeClr val="accent1">
+                <a:shade val="50000"/>
+              </a:schemeClr>
+            </a:lnRef>
+            <a:fillRef idx="1">
+              <a:schemeClr val="accent1"/>
+            </a:fillRef>
+            <a:effectRef idx="0">
+              <a:schemeClr val="accent1"/>
+            </a:effectRef>
+            <a:fontRef idx="minor">
+              <a:schemeClr val="lt1"/>
+            </a:fontRef>
+          </p:style>
+          <p:txBody>
+            <a:bodyPr rtlCol="0" anchor="ctr"/>
+            <a:lstStyle/>
+            <a:p>
+              <a:pPr algn="ctr"/>
+              <a:endParaRPr lang="en-US"/>
+            </a:p>
+          </p:txBody>
+        </p:sp>
+        <p:sp>
+          <p:nvSpPr>
+            <p:cNvPr id="99" name="Rectangle 98">
+              <a:extLst>
+                <a:ext uri="{FF2B5EF4-FFF2-40B4-BE49-F238E27FC236}">
+                  <a16:creationId xmlns:a16="http://schemas.microsoft.com/office/drawing/2014/main" id="{9A32A6ED-418A-4B74-8B23-89920343C074}"/>
+                </a:ext>
+              </a:extLst>
+            </p:cNvPr>
+            <p:cNvSpPr/>
+            <p:nvPr/>
+          </p:nvSpPr>
+          <p:spPr>
+            <a:xfrm>
+              <a:off x="2107933" y="2059807"/>
+              <a:ext cx="750770" cy="683394"/>
+            </a:xfrm>
+            <a:prstGeom prst="rect">
+              <a:avLst/>
+            </a:prstGeom>
+            <a:solidFill>
+              <a:schemeClr val="bg2"/>
+            </a:solidFill>
+          </p:spPr>
+          <p:style>
+            <a:lnRef idx="2">
+              <a:schemeClr val="accent1">
+                <a:shade val="50000"/>
+              </a:schemeClr>
+            </a:lnRef>
+            <a:fillRef idx="1">
+              <a:schemeClr val="accent1"/>
+            </a:fillRef>
+            <a:effectRef idx="0">
+              <a:schemeClr val="accent1"/>
+            </a:effectRef>
+            <a:fontRef idx="minor">
+              <a:schemeClr val="lt1"/>
+            </a:fontRef>
+          </p:style>
+          <p:txBody>
+            <a:bodyPr rtlCol="0" anchor="ctr"/>
+            <a:lstStyle/>
+            <a:p>
+              <a:pPr algn="ctr"/>
+              <a:endParaRPr lang="en-US"/>
+            </a:p>
+          </p:txBody>
+        </p:sp>
+        <p:sp>
+          <p:nvSpPr>
+            <p:cNvPr id="100" name="Rectangle 99">
+              <a:extLst>
+                <a:ext uri="{FF2B5EF4-FFF2-40B4-BE49-F238E27FC236}">
+                  <a16:creationId xmlns:a16="http://schemas.microsoft.com/office/drawing/2014/main" id="{7B5BC268-586C-41DD-8749-9370BEC43429}"/>
+                </a:ext>
+              </a:extLst>
+            </p:cNvPr>
+            <p:cNvSpPr/>
+            <p:nvPr/>
+          </p:nvSpPr>
+          <p:spPr>
+            <a:xfrm>
+              <a:off x="2858703" y="2059807"/>
+              <a:ext cx="750770" cy="683394"/>
+            </a:xfrm>
+            <a:prstGeom prst="rect">
+              <a:avLst/>
+            </a:prstGeom>
+            <a:solidFill>
+              <a:schemeClr val="bg2"/>
+            </a:solidFill>
+          </p:spPr>
+          <p:style>
+            <a:lnRef idx="2">
+              <a:schemeClr val="accent1">
+                <a:shade val="50000"/>
+              </a:schemeClr>
+            </a:lnRef>
+            <a:fillRef idx="1">
+              <a:schemeClr val="accent1"/>
+            </a:fillRef>
+            <a:effectRef idx="0">
+              <a:schemeClr val="accent1"/>
+            </a:effectRef>
+            <a:fontRef idx="minor">
+              <a:schemeClr val="lt1"/>
+            </a:fontRef>
+          </p:style>
+          <p:txBody>
+            <a:bodyPr rtlCol="0" anchor="ctr"/>
+            <a:lstStyle/>
+            <a:p>
+              <a:pPr algn="ctr"/>
+              <a:endParaRPr lang="en-US"/>
+            </a:p>
+          </p:txBody>
+        </p:sp>
+        <p:sp>
+          <p:nvSpPr>
+            <p:cNvPr id="101" name="Rectangle 100">
+              <a:extLst>
+                <a:ext uri="{FF2B5EF4-FFF2-40B4-BE49-F238E27FC236}">
+                  <a16:creationId xmlns:a16="http://schemas.microsoft.com/office/drawing/2014/main" id="{8EB113CE-E590-4647-832C-1FB11946D728}"/>
+                </a:ext>
+              </a:extLst>
+            </p:cNvPr>
+            <p:cNvSpPr/>
+            <p:nvPr/>
+          </p:nvSpPr>
+          <p:spPr>
+            <a:xfrm>
+              <a:off x="2107933" y="2743201"/>
+              <a:ext cx="750770" cy="683394"/>
+            </a:xfrm>
+            <a:prstGeom prst="rect">
+              <a:avLst/>
+            </a:prstGeom>
+            <a:solidFill>
+              <a:schemeClr val="bg2"/>
+            </a:solidFill>
+          </p:spPr>
+          <p:style>
+            <a:lnRef idx="2">
+              <a:schemeClr val="accent1">
+                <a:shade val="50000"/>
+              </a:schemeClr>
+            </a:lnRef>
+            <a:fillRef idx="1">
+              <a:schemeClr val="accent1"/>
+            </a:fillRef>
+            <a:effectRef idx="0">
+              <a:schemeClr val="accent1"/>
+            </a:effectRef>
+            <a:fontRef idx="minor">
+              <a:schemeClr val="lt1"/>
+            </a:fontRef>
+          </p:style>
+          <p:txBody>
+            <a:bodyPr rtlCol="0" anchor="ctr"/>
+            <a:lstStyle/>
+            <a:p>
+              <a:pPr algn="ctr"/>
+              <a:endParaRPr lang="en-US"/>
+            </a:p>
+          </p:txBody>
+        </p:sp>
+        <p:sp>
+          <p:nvSpPr>
+            <p:cNvPr id="102" name="Rectangle 101">
+              <a:extLst>
+                <a:ext uri="{FF2B5EF4-FFF2-40B4-BE49-F238E27FC236}">
+                  <a16:creationId xmlns:a16="http://schemas.microsoft.com/office/drawing/2014/main" id="{A52505B3-93C2-46A3-9C80-0F0A2FE56B98}"/>
+                </a:ext>
+              </a:extLst>
+            </p:cNvPr>
+            <p:cNvSpPr/>
+            <p:nvPr/>
+          </p:nvSpPr>
+          <p:spPr>
+            <a:xfrm>
+              <a:off x="2858703" y="2743201"/>
+              <a:ext cx="750770" cy="683394"/>
+            </a:xfrm>
+            <a:prstGeom prst="rect">
+              <a:avLst/>
+            </a:prstGeom>
+            <a:solidFill>
+              <a:schemeClr val="bg2"/>
+            </a:solidFill>
+          </p:spPr>
+          <p:style>
+            <a:lnRef idx="2">
+              <a:schemeClr val="accent1">
+                <a:shade val="50000"/>
+              </a:schemeClr>
+            </a:lnRef>
+            <a:fillRef idx="1">
+              <a:schemeClr val="accent1"/>
+            </a:fillRef>
+            <a:effectRef idx="0">
+              <a:schemeClr val="accent1"/>
+            </a:effectRef>
+            <a:fontRef idx="minor">
+              <a:schemeClr val="lt1"/>
+            </a:fontRef>
+          </p:style>
+          <p:txBody>
+            <a:bodyPr rtlCol="0" anchor="ctr"/>
+            <a:lstStyle/>
+            <a:p>
+              <a:pPr algn="ctr"/>
+              <a:endParaRPr lang="en-US"/>
+            </a:p>
+          </p:txBody>
+        </p:sp>
+        <p:sp>
+          <p:nvSpPr>
+            <p:cNvPr id="103" name="Rectangle 102">
+              <a:extLst>
+                <a:ext uri="{FF2B5EF4-FFF2-40B4-BE49-F238E27FC236}">
+                  <a16:creationId xmlns:a16="http://schemas.microsoft.com/office/drawing/2014/main" id="{2C2658CE-FC36-4D3B-AC57-F62BB19C35CB}"/>
+                </a:ext>
+              </a:extLst>
+            </p:cNvPr>
+            <p:cNvSpPr/>
+            <p:nvPr/>
+          </p:nvSpPr>
+          <p:spPr>
+            <a:xfrm>
+              <a:off x="606393" y="3426595"/>
+              <a:ext cx="750770" cy="683394"/>
+            </a:xfrm>
+            <a:prstGeom prst="rect">
+              <a:avLst/>
+            </a:prstGeom>
+            <a:solidFill>
+              <a:schemeClr val="bg2"/>
+            </a:solidFill>
+          </p:spPr>
+          <p:style>
+            <a:lnRef idx="2">
+              <a:schemeClr val="accent1">
+                <a:shade val="50000"/>
+              </a:schemeClr>
+            </a:lnRef>
+            <a:fillRef idx="1">
+              <a:schemeClr val="accent1"/>
+            </a:fillRef>
+            <a:effectRef idx="0">
+              <a:schemeClr val="accent1"/>
+            </a:effectRef>
+            <a:fontRef idx="minor">
+              <a:schemeClr val="lt1"/>
+            </a:fontRef>
+          </p:style>
+          <p:txBody>
+            <a:bodyPr rtlCol="0" anchor="ctr"/>
+            <a:lstStyle/>
+            <a:p>
+              <a:pPr algn="ctr"/>
+              <a:endParaRPr lang="en-US"/>
+            </a:p>
+          </p:txBody>
+        </p:sp>
+        <p:sp>
+          <p:nvSpPr>
+            <p:cNvPr id="104" name="Rectangle 103">
+              <a:extLst>
+                <a:ext uri="{FF2B5EF4-FFF2-40B4-BE49-F238E27FC236}">
+                  <a16:creationId xmlns:a16="http://schemas.microsoft.com/office/drawing/2014/main" id="{098C8263-35DC-44C1-9F6F-F7F71B645637}"/>
+                </a:ext>
+              </a:extLst>
+            </p:cNvPr>
+            <p:cNvSpPr/>
+            <p:nvPr/>
+          </p:nvSpPr>
+          <p:spPr>
+            <a:xfrm>
+              <a:off x="1357163" y="3426595"/>
+              <a:ext cx="750770" cy="683394"/>
+            </a:xfrm>
+            <a:prstGeom prst="rect">
+              <a:avLst/>
+            </a:prstGeom>
+            <a:solidFill>
+              <a:schemeClr val="bg2"/>
+            </a:solidFill>
+          </p:spPr>
+          <p:style>
+            <a:lnRef idx="2">
+              <a:schemeClr val="accent1">
+                <a:shade val="50000"/>
+              </a:schemeClr>
+            </a:lnRef>
+            <a:fillRef idx="1">
+              <a:schemeClr val="accent1"/>
+            </a:fillRef>
+            <a:effectRef idx="0">
+              <a:schemeClr val="accent1"/>
+            </a:effectRef>
+            <a:fontRef idx="minor">
+              <a:schemeClr val="lt1"/>
+            </a:fontRef>
+          </p:style>
+          <p:txBody>
+            <a:bodyPr rtlCol="0" anchor="ctr"/>
+            <a:lstStyle/>
+            <a:p>
+              <a:pPr algn="ctr"/>
+              <a:endParaRPr lang="en-US"/>
+            </a:p>
+          </p:txBody>
+        </p:sp>
+        <p:sp>
+          <p:nvSpPr>
+            <p:cNvPr id="105" name="Rectangle 104">
+              <a:extLst>
+                <a:ext uri="{FF2B5EF4-FFF2-40B4-BE49-F238E27FC236}">
+                  <a16:creationId xmlns:a16="http://schemas.microsoft.com/office/drawing/2014/main" id="{43A91AD5-1FBA-4539-8030-8B6D46564EAA}"/>
+                </a:ext>
+              </a:extLst>
+            </p:cNvPr>
+            <p:cNvSpPr/>
+            <p:nvPr/>
+          </p:nvSpPr>
+          <p:spPr>
+            <a:xfrm>
+              <a:off x="606393" y="4109989"/>
+              <a:ext cx="750770" cy="683394"/>
+            </a:xfrm>
+            <a:prstGeom prst="rect">
+              <a:avLst/>
+            </a:prstGeom>
+            <a:solidFill>
+              <a:schemeClr val="bg2"/>
+            </a:solidFill>
+          </p:spPr>
+          <p:style>
+            <a:lnRef idx="2">
+              <a:schemeClr val="accent1">
+                <a:shade val="50000"/>
+              </a:schemeClr>
+            </a:lnRef>
+            <a:fillRef idx="1">
+              <a:schemeClr val="accent1"/>
+            </a:fillRef>
+            <a:effectRef idx="0">
+              <a:schemeClr val="accent1"/>
+            </a:effectRef>
+            <a:fontRef idx="minor">
+              <a:schemeClr val="lt1"/>
+            </a:fontRef>
+          </p:style>
+          <p:txBody>
+            <a:bodyPr rtlCol="0" anchor="ctr"/>
+            <a:lstStyle/>
+            <a:p>
+              <a:pPr algn="ctr"/>
+              <a:endParaRPr lang="en-US"/>
+            </a:p>
+          </p:txBody>
+        </p:sp>
+        <p:sp>
+          <p:nvSpPr>
+            <p:cNvPr id="106" name="Rectangle 105">
+              <a:extLst>
+                <a:ext uri="{FF2B5EF4-FFF2-40B4-BE49-F238E27FC236}">
+                  <a16:creationId xmlns:a16="http://schemas.microsoft.com/office/drawing/2014/main" id="{63DCCA9F-3FA4-4A81-A07E-DF4D7525BA26}"/>
+                </a:ext>
+              </a:extLst>
+            </p:cNvPr>
+            <p:cNvSpPr/>
+            <p:nvPr/>
+          </p:nvSpPr>
+          <p:spPr>
+            <a:xfrm>
+              <a:off x="1357163" y="4109989"/>
+              <a:ext cx="750770" cy="683394"/>
+            </a:xfrm>
+            <a:prstGeom prst="rect">
+              <a:avLst/>
+            </a:prstGeom>
+            <a:solidFill>
+              <a:schemeClr val="bg2"/>
+            </a:solidFill>
+          </p:spPr>
+          <p:style>
+            <a:lnRef idx="2">
+              <a:schemeClr val="accent1">
+                <a:shade val="50000"/>
+              </a:schemeClr>
+            </a:lnRef>
+            <a:fillRef idx="1">
+              <a:schemeClr val="accent1"/>
+            </a:fillRef>
+            <a:effectRef idx="0">
+              <a:schemeClr val="accent1"/>
+            </a:effectRef>
+            <a:fontRef idx="minor">
+              <a:schemeClr val="lt1"/>
+            </a:fontRef>
+          </p:style>
+          <p:txBody>
+            <a:bodyPr rtlCol="0" anchor="ctr"/>
+            <a:lstStyle/>
+            <a:p>
+              <a:pPr algn="ctr"/>
+              <a:endParaRPr lang="en-US"/>
+            </a:p>
+          </p:txBody>
+        </p:sp>
+        <p:sp>
+          <p:nvSpPr>
+            <p:cNvPr id="107" name="Rectangle 106">
+              <a:extLst>
+                <a:ext uri="{FF2B5EF4-FFF2-40B4-BE49-F238E27FC236}">
+                  <a16:creationId xmlns:a16="http://schemas.microsoft.com/office/drawing/2014/main" id="{D36E2B44-D032-4852-9729-E1DD6C760110}"/>
+                </a:ext>
+              </a:extLst>
+            </p:cNvPr>
+            <p:cNvSpPr/>
+            <p:nvPr/>
+          </p:nvSpPr>
+          <p:spPr>
+            <a:xfrm>
+              <a:off x="2117559" y="3426595"/>
+              <a:ext cx="750770" cy="683394"/>
+            </a:xfrm>
+            <a:prstGeom prst="rect">
+              <a:avLst/>
+            </a:prstGeom>
+            <a:solidFill>
+              <a:schemeClr val="bg2"/>
+            </a:solidFill>
+          </p:spPr>
+          <p:style>
+            <a:lnRef idx="2">
+              <a:schemeClr val="accent1">
+                <a:shade val="50000"/>
+              </a:schemeClr>
+            </a:lnRef>
+            <a:fillRef idx="1">
+              <a:schemeClr val="accent1"/>
+            </a:fillRef>
+            <a:effectRef idx="0">
+              <a:schemeClr val="accent1"/>
+            </a:effectRef>
+            <a:fontRef idx="minor">
+              <a:schemeClr val="lt1"/>
+            </a:fontRef>
+          </p:style>
+          <p:txBody>
+            <a:bodyPr rtlCol="0" anchor="ctr"/>
+            <a:lstStyle/>
+            <a:p>
+              <a:pPr algn="ctr"/>
+              <a:endParaRPr lang="en-US"/>
+            </a:p>
+          </p:txBody>
+        </p:sp>
+        <p:sp>
+          <p:nvSpPr>
+            <p:cNvPr id="108" name="Rectangle 107">
+              <a:extLst>
+                <a:ext uri="{FF2B5EF4-FFF2-40B4-BE49-F238E27FC236}">
+                  <a16:creationId xmlns:a16="http://schemas.microsoft.com/office/drawing/2014/main" id="{6FDA967C-AFC5-4AE9-A9CB-4678D48D9C0A}"/>
+                </a:ext>
+              </a:extLst>
+            </p:cNvPr>
+            <p:cNvSpPr/>
+            <p:nvPr/>
+          </p:nvSpPr>
+          <p:spPr>
+            <a:xfrm>
+              <a:off x="2868329" y="3426595"/>
+              <a:ext cx="750770" cy="683394"/>
+            </a:xfrm>
+            <a:prstGeom prst="rect">
+              <a:avLst/>
+            </a:prstGeom>
+            <a:solidFill>
+              <a:schemeClr val="bg2"/>
+            </a:solidFill>
+          </p:spPr>
+          <p:style>
+            <a:lnRef idx="2">
+              <a:schemeClr val="accent1">
+                <a:shade val="50000"/>
+              </a:schemeClr>
+            </a:lnRef>
+            <a:fillRef idx="1">
+              <a:schemeClr val="accent1"/>
+            </a:fillRef>
+            <a:effectRef idx="0">
+              <a:schemeClr val="accent1"/>
+            </a:effectRef>
+            <a:fontRef idx="minor">
+              <a:schemeClr val="lt1"/>
+            </a:fontRef>
+          </p:style>
+          <p:txBody>
+            <a:bodyPr rtlCol="0" anchor="ctr"/>
+            <a:lstStyle/>
+            <a:p>
+              <a:pPr algn="ctr"/>
+              <a:endParaRPr lang="en-US"/>
+            </a:p>
+          </p:txBody>
+        </p:sp>
+        <p:sp>
+          <p:nvSpPr>
+            <p:cNvPr id="109" name="Rectangle 108">
+              <a:extLst>
+                <a:ext uri="{FF2B5EF4-FFF2-40B4-BE49-F238E27FC236}">
+                  <a16:creationId xmlns:a16="http://schemas.microsoft.com/office/drawing/2014/main" id="{4B31FF61-FE94-4202-94AE-F43C47A4F93E}"/>
+                </a:ext>
+              </a:extLst>
+            </p:cNvPr>
+            <p:cNvSpPr/>
+            <p:nvPr/>
+          </p:nvSpPr>
+          <p:spPr>
+            <a:xfrm>
+              <a:off x="2117559" y="4109989"/>
+              <a:ext cx="750770" cy="683394"/>
+            </a:xfrm>
+            <a:prstGeom prst="rect">
+              <a:avLst/>
+            </a:prstGeom>
+            <a:solidFill>
+              <a:schemeClr val="bg2"/>
+            </a:solidFill>
+          </p:spPr>
+          <p:style>
+            <a:lnRef idx="2">
+              <a:schemeClr val="accent1">
+                <a:shade val="50000"/>
+              </a:schemeClr>
+            </a:lnRef>
+            <a:fillRef idx="1">
+              <a:schemeClr val="accent1"/>
+            </a:fillRef>
+            <a:effectRef idx="0">
+              <a:schemeClr val="accent1"/>
+            </a:effectRef>
+            <a:fontRef idx="minor">
+              <a:schemeClr val="lt1"/>
+            </a:fontRef>
+          </p:style>
+          <p:txBody>
+            <a:bodyPr rtlCol="0" anchor="ctr"/>
+            <a:lstStyle/>
+            <a:p>
+              <a:pPr algn="ctr"/>
+              <a:endParaRPr lang="en-US"/>
+            </a:p>
+          </p:txBody>
+        </p:sp>
+        <p:sp>
+          <p:nvSpPr>
+            <p:cNvPr id="110" name="Rectangle 109">
+              <a:extLst>
+                <a:ext uri="{FF2B5EF4-FFF2-40B4-BE49-F238E27FC236}">
+                  <a16:creationId xmlns:a16="http://schemas.microsoft.com/office/drawing/2014/main" id="{DE780651-B79E-4C92-84FC-B2EE4DA1B9E6}"/>
+                </a:ext>
+              </a:extLst>
+            </p:cNvPr>
+            <p:cNvSpPr/>
+            <p:nvPr/>
+          </p:nvSpPr>
+          <p:spPr>
+            <a:xfrm>
+              <a:off x="2868329" y="4109989"/>
+              <a:ext cx="750770" cy="683394"/>
+            </a:xfrm>
+            <a:prstGeom prst="rect">
+              <a:avLst/>
+            </a:prstGeom>
+            <a:solidFill>
+              <a:schemeClr val="bg2"/>
+            </a:solidFill>
+          </p:spPr>
+          <p:style>
+            <a:lnRef idx="2">
+              <a:schemeClr val="accent1">
+                <a:shade val="50000"/>
+              </a:schemeClr>
+            </a:lnRef>
+            <a:fillRef idx="1">
+              <a:schemeClr val="accent1"/>
+            </a:fillRef>
+            <a:effectRef idx="0">
+              <a:schemeClr val="accent1"/>
+            </a:effectRef>
+            <a:fontRef idx="minor">
+              <a:schemeClr val="lt1"/>
+            </a:fontRef>
+          </p:style>
+          <p:txBody>
+            <a:bodyPr rtlCol="0" anchor="ctr"/>
+            <a:lstStyle/>
+            <a:p>
+              <a:pPr algn="ctr"/>
+              <a:endParaRPr lang="en-US"/>
+            </a:p>
+          </p:txBody>
+        </p:sp>
+        <p:sp>
+          <p:nvSpPr>
+            <p:cNvPr id="111" name="Rectangle 110">
+              <a:extLst>
+                <a:ext uri="{FF2B5EF4-FFF2-40B4-BE49-F238E27FC236}">
+                  <a16:creationId xmlns:a16="http://schemas.microsoft.com/office/drawing/2014/main" id="{D306B913-B18B-4150-AEF8-E0AE20B64A54}"/>
+                </a:ext>
+              </a:extLst>
+            </p:cNvPr>
+            <p:cNvSpPr/>
+            <p:nvPr/>
+          </p:nvSpPr>
+          <p:spPr>
+            <a:xfrm>
+              <a:off x="616019" y="4793383"/>
+              <a:ext cx="750770" cy="683394"/>
+            </a:xfrm>
+            <a:prstGeom prst="rect">
+              <a:avLst/>
+            </a:prstGeom>
+            <a:solidFill>
+              <a:schemeClr val="bg2"/>
+            </a:solidFill>
+          </p:spPr>
+          <p:style>
+            <a:lnRef idx="2">
+              <a:schemeClr val="accent1">
+                <a:shade val="50000"/>
+              </a:schemeClr>
+            </a:lnRef>
+            <a:fillRef idx="1">
+              <a:schemeClr val="accent1"/>
+            </a:fillRef>
+            <a:effectRef idx="0">
+              <a:schemeClr val="accent1"/>
+            </a:effectRef>
+            <a:fontRef idx="minor">
+              <a:schemeClr val="lt1"/>
+            </a:fontRef>
+          </p:style>
+          <p:txBody>
+            <a:bodyPr rtlCol="0" anchor="ctr"/>
+            <a:lstStyle/>
+            <a:p>
+              <a:pPr algn="ctr"/>
+              <a:endParaRPr lang="en-US"/>
+            </a:p>
+          </p:txBody>
+        </p:sp>
+        <p:sp>
+          <p:nvSpPr>
+            <p:cNvPr id="112" name="Rectangle 111">
+              <a:extLst>
+                <a:ext uri="{FF2B5EF4-FFF2-40B4-BE49-F238E27FC236}">
+                  <a16:creationId xmlns:a16="http://schemas.microsoft.com/office/drawing/2014/main" id="{95C633F1-F63B-4AEC-AEF1-B48D4593E48E}"/>
+                </a:ext>
+              </a:extLst>
+            </p:cNvPr>
+            <p:cNvSpPr/>
+            <p:nvPr/>
+          </p:nvSpPr>
+          <p:spPr>
+            <a:xfrm>
+              <a:off x="1366789" y="4793383"/>
+              <a:ext cx="750770" cy="683394"/>
+            </a:xfrm>
+            <a:prstGeom prst="rect">
+              <a:avLst/>
+            </a:prstGeom>
+            <a:solidFill>
+              <a:schemeClr val="bg2"/>
+            </a:solidFill>
+          </p:spPr>
+          <p:style>
+            <a:lnRef idx="2">
+              <a:schemeClr val="accent1">
+                <a:shade val="50000"/>
+              </a:schemeClr>
+            </a:lnRef>
+            <a:fillRef idx="1">
+              <a:schemeClr val="accent1"/>
+            </a:fillRef>
+            <a:effectRef idx="0">
+              <a:schemeClr val="accent1"/>
+            </a:effectRef>
+            <a:fontRef idx="minor">
+              <a:schemeClr val="lt1"/>
+            </a:fontRef>
+          </p:style>
+          <p:txBody>
+            <a:bodyPr rtlCol="0" anchor="ctr"/>
+            <a:lstStyle/>
+            <a:p>
+              <a:pPr algn="ctr"/>
+              <a:endParaRPr lang="en-US"/>
+            </a:p>
+          </p:txBody>
+        </p:sp>
+        <p:sp>
+          <p:nvSpPr>
+            <p:cNvPr id="113" name="Rectangle 112">
+              <a:extLst>
+                <a:ext uri="{FF2B5EF4-FFF2-40B4-BE49-F238E27FC236}">
+                  <a16:creationId xmlns:a16="http://schemas.microsoft.com/office/drawing/2014/main" id="{DB62667D-F0D8-401E-AEE1-A97EB6959F5A}"/>
+                </a:ext>
+              </a:extLst>
+            </p:cNvPr>
+            <p:cNvSpPr/>
+            <p:nvPr/>
+          </p:nvSpPr>
+          <p:spPr>
+            <a:xfrm>
+              <a:off x="616019" y="5476777"/>
+              <a:ext cx="750770" cy="683394"/>
+            </a:xfrm>
+            <a:prstGeom prst="rect">
+              <a:avLst/>
+            </a:prstGeom>
+            <a:solidFill>
+              <a:schemeClr val="bg2"/>
+            </a:solidFill>
+          </p:spPr>
+          <p:style>
+            <a:lnRef idx="2">
+              <a:schemeClr val="accent1">
+                <a:shade val="50000"/>
+              </a:schemeClr>
+            </a:lnRef>
+            <a:fillRef idx="1">
+              <a:schemeClr val="accent1"/>
+            </a:fillRef>
+            <a:effectRef idx="0">
+              <a:schemeClr val="accent1"/>
+            </a:effectRef>
+            <a:fontRef idx="minor">
+              <a:schemeClr val="lt1"/>
+            </a:fontRef>
+          </p:style>
+          <p:txBody>
+            <a:bodyPr rtlCol="0" anchor="ctr"/>
+            <a:lstStyle/>
+            <a:p>
+              <a:pPr algn="ctr"/>
+              <a:endParaRPr lang="en-US"/>
+            </a:p>
+          </p:txBody>
+        </p:sp>
+        <p:sp>
+          <p:nvSpPr>
+            <p:cNvPr id="114" name="Rectangle 113">
+              <a:extLst>
+                <a:ext uri="{FF2B5EF4-FFF2-40B4-BE49-F238E27FC236}">
+                  <a16:creationId xmlns:a16="http://schemas.microsoft.com/office/drawing/2014/main" id="{15D88CC3-6155-44C7-99B4-B18B7339DDA2}"/>
+                </a:ext>
+              </a:extLst>
+            </p:cNvPr>
+            <p:cNvSpPr/>
+            <p:nvPr/>
+          </p:nvSpPr>
+          <p:spPr>
+            <a:xfrm>
+              <a:off x="1366789" y="5476777"/>
+              <a:ext cx="750770" cy="683394"/>
+            </a:xfrm>
+            <a:prstGeom prst="rect">
+              <a:avLst/>
+            </a:prstGeom>
+            <a:solidFill>
+              <a:schemeClr val="bg2"/>
+            </a:solidFill>
+          </p:spPr>
+          <p:style>
+            <a:lnRef idx="2">
+              <a:schemeClr val="accent1">
+                <a:shade val="50000"/>
+              </a:schemeClr>
+            </a:lnRef>
+            <a:fillRef idx="1">
+              <a:schemeClr val="accent1"/>
+            </a:fillRef>
+            <a:effectRef idx="0">
+              <a:schemeClr val="accent1"/>
+            </a:effectRef>
+            <a:fontRef idx="minor">
+              <a:schemeClr val="lt1"/>
+            </a:fontRef>
+          </p:style>
+          <p:txBody>
+            <a:bodyPr rtlCol="0" anchor="ctr"/>
+            <a:lstStyle/>
+            <a:p>
+              <a:pPr algn="ctr"/>
+              <a:endParaRPr lang="en-US"/>
+            </a:p>
+          </p:txBody>
+        </p:sp>
+        <p:sp>
+          <p:nvSpPr>
+            <p:cNvPr id="115" name="Rectangle 114">
+              <a:extLst>
+                <a:ext uri="{FF2B5EF4-FFF2-40B4-BE49-F238E27FC236}">
+                  <a16:creationId xmlns:a16="http://schemas.microsoft.com/office/drawing/2014/main" id="{1E72B723-7D94-4EB2-A526-94AE718CEEBA}"/>
+                </a:ext>
+              </a:extLst>
+            </p:cNvPr>
+            <p:cNvSpPr/>
+            <p:nvPr/>
+          </p:nvSpPr>
+          <p:spPr>
+            <a:xfrm>
+              <a:off x="2107933" y="4793383"/>
+              <a:ext cx="750770" cy="683394"/>
+            </a:xfrm>
+            <a:prstGeom prst="rect">
+              <a:avLst/>
+            </a:prstGeom>
+            <a:solidFill>
+              <a:schemeClr val="bg2"/>
+            </a:solidFill>
+          </p:spPr>
+          <p:style>
+            <a:lnRef idx="2">
+              <a:schemeClr val="accent1">
+                <a:shade val="50000"/>
+              </a:schemeClr>
+            </a:lnRef>
+            <a:fillRef idx="1">
+              <a:schemeClr val="accent1"/>
+            </a:fillRef>
+            <a:effectRef idx="0">
+              <a:schemeClr val="accent1"/>
+            </a:effectRef>
+            <a:fontRef idx="minor">
+              <a:schemeClr val="lt1"/>
+            </a:fontRef>
+          </p:style>
+          <p:txBody>
+            <a:bodyPr rtlCol="0" anchor="ctr"/>
+            <a:lstStyle/>
+            <a:p>
+              <a:pPr algn="ctr"/>
+              <a:endParaRPr lang="en-US"/>
+            </a:p>
+          </p:txBody>
+        </p:sp>
+        <p:sp>
+          <p:nvSpPr>
+            <p:cNvPr id="116" name="Rectangle 115">
+              <a:extLst>
+                <a:ext uri="{FF2B5EF4-FFF2-40B4-BE49-F238E27FC236}">
+                  <a16:creationId xmlns:a16="http://schemas.microsoft.com/office/drawing/2014/main" id="{81C8D8EF-41F7-4056-9B2B-CA21FAE68F20}"/>
+                </a:ext>
+              </a:extLst>
+            </p:cNvPr>
+            <p:cNvSpPr/>
+            <p:nvPr/>
+          </p:nvSpPr>
+          <p:spPr>
+            <a:xfrm>
+              <a:off x="2858703" y="4793383"/>
+              <a:ext cx="750770" cy="683394"/>
+            </a:xfrm>
+            <a:prstGeom prst="rect">
+              <a:avLst/>
+            </a:prstGeom>
+            <a:solidFill>
+              <a:schemeClr val="bg2"/>
+            </a:solidFill>
+          </p:spPr>
+          <p:style>
+            <a:lnRef idx="2">
+              <a:schemeClr val="accent1">
+                <a:shade val="50000"/>
+              </a:schemeClr>
+            </a:lnRef>
+            <a:fillRef idx="1">
+              <a:schemeClr val="accent1"/>
+            </a:fillRef>
+            <a:effectRef idx="0">
+              <a:schemeClr val="accent1"/>
+            </a:effectRef>
+            <a:fontRef idx="minor">
+              <a:schemeClr val="lt1"/>
+            </a:fontRef>
+          </p:style>
+          <p:txBody>
+            <a:bodyPr rtlCol="0" anchor="ctr"/>
+            <a:lstStyle/>
+            <a:p>
+              <a:pPr algn="ctr"/>
+              <a:endParaRPr lang="en-US"/>
+            </a:p>
+          </p:txBody>
+        </p:sp>
+        <p:sp>
+          <p:nvSpPr>
+            <p:cNvPr id="117" name="Rectangle 116">
+              <a:extLst>
+                <a:ext uri="{FF2B5EF4-FFF2-40B4-BE49-F238E27FC236}">
+                  <a16:creationId xmlns:a16="http://schemas.microsoft.com/office/drawing/2014/main" id="{C5DD2233-0AAD-4D32-A4BC-273006EB9FC4}"/>
+                </a:ext>
+              </a:extLst>
+            </p:cNvPr>
+            <p:cNvSpPr/>
+            <p:nvPr/>
+          </p:nvSpPr>
+          <p:spPr>
+            <a:xfrm>
+              <a:off x="2107933" y="5476777"/>
+              <a:ext cx="750770" cy="683394"/>
+            </a:xfrm>
+            <a:prstGeom prst="rect">
+              <a:avLst/>
+            </a:prstGeom>
+            <a:solidFill>
+              <a:schemeClr val="bg2"/>
+            </a:solidFill>
+          </p:spPr>
+          <p:style>
+            <a:lnRef idx="2">
+              <a:schemeClr val="accent1">
+                <a:shade val="50000"/>
+              </a:schemeClr>
+            </a:lnRef>
+            <a:fillRef idx="1">
+              <a:schemeClr val="accent1"/>
+            </a:fillRef>
+            <a:effectRef idx="0">
+              <a:schemeClr val="accent1"/>
+            </a:effectRef>
+            <a:fontRef idx="minor">
+              <a:schemeClr val="lt1"/>
+            </a:fontRef>
+          </p:style>
+          <p:txBody>
+            <a:bodyPr rtlCol="0" anchor="ctr"/>
+            <a:lstStyle/>
+            <a:p>
+              <a:pPr algn="ctr"/>
+              <a:endParaRPr lang="en-US"/>
+            </a:p>
+          </p:txBody>
+        </p:sp>
+        <p:sp>
+          <p:nvSpPr>
+            <p:cNvPr id="118" name="Rectangle 117">
+              <a:extLst>
+                <a:ext uri="{FF2B5EF4-FFF2-40B4-BE49-F238E27FC236}">
+                  <a16:creationId xmlns:a16="http://schemas.microsoft.com/office/drawing/2014/main" id="{9A1D7A59-2603-497A-9ABB-FCED5FE560F4}"/>
+                </a:ext>
+              </a:extLst>
+            </p:cNvPr>
+            <p:cNvSpPr/>
+            <p:nvPr/>
+          </p:nvSpPr>
+          <p:spPr>
+            <a:xfrm>
+              <a:off x="2858703" y="5476777"/>
+              <a:ext cx="750770" cy="683394"/>
+            </a:xfrm>
+            <a:prstGeom prst="rect">
+              <a:avLst/>
+            </a:prstGeom>
+            <a:solidFill>
+              <a:schemeClr val="bg2"/>
+            </a:solidFill>
+          </p:spPr>
+          <p:style>
+            <a:lnRef idx="2">
+              <a:schemeClr val="accent1">
+                <a:shade val="50000"/>
+              </a:schemeClr>
+            </a:lnRef>
+            <a:fillRef idx="1">
+              <a:schemeClr val="accent1"/>
+            </a:fillRef>
+            <a:effectRef idx="0">
+              <a:schemeClr val="accent1"/>
+            </a:effectRef>
+            <a:fontRef idx="minor">
+              <a:schemeClr val="lt1"/>
+            </a:fontRef>
+          </p:style>
+          <p:txBody>
+            <a:bodyPr rtlCol="0" anchor="ctr"/>
+            <a:lstStyle/>
+            <a:p>
+              <a:pPr algn="ctr"/>
+              <a:endParaRPr lang="en-US"/>
+            </a:p>
+          </p:txBody>
+        </p:sp>
+        <p:sp>
+          <p:nvSpPr>
+            <p:cNvPr id="119" name="Rectangle 118">
+              <a:extLst>
+                <a:ext uri="{FF2B5EF4-FFF2-40B4-BE49-F238E27FC236}">
+                  <a16:creationId xmlns:a16="http://schemas.microsoft.com/office/drawing/2014/main" id="{F17DCE63-C9F4-45E1-A7E5-A3FCD7DCFD34}"/>
+                </a:ext>
+              </a:extLst>
+            </p:cNvPr>
+            <p:cNvSpPr/>
+            <p:nvPr/>
+          </p:nvSpPr>
+          <p:spPr>
+            <a:xfrm>
+              <a:off x="3609473" y="2059807"/>
+              <a:ext cx="750770" cy="683394"/>
+            </a:xfrm>
+            <a:prstGeom prst="rect">
+              <a:avLst/>
+            </a:prstGeom>
+            <a:solidFill>
+              <a:schemeClr val="bg2"/>
+            </a:solidFill>
+          </p:spPr>
+          <p:style>
+            <a:lnRef idx="2">
+              <a:schemeClr val="accent1">
+                <a:shade val="50000"/>
+              </a:schemeClr>
+            </a:lnRef>
+            <a:fillRef idx="1">
+              <a:schemeClr val="accent1"/>
+            </a:fillRef>
+            <a:effectRef idx="0">
+              <a:schemeClr val="accent1"/>
+            </a:effectRef>
+            <a:fontRef idx="minor">
+              <a:schemeClr val="lt1"/>
+            </a:fontRef>
+          </p:style>
+          <p:txBody>
+            <a:bodyPr rtlCol="0" anchor="ctr"/>
+            <a:lstStyle/>
+            <a:p>
+              <a:pPr algn="ctr"/>
+              <a:endParaRPr lang="en-US"/>
+            </a:p>
+          </p:txBody>
+        </p:sp>
+        <p:sp>
+          <p:nvSpPr>
+            <p:cNvPr id="120" name="Rectangle 119">
+              <a:extLst>
+                <a:ext uri="{FF2B5EF4-FFF2-40B4-BE49-F238E27FC236}">
+                  <a16:creationId xmlns:a16="http://schemas.microsoft.com/office/drawing/2014/main" id="{FC7F2B10-C135-4B1E-8C13-39300D73A527}"/>
+                </a:ext>
+              </a:extLst>
+            </p:cNvPr>
+            <p:cNvSpPr/>
+            <p:nvPr/>
+          </p:nvSpPr>
+          <p:spPr>
+            <a:xfrm>
+              <a:off x="4360243" y="2059807"/>
+              <a:ext cx="750770" cy="683394"/>
+            </a:xfrm>
+            <a:prstGeom prst="rect">
+              <a:avLst/>
+            </a:prstGeom>
+            <a:solidFill>
+              <a:schemeClr val="bg2"/>
+            </a:solidFill>
+          </p:spPr>
+          <p:style>
+            <a:lnRef idx="2">
+              <a:schemeClr val="accent1">
+                <a:shade val="50000"/>
+              </a:schemeClr>
+            </a:lnRef>
+            <a:fillRef idx="1">
+              <a:schemeClr val="accent1"/>
+            </a:fillRef>
+            <a:effectRef idx="0">
+              <a:schemeClr val="accent1"/>
+            </a:effectRef>
+            <a:fontRef idx="minor">
+              <a:schemeClr val="lt1"/>
+            </a:fontRef>
+          </p:style>
+          <p:txBody>
+            <a:bodyPr rtlCol="0" anchor="ctr"/>
+            <a:lstStyle/>
+            <a:p>
+              <a:pPr algn="ctr"/>
+              <a:endParaRPr lang="en-US"/>
+            </a:p>
+          </p:txBody>
+        </p:sp>
+        <p:sp>
+          <p:nvSpPr>
+            <p:cNvPr id="121" name="Rectangle 120">
+              <a:extLst>
+                <a:ext uri="{FF2B5EF4-FFF2-40B4-BE49-F238E27FC236}">
+                  <a16:creationId xmlns:a16="http://schemas.microsoft.com/office/drawing/2014/main" id="{ECEAF104-90DA-4007-A4EC-25DDFBF94C01}"/>
+                </a:ext>
+              </a:extLst>
+            </p:cNvPr>
+            <p:cNvSpPr/>
+            <p:nvPr/>
+          </p:nvSpPr>
+          <p:spPr>
+            <a:xfrm>
+              <a:off x="3609473" y="2743201"/>
+              <a:ext cx="750770" cy="683394"/>
+            </a:xfrm>
+            <a:prstGeom prst="rect">
+              <a:avLst/>
+            </a:prstGeom>
+            <a:solidFill>
+              <a:schemeClr val="bg2"/>
+            </a:solidFill>
+          </p:spPr>
+          <p:style>
+            <a:lnRef idx="2">
+              <a:schemeClr val="accent1">
+                <a:shade val="50000"/>
+              </a:schemeClr>
+            </a:lnRef>
+            <a:fillRef idx="1">
+              <a:schemeClr val="accent1"/>
+            </a:fillRef>
+            <a:effectRef idx="0">
+              <a:schemeClr val="accent1"/>
+            </a:effectRef>
+            <a:fontRef idx="minor">
+              <a:schemeClr val="lt1"/>
+            </a:fontRef>
+          </p:style>
+          <p:txBody>
+            <a:bodyPr rtlCol="0" anchor="ctr"/>
+            <a:lstStyle/>
+            <a:p>
+              <a:pPr algn="ctr"/>
+              <a:endParaRPr lang="en-US"/>
+            </a:p>
+          </p:txBody>
+        </p:sp>
+        <p:sp>
+          <p:nvSpPr>
+            <p:cNvPr id="122" name="Rectangle 121">
+              <a:extLst>
+                <a:ext uri="{FF2B5EF4-FFF2-40B4-BE49-F238E27FC236}">
+                  <a16:creationId xmlns:a16="http://schemas.microsoft.com/office/drawing/2014/main" id="{1F839670-BC9D-466E-A5A7-E7FE7DEF2503}"/>
+                </a:ext>
+              </a:extLst>
+            </p:cNvPr>
+            <p:cNvSpPr/>
+            <p:nvPr/>
+          </p:nvSpPr>
+          <p:spPr>
+            <a:xfrm>
+              <a:off x="4360243" y="2743201"/>
+              <a:ext cx="750770" cy="683394"/>
+            </a:xfrm>
+            <a:prstGeom prst="rect">
+              <a:avLst/>
+            </a:prstGeom>
+            <a:solidFill>
+              <a:schemeClr val="bg2"/>
+            </a:solidFill>
+          </p:spPr>
+          <p:style>
+            <a:lnRef idx="2">
+              <a:schemeClr val="accent1">
+                <a:shade val="50000"/>
+              </a:schemeClr>
+            </a:lnRef>
+            <a:fillRef idx="1">
+              <a:schemeClr val="accent1"/>
+            </a:fillRef>
+            <a:effectRef idx="0">
+              <a:schemeClr val="accent1"/>
+            </a:effectRef>
+            <a:fontRef idx="minor">
+              <a:schemeClr val="lt1"/>
+            </a:fontRef>
+          </p:style>
+          <p:txBody>
+            <a:bodyPr rtlCol="0" anchor="ctr"/>
+            <a:lstStyle/>
+            <a:p>
+              <a:pPr algn="ctr"/>
+              <a:endParaRPr lang="en-US"/>
+            </a:p>
+          </p:txBody>
+        </p:sp>
+        <p:sp>
+          <p:nvSpPr>
+            <p:cNvPr id="123" name="Rectangle 122">
+              <a:extLst>
+                <a:ext uri="{FF2B5EF4-FFF2-40B4-BE49-F238E27FC236}">
+                  <a16:creationId xmlns:a16="http://schemas.microsoft.com/office/drawing/2014/main" id="{01F7C84D-81E9-406B-BC3F-E41A4DF3E6B1}"/>
+                </a:ext>
+              </a:extLst>
+            </p:cNvPr>
+            <p:cNvSpPr/>
+            <p:nvPr/>
+          </p:nvSpPr>
+          <p:spPr>
+            <a:xfrm>
+              <a:off x="3619099" y="3426595"/>
+              <a:ext cx="750770" cy="683394"/>
+            </a:xfrm>
+            <a:prstGeom prst="rect">
+              <a:avLst/>
+            </a:prstGeom>
+            <a:solidFill>
+              <a:schemeClr val="bg2"/>
+            </a:solidFill>
+          </p:spPr>
+          <p:style>
+            <a:lnRef idx="2">
+              <a:schemeClr val="accent1">
+                <a:shade val="50000"/>
+              </a:schemeClr>
+            </a:lnRef>
+            <a:fillRef idx="1">
+              <a:schemeClr val="accent1"/>
+            </a:fillRef>
+            <a:effectRef idx="0">
+              <a:schemeClr val="accent1"/>
+            </a:effectRef>
+            <a:fontRef idx="minor">
+              <a:schemeClr val="lt1"/>
+            </a:fontRef>
+          </p:style>
+          <p:txBody>
+            <a:bodyPr rtlCol="0" anchor="ctr"/>
+            <a:lstStyle/>
+            <a:p>
+              <a:pPr algn="ctr"/>
+              <a:endParaRPr lang="en-US"/>
+            </a:p>
+          </p:txBody>
+        </p:sp>
+        <p:sp>
+          <p:nvSpPr>
+            <p:cNvPr id="124" name="Rectangle 123">
+              <a:extLst>
+                <a:ext uri="{FF2B5EF4-FFF2-40B4-BE49-F238E27FC236}">
+                  <a16:creationId xmlns:a16="http://schemas.microsoft.com/office/drawing/2014/main" id="{E3E39E9C-C984-482D-B8B6-B570D0E0A588}"/>
+                </a:ext>
+              </a:extLst>
+            </p:cNvPr>
+            <p:cNvSpPr/>
+            <p:nvPr/>
+          </p:nvSpPr>
+          <p:spPr>
+            <a:xfrm>
+              <a:off x="4369869" y="3426595"/>
+              <a:ext cx="750770" cy="683394"/>
+            </a:xfrm>
+            <a:prstGeom prst="rect">
+              <a:avLst/>
+            </a:prstGeom>
+            <a:solidFill>
+              <a:schemeClr val="bg2"/>
+            </a:solidFill>
+          </p:spPr>
+          <p:style>
+            <a:lnRef idx="2">
+              <a:schemeClr val="accent1">
+                <a:shade val="50000"/>
+              </a:schemeClr>
+            </a:lnRef>
+            <a:fillRef idx="1">
+              <a:schemeClr val="accent1"/>
+            </a:fillRef>
+            <a:effectRef idx="0">
+              <a:schemeClr val="accent1"/>
+            </a:effectRef>
+            <a:fontRef idx="minor">
+              <a:schemeClr val="lt1"/>
+            </a:fontRef>
+          </p:style>
+          <p:txBody>
+            <a:bodyPr rtlCol="0" anchor="ctr"/>
+            <a:lstStyle/>
+            <a:p>
+              <a:pPr algn="ctr"/>
+              <a:endParaRPr lang="en-US"/>
+            </a:p>
+          </p:txBody>
+        </p:sp>
+        <p:sp>
+          <p:nvSpPr>
+            <p:cNvPr id="125" name="Rectangle 124">
+              <a:extLst>
+                <a:ext uri="{FF2B5EF4-FFF2-40B4-BE49-F238E27FC236}">
+                  <a16:creationId xmlns:a16="http://schemas.microsoft.com/office/drawing/2014/main" id="{A78CF9F5-5923-4C6A-944B-84B9FF71DC5F}"/>
+                </a:ext>
+              </a:extLst>
+            </p:cNvPr>
+            <p:cNvSpPr/>
+            <p:nvPr/>
+          </p:nvSpPr>
+          <p:spPr>
+            <a:xfrm>
+              <a:off x="3619099" y="4109989"/>
+              <a:ext cx="750770" cy="683394"/>
+            </a:xfrm>
+            <a:prstGeom prst="rect">
+              <a:avLst/>
+            </a:prstGeom>
+            <a:solidFill>
+              <a:schemeClr val="bg2"/>
+            </a:solidFill>
+          </p:spPr>
+          <p:style>
+            <a:lnRef idx="2">
+              <a:schemeClr val="accent1">
+                <a:shade val="50000"/>
+              </a:schemeClr>
+            </a:lnRef>
+            <a:fillRef idx="1">
+              <a:schemeClr val="accent1"/>
+            </a:fillRef>
+            <a:effectRef idx="0">
+              <a:schemeClr val="accent1"/>
+            </a:effectRef>
+            <a:fontRef idx="minor">
+              <a:schemeClr val="lt1"/>
+            </a:fontRef>
+          </p:style>
+          <p:txBody>
+            <a:bodyPr rtlCol="0" anchor="ctr"/>
+            <a:lstStyle/>
+            <a:p>
+              <a:pPr algn="ctr"/>
+              <a:endParaRPr lang="en-US"/>
+            </a:p>
+          </p:txBody>
+        </p:sp>
+        <p:sp>
+          <p:nvSpPr>
+            <p:cNvPr id="126" name="Rectangle 125">
+              <a:extLst>
+                <a:ext uri="{FF2B5EF4-FFF2-40B4-BE49-F238E27FC236}">
+                  <a16:creationId xmlns:a16="http://schemas.microsoft.com/office/drawing/2014/main" id="{29AAB5E8-8256-47B4-8D1F-8BB83F5CA174}"/>
+                </a:ext>
+              </a:extLst>
+            </p:cNvPr>
+            <p:cNvSpPr/>
+            <p:nvPr/>
+          </p:nvSpPr>
+          <p:spPr>
+            <a:xfrm>
+              <a:off x="4369869" y="4109989"/>
+              <a:ext cx="750770" cy="683394"/>
+            </a:xfrm>
+            <a:prstGeom prst="rect">
+              <a:avLst/>
+            </a:prstGeom>
+            <a:solidFill>
+              <a:schemeClr val="bg2"/>
+            </a:solidFill>
+          </p:spPr>
+          <p:style>
+            <a:lnRef idx="2">
+              <a:schemeClr val="accent1">
+                <a:shade val="50000"/>
+              </a:schemeClr>
+            </a:lnRef>
+            <a:fillRef idx="1">
+              <a:schemeClr val="accent1"/>
+            </a:fillRef>
+            <a:effectRef idx="0">
+              <a:schemeClr val="accent1"/>
+            </a:effectRef>
+            <a:fontRef idx="minor">
+              <a:schemeClr val="lt1"/>
+            </a:fontRef>
+          </p:style>
+          <p:txBody>
+            <a:bodyPr rtlCol="0" anchor="ctr"/>
+            <a:lstStyle/>
+            <a:p>
+              <a:pPr algn="ctr"/>
+              <a:endParaRPr lang="en-US"/>
+            </a:p>
+          </p:txBody>
+        </p:sp>
+        <p:sp>
+          <p:nvSpPr>
+            <p:cNvPr id="127" name="Rectangle 126">
+              <a:extLst>
+                <a:ext uri="{FF2B5EF4-FFF2-40B4-BE49-F238E27FC236}">
+                  <a16:creationId xmlns:a16="http://schemas.microsoft.com/office/drawing/2014/main" id="{B0C645B3-FF92-4277-ABE1-75529553C31B}"/>
+                </a:ext>
+              </a:extLst>
+            </p:cNvPr>
+            <p:cNvSpPr/>
+            <p:nvPr/>
+          </p:nvSpPr>
+          <p:spPr>
+            <a:xfrm>
+              <a:off x="3609473" y="4793383"/>
+              <a:ext cx="750770" cy="683394"/>
+            </a:xfrm>
+            <a:prstGeom prst="rect">
+              <a:avLst/>
+            </a:prstGeom>
+            <a:solidFill>
+              <a:schemeClr val="bg2"/>
+            </a:solidFill>
+          </p:spPr>
+          <p:style>
+            <a:lnRef idx="2">
+              <a:schemeClr val="accent1">
+                <a:shade val="50000"/>
+              </a:schemeClr>
+            </a:lnRef>
+            <a:fillRef idx="1">
+              <a:schemeClr val="accent1"/>
+            </a:fillRef>
+            <a:effectRef idx="0">
+              <a:schemeClr val="accent1"/>
+            </a:effectRef>
+            <a:fontRef idx="minor">
+              <a:schemeClr val="lt1"/>
+            </a:fontRef>
+          </p:style>
+          <p:txBody>
+            <a:bodyPr rtlCol="0" anchor="ctr"/>
+            <a:lstStyle/>
+            <a:p>
+              <a:pPr algn="ctr"/>
+              <a:endParaRPr lang="en-US"/>
+            </a:p>
+          </p:txBody>
+        </p:sp>
+        <p:sp>
+          <p:nvSpPr>
+            <p:cNvPr id="128" name="Rectangle 127">
+              <a:extLst>
+                <a:ext uri="{FF2B5EF4-FFF2-40B4-BE49-F238E27FC236}">
+                  <a16:creationId xmlns:a16="http://schemas.microsoft.com/office/drawing/2014/main" id="{C60A6C9B-0753-4BE2-8445-645E643F994F}"/>
+                </a:ext>
+              </a:extLst>
+            </p:cNvPr>
+            <p:cNvSpPr/>
+            <p:nvPr/>
+          </p:nvSpPr>
+          <p:spPr>
+            <a:xfrm>
+              <a:off x="4360243" y="4793383"/>
+              <a:ext cx="750770" cy="683394"/>
+            </a:xfrm>
+            <a:prstGeom prst="rect">
+              <a:avLst/>
+            </a:prstGeom>
+            <a:solidFill>
+              <a:schemeClr val="bg2"/>
+            </a:solidFill>
+          </p:spPr>
+          <p:style>
+            <a:lnRef idx="2">
+              <a:schemeClr val="accent1">
+                <a:shade val="50000"/>
+              </a:schemeClr>
+            </a:lnRef>
+            <a:fillRef idx="1">
+              <a:schemeClr val="accent1"/>
+            </a:fillRef>
+            <a:effectRef idx="0">
+              <a:schemeClr val="accent1"/>
+            </a:effectRef>
+            <a:fontRef idx="minor">
+              <a:schemeClr val="lt1"/>
+            </a:fontRef>
+          </p:style>
+          <p:txBody>
+            <a:bodyPr rtlCol="0" anchor="ctr"/>
+            <a:lstStyle/>
+            <a:p>
+              <a:pPr algn="ctr"/>
+              <a:endParaRPr lang="en-US"/>
+            </a:p>
+          </p:txBody>
+        </p:sp>
+        <p:sp>
+          <p:nvSpPr>
+            <p:cNvPr id="129" name="Rectangle 128">
+              <a:extLst>
+                <a:ext uri="{FF2B5EF4-FFF2-40B4-BE49-F238E27FC236}">
+                  <a16:creationId xmlns:a16="http://schemas.microsoft.com/office/drawing/2014/main" id="{8E979927-661A-43E1-9858-BC19788CB82F}"/>
+                </a:ext>
+              </a:extLst>
+            </p:cNvPr>
+            <p:cNvSpPr/>
+            <p:nvPr/>
+          </p:nvSpPr>
+          <p:spPr>
+            <a:xfrm>
+              <a:off x="3609473" y="5476777"/>
+              <a:ext cx="750770" cy="683394"/>
+            </a:xfrm>
+            <a:prstGeom prst="rect">
+              <a:avLst/>
+            </a:prstGeom>
+            <a:solidFill>
+              <a:schemeClr val="bg2"/>
+            </a:solidFill>
+          </p:spPr>
+          <p:style>
+            <a:lnRef idx="2">
+              <a:schemeClr val="accent1">
+                <a:shade val="50000"/>
+              </a:schemeClr>
+            </a:lnRef>
+            <a:fillRef idx="1">
+              <a:schemeClr val="accent1"/>
+            </a:fillRef>
+            <a:effectRef idx="0">
+              <a:schemeClr val="accent1"/>
+            </a:effectRef>
+            <a:fontRef idx="minor">
+              <a:schemeClr val="lt1"/>
+            </a:fontRef>
+          </p:style>
+          <p:txBody>
+            <a:bodyPr rtlCol="0" anchor="ctr"/>
+            <a:lstStyle/>
+            <a:p>
+              <a:pPr algn="ctr"/>
+              <a:endParaRPr lang="en-US"/>
+            </a:p>
+          </p:txBody>
+        </p:sp>
+        <p:sp>
+          <p:nvSpPr>
+            <p:cNvPr id="130" name="Rectangle 129">
+              <a:extLst>
+                <a:ext uri="{FF2B5EF4-FFF2-40B4-BE49-F238E27FC236}">
+                  <a16:creationId xmlns:a16="http://schemas.microsoft.com/office/drawing/2014/main" id="{D1E7B8D7-74A5-4DD9-B822-FD5126B6BB4F}"/>
+                </a:ext>
+              </a:extLst>
+            </p:cNvPr>
+            <p:cNvSpPr/>
+            <p:nvPr/>
+          </p:nvSpPr>
+          <p:spPr>
+            <a:xfrm>
+              <a:off x="4360243" y="5476777"/>
+              <a:ext cx="750770" cy="683394"/>
+            </a:xfrm>
+            <a:prstGeom prst="rect">
+              <a:avLst/>
+            </a:prstGeom>
+            <a:solidFill>
+              <a:schemeClr val="bg2"/>
+            </a:solidFill>
+          </p:spPr>
+          <p:style>
+            <a:lnRef idx="2">
+              <a:schemeClr val="accent1">
+                <a:shade val="50000"/>
+              </a:schemeClr>
+            </a:lnRef>
+            <a:fillRef idx="1">
+              <a:schemeClr val="accent1"/>
+            </a:fillRef>
+            <a:effectRef idx="0">
+              <a:schemeClr val="accent1"/>
+            </a:effectRef>
+            <a:fontRef idx="minor">
+              <a:schemeClr val="lt1"/>
+            </a:fontRef>
+          </p:style>
+          <p:txBody>
+            <a:bodyPr rtlCol="0" anchor="ctr"/>
+            <a:lstStyle/>
+            <a:p>
+              <a:pPr algn="ctr"/>
+              <a:endParaRPr lang="en-US"/>
+            </a:p>
+          </p:txBody>
+        </p:sp>
+      </p:grpSp>
+      <p:sp>
+        <p:nvSpPr>
+          <p:cNvPr id="131" name="Oval 130">
+            <a:extLst>
+              <a:ext uri="{FF2B5EF4-FFF2-40B4-BE49-F238E27FC236}">
+                <a16:creationId xmlns:a16="http://schemas.microsoft.com/office/drawing/2014/main" id="{DAD220F9-DD80-4B57-BA96-E5DE0A842387}"/>
+              </a:ext>
+            </a:extLst>
+          </p:cNvPr>
+          <p:cNvSpPr/>
+          <p:nvPr/>
+        </p:nvSpPr>
+        <p:spPr>
+          <a:xfrm>
+            <a:off x="3723316" y="5212082"/>
+            <a:ext cx="1020278" cy="952900"/>
+          </a:xfrm>
+          <a:prstGeom prst="ellipse">
+            <a:avLst/>
+          </a:prstGeom>
+          <a:solidFill>
+            <a:schemeClr val="bg1">
+              <a:lumMod val="65000"/>
+            </a:schemeClr>
+          </a:solidFill>
+        </p:spPr>
+        <p:style>
+          <a:lnRef idx="2">
+            <a:schemeClr val="accent1">
+              <a:shade val="50000"/>
+            </a:schemeClr>
+          </a:lnRef>
+          <a:fillRef idx="1">
+            <a:schemeClr val="accent1"/>
+          </a:fillRef>
+          <a:effectRef idx="0">
+            <a:schemeClr val="accent1"/>
+          </a:effectRef>
+          <a:fontRef idx="minor">
+            <a:schemeClr val="lt1"/>
+          </a:fontRef>
+        </p:style>
+        <p:txBody>
+          <a:bodyPr rtlCol="0" anchor="ctr"/>
+          <a:lstStyle/>
+          <a:p>
+            <a:pPr algn="ctr"/>
+            <a:r>
+              <a:rPr lang="en-US" dirty="0"/>
+              <a:t>hoop</a:t>
+            </a:r>
+          </a:p>
+        </p:txBody>
+      </p:sp>
+      <p:sp>
+        <p:nvSpPr>
+          <p:cNvPr id="132" name="Rectangle 131">
+            <a:extLst>
+              <a:ext uri="{FF2B5EF4-FFF2-40B4-BE49-F238E27FC236}">
+                <a16:creationId xmlns:a16="http://schemas.microsoft.com/office/drawing/2014/main" id="{904B384C-4D8A-43A5-9CD1-85A886113699}"/>
+              </a:ext>
+            </a:extLst>
+          </p:cNvPr>
+          <p:cNvSpPr/>
+          <p:nvPr/>
+        </p:nvSpPr>
+        <p:spPr>
+          <a:xfrm rot="7712322">
+            <a:off x="2385462" y="3720183"/>
+            <a:ext cx="362555" cy="139565"/>
+          </a:xfrm>
+          <a:prstGeom prst="rect">
+            <a:avLst/>
+          </a:prstGeom>
+          <a:ln>
+            <a:solidFill>
+              <a:srgbClr val="FF0000"/>
+            </a:solidFill>
+          </a:ln>
+        </p:spPr>
+        <p:style>
+          <a:lnRef idx="2">
+            <a:schemeClr val="dk1">
+              <a:shade val="50000"/>
+            </a:schemeClr>
+          </a:lnRef>
+          <a:fillRef idx="1">
+            <a:schemeClr val="dk1"/>
+          </a:fillRef>
+          <a:effectRef idx="0">
+            <a:schemeClr val="dk1"/>
+          </a:effectRef>
+          <a:fontRef idx="minor">
+            <a:schemeClr val="lt1"/>
+          </a:fontRef>
+        </p:style>
+        <p:txBody>
+          <a:bodyPr rtlCol="0" anchor="ctr"/>
+          <a:lstStyle/>
+          <a:p>
+            <a:pPr algn="ctr"/>
+            <a:endParaRPr lang="en-US"/>
+          </a:p>
+        </p:txBody>
+      </p:sp>
+      <p:sp>
+        <p:nvSpPr>
+          <p:cNvPr id="133" name="Oval 132">
+            <a:extLst>
+              <a:ext uri="{FF2B5EF4-FFF2-40B4-BE49-F238E27FC236}">
+                <a16:creationId xmlns:a16="http://schemas.microsoft.com/office/drawing/2014/main" id="{1E65E273-B1D3-41B4-B873-3FB94D6718A4}"/>
+              </a:ext>
+            </a:extLst>
+          </p:cNvPr>
+          <p:cNvSpPr/>
+          <p:nvPr/>
+        </p:nvSpPr>
+        <p:spPr>
+          <a:xfrm>
+            <a:off x="2212150" y="3845293"/>
+            <a:ext cx="750770" cy="683394"/>
+          </a:xfrm>
+          <a:prstGeom prst="ellipse">
+            <a:avLst/>
+          </a:prstGeom>
+          <a:ln>
+            <a:solidFill>
+              <a:srgbClr val="FF0000"/>
+            </a:solidFill>
+          </a:ln>
+        </p:spPr>
+        <p:style>
+          <a:lnRef idx="2">
+            <a:schemeClr val="dk1">
+              <a:shade val="50000"/>
+            </a:schemeClr>
+          </a:lnRef>
+          <a:fillRef idx="1">
+            <a:schemeClr val="dk1"/>
+          </a:fillRef>
+          <a:effectRef idx="0">
+            <a:schemeClr val="dk1"/>
+          </a:effectRef>
+          <a:fontRef idx="minor">
+            <a:schemeClr val="lt1"/>
+          </a:fontRef>
+        </p:style>
+        <p:txBody>
+          <a:bodyPr rtlCol="0" anchor="ctr"/>
+          <a:lstStyle/>
+          <a:p>
+            <a:pPr algn="ctr"/>
+            <a:endParaRPr lang="en-US"/>
+          </a:p>
+        </p:txBody>
+      </p:sp>
+      <p:sp>
+        <p:nvSpPr>
+          <p:cNvPr id="134" name="Oval 133">
+            <a:extLst>
+              <a:ext uri="{FF2B5EF4-FFF2-40B4-BE49-F238E27FC236}">
+                <a16:creationId xmlns:a16="http://schemas.microsoft.com/office/drawing/2014/main" id="{F5C597BD-72EE-4CE1-AD77-0C4203924F92}"/>
+              </a:ext>
+            </a:extLst>
+          </p:cNvPr>
+          <p:cNvSpPr/>
+          <p:nvPr/>
+        </p:nvSpPr>
+        <p:spPr>
+          <a:xfrm>
+            <a:off x="2375780" y="3975235"/>
+            <a:ext cx="442762" cy="423511"/>
+          </a:xfrm>
+          <a:prstGeom prst="ellipse">
+            <a:avLst/>
+          </a:prstGeom>
+        </p:spPr>
+        <p:style>
+          <a:lnRef idx="2">
+            <a:schemeClr val="accent1">
+              <a:shade val="50000"/>
+            </a:schemeClr>
+          </a:lnRef>
+          <a:fillRef idx="1">
+            <a:schemeClr val="accent1"/>
+          </a:fillRef>
+          <a:effectRef idx="0">
+            <a:schemeClr val="accent1"/>
+          </a:effectRef>
+          <a:fontRef idx="minor">
+            <a:schemeClr val="lt1"/>
+          </a:fontRef>
+        </p:style>
+        <p:txBody>
+          <a:bodyPr rtlCol="0" anchor="ctr"/>
+          <a:lstStyle/>
+          <a:p>
+            <a:pPr algn="ctr"/>
+            <a:endParaRPr lang="en-US" dirty="0"/>
+          </a:p>
+        </p:txBody>
+      </p:sp>
+      <p:sp>
+        <p:nvSpPr>
+          <p:cNvPr id="135" name="Rectangle 134">
+            <a:extLst>
+              <a:ext uri="{FF2B5EF4-FFF2-40B4-BE49-F238E27FC236}">
+                <a16:creationId xmlns:a16="http://schemas.microsoft.com/office/drawing/2014/main" id="{870CA381-5DBB-4C55-8410-923E9EE98267}"/>
+              </a:ext>
+            </a:extLst>
+          </p:cNvPr>
+          <p:cNvSpPr/>
+          <p:nvPr/>
+        </p:nvSpPr>
+        <p:spPr>
+          <a:xfrm rot="7738831">
+            <a:off x="2669951" y="3796784"/>
+            <a:ext cx="404261" cy="116304"/>
+          </a:xfrm>
+          <a:prstGeom prst="rect">
+            <a:avLst/>
+          </a:prstGeom>
+          <a:solidFill>
+            <a:schemeClr val="tx1"/>
+          </a:solidFill>
+          <a:ln>
+            <a:solidFill>
+              <a:srgbClr val="FF0000"/>
+            </a:solidFill>
+          </a:ln>
+        </p:spPr>
+        <p:style>
+          <a:lnRef idx="2">
+            <a:schemeClr val="accent1">
+              <a:shade val="50000"/>
+            </a:schemeClr>
+          </a:lnRef>
+          <a:fillRef idx="1">
+            <a:schemeClr val="accent1"/>
+          </a:fillRef>
+          <a:effectRef idx="0">
+            <a:schemeClr val="accent1"/>
+          </a:effectRef>
+          <a:fontRef idx="minor">
+            <a:schemeClr val="lt1"/>
+          </a:fontRef>
+        </p:style>
+        <p:txBody>
+          <a:bodyPr rtlCol="0" anchor="ctr"/>
+          <a:lstStyle/>
+          <a:p>
+            <a:pPr algn="ctr"/>
+            <a:endParaRPr lang="en-US"/>
+          </a:p>
+        </p:txBody>
+      </p:sp>
+      <p:sp>
+        <p:nvSpPr>
+          <p:cNvPr id="136" name="Rectangle 135">
+            <a:extLst>
+              <a:ext uri="{FF2B5EF4-FFF2-40B4-BE49-F238E27FC236}">
+                <a16:creationId xmlns:a16="http://schemas.microsoft.com/office/drawing/2014/main" id="{C32A0643-8EED-41E1-940A-EA77CB63B4BF}"/>
+              </a:ext>
+            </a:extLst>
+          </p:cNvPr>
+          <p:cNvSpPr/>
+          <p:nvPr/>
+        </p:nvSpPr>
+        <p:spPr>
+          <a:xfrm rot="2315347">
+            <a:off x="2687029" y="3451492"/>
+            <a:ext cx="622434" cy="404261"/>
+          </a:xfrm>
+          <a:prstGeom prst="rect">
+            <a:avLst/>
+          </a:prstGeom>
+          <a:solidFill>
+            <a:schemeClr val="tx1">
+              <a:lumMod val="85000"/>
+              <a:lumOff val="15000"/>
+            </a:schemeClr>
+          </a:solidFill>
+          <a:ln>
+            <a:solidFill>
+              <a:srgbClr val="FF0000"/>
+            </a:solidFill>
+          </a:ln>
+        </p:spPr>
+        <p:style>
+          <a:lnRef idx="2">
+            <a:schemeClr val="accent1">
+              <a:shade val="50000"/>
+            </a:schemeClr>
+          </a:lnRef>
+          <a:fillRef idx="1">
+            <a:schemeClr val="accent1"/>
+          </a:fillRef>
+          <a:effectRef idx="0">
+            <a:schemeClr val="accent1"/>
+          </a:effectRef>
+          <a:fontRef idx="minor">
+            <a:schemeClr val="lt1"/>
+          </a:fontRef>
+        </p:style>
+        <p:txBody>
+          <a:bodyPr rtlCol="0" anchor="ctr"/>
+          <a:lstStyle/>
+          <a:p>
+            <a:pPr algn="ctr"/>
+            <a:r>
+              <a:rPr lang="en-US" dirty="0"/>
+              <a:t>arm</a:t>
+            </a:r>
+          </a:p>
+        </p:txBody>
+      </p:sp>
+      <p:pic>
+        <p:nvPicPr>
+          <p:cNvPr id="29" name="Audio 28">
+            <a:hlinkClick r:id="" action="ppaction://media"/>
+            <a:extLst>
+              <a:ext uri="{FF2B5EF4-FFF2-40B4-BE49-F238E27FC236}">
+                <a16:creationId xmlns:a16="http://schemas.microsoft.com/office/drawing/2014/main" id="{EFD95CA9-F9AA-4EB8-98B2-20405A7A0EBA}"/>
+              </a:ext>
+            </a:extLst>
+          </p:cNvPr>
+          <p:cNvPicPr>
+            <a:picLocks noChangeAspect="1"/>
+          </p:cNvPicPr>
+          <p:nvPr>
+            <a:audioFile r:link="rId2"/>
+            <p:extLst>
+              <p:ext uri="{DAA4B4D4-6D71-4841-9C94-3DE7FCFB9230}">
+                <p14:media xmlns:p14="http://schemas.microsoft.com/office/powerpoint/2010/main" r:embed="rId1"/>
+              </p:ext>
+            </p:extLst>
+          </p:nvPr>
+        </p:nvPicPr>
+        <p:blipFill>
+          <a:blip r:embed="rId4"/>
+          <a:stretch>
+            <a:fillRect/>
+          </a:stretch>
+        </p:blipFill>
+        <p:spPr>
+          <a:xfrm>
+            <a:off x="11633200" y="6299200"/>
+            <a:ext cx="406400" cy="406400"/>
+          </a:xfrm>
+          <a:prstGeom prst="rect">
+            <a:avLst/>
+          </a:prstGeom>
+        </p:spPr>
+      </p:pic>
     </p:spTree>
     <p:extLst>
       <p:ext uri="{BB962C8B-B14F-4D97-AF65-F5344CB8AC3E}">
@@ -12632,6 +12804,101 @@
   <p:clrMapOvr>
     <a:masterClrMapping/>
   </p:clrMapOvr>
+  <mc:AlternateContent xmlns:mc="http://schemas.openxmlformats.org/markup-compatibility/2006">
+    <mc:Choice xmlns:p14="http://schemas.microsoft.com/office/powerpoint/2010/main" Requires="p14">
+      <p:transition spd="slow" p14:dur="2000" advTm="16360"/>
+    </mc:Choice>
+    <mc:Fallback>
+      <p:transition spd="slow" advTm="16360"/>
+    </mc:Fallback>
+  </mc:AlternateContent>
+  <p:timing>
+    <p:tnLst>
+      <p:par>
+        <p:cTn id="1" dur="indefinite" restart="never" nodeType="tmRoot">
+          <p:childTnLst>
+            <p:seq concurrent="1" nextAc="seek">
+              <p:cTn id="2" dur="indefinite" nodeType="mainSeq">
+                <p:childTnLst>
+                  <p:par>
+                    <p:cTn id="3" fill="hold">
+                      <p:stCondLst>
+                        <p:cond delay="indefinite"/>
+                        <p:cond evt="onBegin" delay="0">
+                          <p:tn val="2"/>
+                        </p:cond>
+                      </p:stCondLst>
+                      <p:childTnLst>
+                        <p:par>
+                          <p:cTn id="4" fill="hold">
+                            <p:stCondLst>
+                              <p:cond delay="0"/>
+                            </p:stCondLst>
+                            <p:childTnLst>
+                              <p:par>
+                                <p:cTn id="5" presetID="1" presetClass="mediacall" presetSubtype="0" fill="hold" nodeType="afterEffect">
+                                  <p:stCondLst>
+                                    <p:cond delay="0"/>
+                                  </p:stCondLst>
+                                  <p:childTnLst>
+                                    <p:cmd type="call" cmd="playFrom(0.0)">
+                                      <p:cBhvr>
+                                        <p:cTn id="6" dur="1" fill="hold"/>
+                                        <p:tgtEl>
+                                          <p:spTgt spid="29"/>
+                                        </p:tgtEl>
+                                      </p:cBhvr>
+                                    </p:cmd>
+                                  </p:childTnLst>
+                                </p:cTn>
+                              </p:par>
+                            </p:childTnLst>
+                          </p:cTn>
+                        </p:par>
+                      </p:childTnLst>
+                    </p:cTn>
+                  </p:par>
+                </p:childTnLst>
+              </p:cTn>
+              <p:prevCondLst>
+                <p:cond evt="onPrev" delay="0">
+                  <p:tgtEl>
+                    <p:sldTgt/>
+                  </p:tgtEl>
+                </p:cond>
+              </p:prevCondLst>
+              <p:nextCondLst>
+                <p:cond evt="onNext" delay="0">
+                  <p:tgtEl>
+                    <p:sldTgt/>
+                  </p:tgtEl>
+                </p:cond>
+              </p:nextCondLst>
+            </p:seq>
+            <p:audio isNarration="1">
+              <p:cMediaNode vol="80000" showWhenStopped="0">
+                <p:cTn id="7" fill="hold" display="0">
+                  <p:stCondLst>
+                    <p:cond delay="indefinite"/>
+                  </p:stCondLst>
+                  <p:endCondLst>
+                    <p:cond evt="onStopAudio" delay="0">
+                      <p:tgtEl>
+                        <p:sldTgt/>
+                      </p:tgtEl>
+                    </p:cond>
+                  </p:endCondLst>
+                </p:cTn>
+                <p:tgtEl>
+                  <p:spTgt spid="29"/>
+                </p:tgtEl>
+              </p:cMediaNode>
+            </p:audio>
+          </p:childTnLst>
+        </p:cTn>
+      </p:par>
+    </p:tnLst>
+  </p:timing>
 </p:sld>
 </file>
 
@@ -13442,8 +13709,8 @@
           </a:fontRef>
         </p:style>
       </p:cxnSp>
-      <mc:AlternateContent xmlns:mc="http://schemas.openxmlformats.org/markup-compatibility/2006">
-        <mc:Choice xmlns:a14="http://schemas.microsoft.com/office/drawing/2010/main" Requires="a14">
+      <mc:AlternateContent xmlns:mc="http://schemas.openxmlformats.org/markup-compatibility/2006" xmlns:a14="http://schemas.microsoft.com/office/drawing/2010/main">
+        <mc:Choice Requires="a14">
           <p:sp>
             <p:nvSpPr>
               <p:cNvPr id="77" name="TextBox 76">
@@ -13472,6 +13739,7 @@
               </a:bodyPr>
               <a:lstStyle/>
               <a:p>
+                <a:pPr/>
                 <a14:m>
                   <m:oMathPara xmlns:m="http://schemas.openxmlformats.org/officeDocument/2006/math">
                     <m:oMathParaPr>
@@ -13788,7 +14056,7 @@
             </p:txBody>
           </p:sp>
         </mc:Choice>
-        <mc:Fallback>
+        <mc:Fallback xmlns="">
           <p:sp>
             <p:nvSpPr>
               <p:cNvPr id="77" name="TextBox 76">
@@ -13812,7 +14080,7 @@
                 <a:avLst/>
               </a:prstGeom>
               <a:blipFill>
-                <a:blip r:embed="rId2"/>
+                <a:blip r:embed="rId4"/>
                 <a:stretch>
                   <a:fillRect/>
                 </a:stretch>
@@ -13971,8 +14239,8 @@
           </a:fontRef>
         </p:style>
       </p:cxnSp>
-      <mc:AlternateContent xmlns:mc="http://schemas.openxmlformats.org/markup-compatibility/2006">
-        <mc:Choice xmlns:a14="http://schemas.microsoft.com/office/drawing/2010/main" Requires="a14">
+      <mc:AlternateContent xmlns:mc="http://schemas.openxmlformats.org/markup-compatibility/2006" xmlns:a14="http://schemas.microsoft.com/office/drawing/2010/main">
+        <mc:Choice Requires="a14">
           <p:sp>
             <p:nvSpPr>
               <p:cNvPr id="82" name="TextBox 81">
@@ -14001,6 +14269,7 @@
               </a:bodyPr>
               <a:lstStyle/>
               <a:p>
+                <a:pPr/>
                 <a14:m>
                   <m:oMathPara xmlns:m="http://schemas.openxmlformats.org/officeDocument/2006/math">
                     <m:oMathParaPr>
@@ -14021,7 +14290,7 @@
             </p:txBody>
           </p:sp>
         </mc:Choice>
-        <mc:Fallback>
+        <mc:Fallback xmlns="">
           <p:sp>
             <p:nvSpPr>
               <p:cNvPr id="82" name="TextBox 81">
@@ -14045,7 +14314,7 @@
                 <a:avLst/>
               </a:prstGeom>
               <a:blipFill>
-                <a:blip r:embed="rId3"/>
+                <a:blip r:embed="rId5"/>
                 <a:stretch>
                   <a:fillRect l="-29032" r="-25806" b="-6522"/>
                 </a:stretch>
@@ -14066,8 +14335,8 @@
           </p:sp>
         </mc:Fallback>
       </mc:AlternateContent>
-      <mc:AlternateContent xmlns:mc="http://schemas.openxmlformats.org/markup-compatibility/2006">
-        <mc:Choice xmlns:a14="http://schemas.microsoft.com/office/drawing/2010/main" Requires="a14">
+      <mc:AlternateContent xmlns:mc="http://schemas.openxmlformats.org/markup-compatibility/2006" xmlns:a14="http://schemas.microsoft.com/office/drawing/2010/main">
+        <mc:Choice Requires="a14">
           <p:sp>
             <p:nvSpPr>
               <p:cNvPr id="83" name="TextBox 82">
@@ -14096,6 +14365,7 @@
               </a:bodyPr>
               <a:lstStyle/>
               <a:p>
+                <a:pPr/>
                 <a14:m>
                   <m:oMathPara xmlns:m="http://schemas.openxmlformats.org/officeDocument/2006/math">
                     <m:oMathParaPr>
@@ -14135,7 +14405,7 @@
             </p:txBody>
           </p:sp>
         </mc:Choice>
-        <mc:Fallback>
+        <mc:Fallback xmlns="">
           <p:sp>
             <p:nvSpPr>
               <p:cNvPr id="83" name="TextBox 82">
@@ -14159,7 +14429,7 @@
                 <a:avLst/>
               </a:prstGeom>
               <a:blipFill>
-                <a:blip r:embed="rId4"/>
+                <a:blip r:embed="rId6"/>
                 <a:stretch>
                   <a:fillRect l="-19565" r="-6522" b="-15556"/>
                 </a:stretch>
@@ -14180,8 +14450,8 @@
           </p:sp>
         </mc:Fallback>
       </mc:AlternateContent>
-      <mc:AlternateContent xmlns:mc="http://schemas.openxmlformats.org/markup-compatibility/2006">
-        <mc:Choice xmlns:a14="http://schemas.microsoft.com/office/drawing/2010/main" Requires="a14">
+      <mc:AlternateContent xmlns:mc="http://schemas.openxmlformats.org/markup-compatibility/2006" xmlns:a14="http://schemas.microsoft.com/office/drawing/2010/main">
+        <mc:Choice Requires="a14">
           <p:sp>
             <p:nvSpPr>
               <p:cNvPr id="84" name="TextBox 83">
@@ -14210,6 +14480,7 @@
               </a:bodyPr>
               <a:lstStyle/>
               <a:p>
+                <a:pPr/>
                 <a14:m>
                   <m:oMathPara xmlns:m="http://schemas.openxmlformats.org/officeDocument/2006/math">
                     <m:oMathParaPr>
@@ -14255,7 +14526,7 @@
             </p:txBody>
           </p:sp>
         </mc:Choice>
-        <mc:Fallback>
+        <mc:Fallback xmlns="">
           <p:sp>
             <p:nvSpPr>
               <p:cNvPr id="84" name="TextBox 83">
@@ -14279,7 +14550,7 @@
                 <a:avLst/>
               </a:prstGeom>
               <a:blipFill>
-                <a:blip r:embed="rId5"/>
+                <a:blip r:embed="rId7"/>
                 <a:stretch>
                   <a:fillRect l="-10227" r="-9091" b="-28571"/>
                 </a:stretch>
@@ -14300,8 +14571,8 @@
           </p:sp>
         </mc:Fallback>
       </mc:AlternateContent>
-      <mc:AlternateContent xmlns:mc="http://schemas.openxmlformats.org/markup-compatibility/2006">
-        <mc:Choice xmlns:a14="http://schemas.microsoft.com/office/drawing/2010/main" Requires="a14">
+      <mc:AlternateContent xmlns:mc="http://schemas.openxmlformats.org/markup-compatibility/2006" xmlns:a14="http://schemas.microsoft.com/office/drawing/2010/main">
+        <mc:Choice Requires="a14">
           <p:sp>
             <p:nvSpPr>
               <p:cNvPr id="85" name="TextBox 84">
@@ -14330,6 +14601,7 @@
               </a:bodyPr>
               <a:lstStyle/>
               <a:p>
+                <a:pPr/>
                 <a14:m>
                   <m:oMathPara xmlns:m="http://schemas.openxmlformats.org/officeDocument/2006/math">
                     <m:oMathParaPr>
@@ -14369,7 +14641,7 @@
             </p:txBody>
           </p:sp>
         </mc:Choice>
-        <mc:Fallback>
+        <mc:Fallback xmlns="">
           <p:sp>
             <p:nvSpPr>
               <p:cNvPr id="85" name="TextBox 84">
@@ -14393,7 +14665,7 @@
                 <a:avLst/>
               </a:prstGeom>
               <a:blipFill>
-                <a:blip r:embed="rId6"/>
+                <a:blip r:embed="rId8"/>
                 <a:stretch>
                   <a:fillRect l="-19149" r="-6383" b="-15556"/>
                 </a:stretch>
@@ -14414,8 +14686,8 @@
           </p:sp>
         </mc:Fallback>
       </mc:AlternateContent>
-      <mc:AlternateContent xmlns:mc="http://schemas.openxmlformats.org/markup-compatibility/2006">
-        <mc:Choice xmlns:a14="http://schemas.microsoft.com/office/drawing/2010/main" Requires="a14">
+      <mc:AlternateContent xmlns:mc="http://schemas.openxmlformats.org/markup-compatibility/2006" xmlns:a14="http://schemas.microsoft.com/office/drawing/2010/main">
+        <mc:Choice Requires="a14">
           <p:sp>
             <p:nvSpPr>
               <p:cNvPr id="86" name="TextBox 85">
@@ -14444,6 +14716,7 @@
               </a:bodyPr>
               <a:lstStyle/>
               <a:p>
+                <a:pPr/>
                 <a14:m>
                   <m:oMathPara xmlns:m="http://schemas.openxmlformats.org/officeDocument/2006/math">
                     <m:oMathParaPr>
@@ -14489,7 +14762,7 @@
             </p:txBody>
           </p:sp>
         </mc:Choice>
-        <mc:Fallback>
+        <mc:Fallback xmlns="">
           <p:sp>
             <p:nvSpPr>
               <p:cNvPr id="86" name="TextBox 85">
@@ -14513,7 +14786,7 @@
                 <a:avLst/>
               </a:prstGeom>
               <a:blipFill>
-                <a:blip r:embed="rId7"/>
+                <a:blip r:embed="rId9"/>
                 <a:stretch>
                   <a:fillRect l="-10345" r="-9195" b="-30612"/>
                 </a:stretch>
@@ -14569,8 +14842,8 @@
           </a:p>
         </p:txBody>
       </p:sp>
-      <mc:AlternateContent xmlns:mc="http://schemas.openxmlformats.org/markup-compatibility/2006">
-        <mc:Choice xmlns:a14="http://schemas.microsoft.com/office/drawing/2010/main" Requires="a14">
+      <mc:AlternateContent xmlns:mc="http://schemas.openxmlformats.org/markup-compatibility/2006" xmlns:a14="http://schemas.microsoft.com/office/drawing/2010/main">
+        <mc:Choice Requires="a14">
           <p:sp>
             <p:nvSpPr>
               <p:cNvPr id="88" name="TextBox 87">
@@ -14599,6 +14872,7 @@
               </a:bodyPr>
               <a:lstStyle/>
               <a:p>
+                <a:pPr/>
                 <a14:m>
                   <m:oMathPara xmlns:m="http://schemas.openxmlformats.org/officeDocument/2006/math">
                     <m:oMathParaPr>
@@ -14681,7 +14955,7 @@
             </p:txBody>
           </p:sp>
         </mc:Choice>
-        <mc:Fallback>
+        <mc:Fallback xmlns="">
           <p:sp>
             <p:nvSpPr>
               <p:cNvPr id="88" name="TextBox 87">
@@ -14705,7 +14979,7 @@
                 <a:avLst/>
               </a:prstGeom>
               <a:blipFill>
-                <a:blip r:embed="rId8"/>
+                <a:blip r:embed="rId10"/>
                 <a:stretch>
                   <a:fillRect/>
                 </a:stretch>
@@ -14726,6 +15000,197 @@
           </p:sp>
         </mc:Fallback>
       </mc:AlternateContent>
+      <p:pic>
+        <p:nvPicPr>
+          <p:cNvPr id="3" name="Audio 2">
+            <a:hlinkClick r:id="" action="ppaction://media"/>
+            <a:extLst>
+              <a:ext uri="{FF2B5EF4-FFF2-40B4-BE49-F238E27FC236}">
+                <a16:creationId xmlns:a16="http://schemas.microsoft.com/office/drawing/2014/main" id="{4CC8C046-16E4-412C-995E-5CB38ED93EF2}"/>
+              </a:ext>
+            </a:extLst>
+          </p:cNvPr>
+          <p:cNvPicPr>
+            <a:picLocks noChangeAspect="1"/>
+          </p:cNvPicPr>
+          <p:nvPr>
+            <a:audioFile r:link="rId2"/>
+            <p:extLst>
+              <p:ext uri="{DAA4B4D4-6D71-4841-9C94-3DE7FCFB9230}">
+                <p14:media xmlns:p14="http://schemas.microsoft.com/office/powerpoint/2010/main" r:embed="rId1"/>
+              </p:ext>
+            </p:extLst>
+          </p:nvPr>
+        </p:nvPicPr>
+        <p:blipFill>
+          <a:blip r:embed="rId11"/>
+          <a:stretch>
+            <a:fillRect/>
+          </a:stretch>
+        </p:blipFill>
+        <p:spPr>
+          <a:xfrm>
+            <a:off x="11633200" y="6299200"/>
+            <a:ext cx="406400" cy="406400"/>
+          </a:xfrm>
+          <a:prstGeom prst="rect">
+            <a:avLst/>
+          </a:prstGeom>
+        </p:spPr>
+      </p:pic>
+    </p:spTree>
+    <p:extLst>
+      <p:ext uri="{BB962C8B-B14F-4D97-AF65-F5344CB8AC3E}">
+        <p14:creationId xmlns:p14="http://schemas.microsoft.com/office/powerpoint/2010/main" val="4115500170"/>
+      </p:ext>
+    </p:extLst>
+  </p:cSld>
+  <p:clrMapOvr>
+    <a:masterClrMapping/>
+  </p:clrMapOvr>
+  <mc:AlternateContent xmlns:mc="http://schemas.openxmlformats.org/markup-compatibility/2006">
+    <mc:Choice xmlns:p14="http://schemas.microsoft.com/office/powerpoint/2010/main" Requires="p14">
+      <p:transition spd="slow" p14:dur="2000" advTm="60921"/>
+    </mc:Choice>
+    <mc:Fallback>
+      <p:transition spd="slow" advTm="60921"/>
+    </mc:Fallback>
+  </mc:AlternateContent>
+  <p:timing>
+    <p:tnLst>
+      <p:par>
+        <p:cTn id="1" dur="indefinite" restart="never" nodeType="tmRoot">
+          <p:childTnLst>
+            <p:seq concurrent="1" nextAc="seek">
+              <p:cTn id="2" dur="indefinite" nodeType="mainSeq">
+                <p:childTnLst>
+                  <p:par>
+                    <p:cTn id="3" fill="hold">
+                      <p:stCondLst>
+                        <p:cond delay="indefinite"/>
+                        <p:cond evt="onBegin" delay="0">
+                          <p:tn val="2"/>
+                        </p:cond>
+                      </p:stCondLst>
+                      <p:childTnLst>
+                        <p:par>
+                          <p:cTn id="4" fill="hold">
+                            <p:stCondLst>
+                              <p:cond delay="0"/>
+                            </p:stCondLst>
+                            <p:childTnLst>
+                              <p:par>
+                                <p:cTn id="5" presetID="1" presetClass="mediacall" presetSubtype="0" fill="hold" nodeType="afterEffect">
+                                  <p:stCondLst>
+                                    <p:cond delay="0"/>
+                                  </p:stCondLst>
+                                  <p:childTnLst>
+                                    <p:cmd type="call" cmd="playFrom(0.0)">
+                                      <p:cBhvr>
+                                        <p:cTn id="6" dur="1" fill="hold"/>
+                                        <p:tgtEl>
+                                          <p:spTgt spid="3"/>
+                                        </p:tgtEl>
+                                      </p:cBhvr>
+                                    </p:cmd>
+                                  </p:childTnLst>
+                                </p:cTn>
+                              </p:par>
+                            </p:childTnLst>
+                          </p:cTn>
+                        </p:par>
+                      </p:childTnLst>
+                    </p:cTn>
+                  </p:par>
+                </p:childTnLst>
+              </p:cTn>
+              <p:prevCondLst>
+                <p:cond evt="onPrev" delay="0">
+                  <p:tgtEl>
+                    <p:sldTgt/>
+                  </p:tgtEl>
+                </p:cond>
+              </p:prevCondLst>
+              <p:nextCondLst>
+                <p:cond evt="onNext" delay="0">
+                  <p:tgtEl>
+                    <p:sldTgt/>
+                  </p:tgtEl>
+                </p:cond>
+              </p:nextCondLst>
+            </p:seq>
+            <p:audio isNarration="1">
+              <p:cMediaNode vol="80000" showWhenStopped="0">
+                <p:cTn id="7" fill="hold" display="0">
+                  <p:stCondLst>
+                    <p:cond delay="indefinite"/>
+                  </p:stCondLst>
+                  <p:endCondLst>
+                    <p:cond evt="onStopAudio" delay="0">
+                      <p:tgtEl>
+                        <p:sldTgt/>
+                      </p:tgtEl>
+                    </p:cond>
+                  </p:endCondLst>
+                </p:cTn>
+                <p:tgtEl>
+                  <p:spTgt spid="3"/>
+                </p:tgtEl>
+              </p:cMediaNode>
+            </p:audio>
+          </p:childTnLst>
+        </p:cTn>
+      </p:par>
+    </p:tnLst>
+  </p:timing>
+</p:sld>
+</file>
+
+<file path=ppt/slides/slide7.xml><?xml version="1.0" encoding="utf-8"?>
+<p:sld xmlns:a="http://schemas.openxmlformats.org/drawingml/2006/main" xmlns:r="http://schemas.openxmlformats.org/officeDocument/2006/relationships" xmlns:p="http://schemas.openxmlformats.org/presentationml/2006/main">
+  <p:cSld>
+    <p:spTree>
+      <p:nvGrpSpPr>
+        <p:cNvPr id="1" name=""/>
+        <p:cNvGrpSpPr/>
+        <p:nvPr/>
+      </p:nvGrpSpPr>
+      <p:grpSpPr>
+        <a:xfrm>
+          <a:off x="0" y="0"/>
+          <a:ext cx="0" cy="0"/>
+          <a:chOff x="0" y="0"/>
+          <a:chExt cx="0" cy="0"/>
+        </a:xfrm>
+      </p:grpSpPr>
+      <p:sp>
+        <p:nvSpPr>
+          <p:cNvPr id="2" name="Title 1">
+            <a:extLst>
+              <a:ext uri="{FF2B5EF4-FFF2-40B4-BE49-F238E27FC236}">
+                <a16:creationId xmlns:a16="http://schemas.microsoft.com/office/drawing/2014/main" id="{19EC8D7B-2DFC-4931-86B8-783F799CC1C8}"/>
+              </a:ext>
+            </a:extLst>
+          </p:cNvPr>
+          <p:cNvSpPr>
+            <a:spLocks noGrp="1"/>
+          </p:cNvSpPr>
+          <p:nvPr>
+            <p:ph type="title"/>
+          </p:nvPr>
+        </p:nvSpPr>
+        <p:spPr/>
+        <p:txBody>
+          <a:bodyPr/>
+          <a:lstStyle/>
+          <a:p>
+            <a:r>
+              <a:rPr lang="en-US" dirty="0"/>
+              <a:t>VREP Demonstration</a:t>
+            </a:r>
+          </a:p>
+        </p:txBody>
+      </p:sp>
     </p:spTree>
     <p:extLst>
       <p:ext uri="{BB962C8B-B14F-4D97-AF65-F5344CB8AC3E}">
